--- a/跨部门沟通/跨部门沟通.pptx
+++ b/跨部门沟通/跨部门沟通.pptx
@@ -5,7 +5,7 @@
     <p:sldMasterId id="2147483648" r:id="rId1"/>
   </p:sldMasterIdLst>
   <p:notesMasterIdLst>
-    <p:notesMasterId r:id="rId39"/>
+    <p:notesMasterId r:id="rId43"/>
   </p:notesMasterIdLst>
   <p:sldIdLst>
     <p:sldId id="256" r:id="rId2"/>
@@ -36,15 +36,19 @@
     <p:sldId id="281" r:id="rId27"/>
     <p:sldId id="282" r:id="rId28"/>
     <p:sldId id="283" r:id="rId29"/>
-    <p:sldId id="284" r:id="rId30"/>
-    <p:sldId id="285" r:id="rId31"/>
-    <p:sldId id="286" r:id="rId32"/>
-    <p:sldId id="287" r:id="rId33"/>
-    <p:sldId id="294" r:id="rId34"/>
-    <p:sldId id="288" r:id="rId35"/>
-    <p:sldId id="289" r:id="rId36"/>
-    <p:sldId id="290" r:id="rId37"/>
-    <p:sldId id="292" r:id="rId38"/>
+    <p:sldId id="295" r:id="rId30"/>
+    <p:sldId id="296" r:id="rId31"/>
+    <p:sldId id="300" r:id="rId32"/>
+    <p:sldId id="301" r:id="rId33"/>
+    <p:sldId id="284" r:id="rId34"/>
+    <p:sldId id="285" r:id="rId35"/>
+    <p:sldId id="286" r:id="rId36"/>
+    <p:sldId id="287" r:id="rId37"/>
+    <p:sldId id="294" r:id="rId38"/>
+    <p:sldId id="288" r:id="rId39"/>
+    <p:sldId id="289" r:id="rId40"/>
+    <p:sldId id="290" r:id="rId41"/>
+    <p:sldId id="292" r:id="rId42"/>
   </p:sldIdLst>
   <p:sldSz cx="12192000" cy="6858000"/>
   <p:notesSz cx="6858000" cy="9144000"/>
@@ -2339,7 +2343,7 @@
     </p:spTree>
     <p:extLst>
       <p:ext uri="{BB962C8B-B14F-4D97-AF65-F5344CB8AC3E}">
-        <p14:creationId xmlns:p14="http://schemas.microsoft.com/office/powerpoint/2010/main" val="1626202337"/>
+        <p14:creationId xmlns:p14="http://schemas.microsoft.com/office/powerpoint/2010/main" val="376323723"/>
       </p:ext>
     </p:extLst>
   </p:cSld>
@@ -2477,10 +2481,6 @@
           <a:bodyPr/>
           <a:lstStyle/>
           <a:p>
-            <a:r>
-              <a:rPr lang="zh-CN" altLang="en-US" dirty="0" smtClean="0"/>
-              <a:t>长期伙伴关系</a:t>
-            </a:r>
             <a:endParaRPr lang="zh-CN" altLang="en-US" dirty="0"/>
           </a:p>
         </p:txBody>
@@ -2511,7 +2511,7 @@
     </p:spTree>
     <p:extLst>
       <p:ext uri="{BB962C8B-B14F-4D97-AF65-F5344CB8AC3E}">
-        <p14:creationId xmlns:p14="http://schemas.microsoft.com/office/powerpoint/2010/main" val="2520855310"/>
+        <p14:creationId xmlns:p14="http://schemas.microsoft.com/office/powerpoint/2010/main" val="2543865949"/>
       </p:ext>
     </p:extLst>
   </p:cSld>
@@ -2565,85 +2565,6 @@
           <a:bodyPr/>
           <a:lstStyle/>
           <a:p>
-            <a:r>
-              <a:rPr lang="en-US" altLang="zh-CN" sz="1200" b="0" i="0" kern="1200" dirty="0" smtClean="0">
-                <a:solidFill>
-                  <a:schemeClr val="tx1"/>
-                </a:solidFill>
-                <a:effectLst/>
-                <a:latin typeface="+mn-lt"/>
-                <a:ea typeface="+mn-ea"/>
-                <a:cs typeface="+mn-cs"/>
-              </a:rPr>
-              <a:t>Commitment must be visible through action. It’s easy to place posters and signs upon the wall, but that’s not the action of which I’m speaking. </a:t>
-            </a:r>
-          </a:p>
-          <a:p>
-            <a:endParaRPr lang="en-US" altLang="zh-CN" sz="1200" b="0" i="0" kern="1200" dirty="0" smtClean="0">
-              <a:solidFill>
-                <a:schemeClr val="tx1"/>
-              </a:solidFill>
-              <a:effectLst/>
-              <a:latin typeface="+mn-lt"/>
-              <a:ea typeface="+mn-ea"/>
-              <a:cs typeface="+mn-cs"/>
-            </a:endParaRPr>
-          </a:p>
-          <a:p>
-            <a:r>
-              <a:rPr lang="en-US" altLang="zh-CN" sz="1200" b="0" i="0" kern="1200" dirty="0" smtClean="0">
-                <a:solidFill>
-                  <a:schemeClr val="tx1"/>
-                </a:solidFill>
-                <a:effectLst/>
-                <a:latin typeface="+mn-lt"/>
-                <a:ea typeface="+mn-ea"/>
-                <a:cs typeface="+mn-cs"/>
-              </a:rPr>
-              <a:t>Once the commitment is in place, the need to ensure that everyone within the organization is on the same page is paramount to the organization’s success. Completeness means that everyone within every department understands their role in providing great customer service.</a:t>
-            </a:r>
-          </a:p>
-          <a:p>
-            <a:endParaRPr lang="en-US" altLang="zh-CN" sz="1200" b="0" i="0" kern="1200" dirty="0" smtClean="0">
-              <a:solidFill>
-                <a:schemeClr val="tx1"/>
-              </a:solidFill>
-              <a:effectLst/>
-              <a:latin typeface="+mn-lt"/>
-              <a:ea typeface="+mn-ea"/>
-              <a:cs typeface="+mn-cs"/>
-            </a:endParaRPr>
-          </a:p>
-          <a:p>
-            <a:r>
-              <a:rPr lang="en-US" altLang="zh-CN" sz="1200" b="0" i="0" kern="1200" dirty="0" smtClean="0">
-                <a:solidFill>
-                  <a:schemeClr val="tx1"/>
-                </a:solidFill>
-                <a:effectLst/>
-                <a:latin typeface="+mn-lt"/>
-                <a:ea typeface="+mn-ea"/>
-                <a:cs typeface="+mn-cs"/>
-              </a:rPr>
-              <a:t>Consistency means the customer receives the same level of service during each encounter with your organization. </a:t>
-            </a:r>
-          </a:p>
-          <a:p>
-            <a:endParaRPr lang="en-US" altLang="zh-CN" sz="1200" b="0" i="0" kern="1200" dirty="0" smtClean="0">
-              <a:solidFill>
-                <a:schemeClr val="tx1"/>
-              </a:solidFill>
-              <a:effectLst/>
-              <a:latin typeface="+mn-lt"/>
-              <a:ea typeface="+mn-ea"/>
-              <a:cs typeface="+mn-cs"/>
-            </a:endParaRPr>
-          </a:p>
-          <a:p>
-            <a:r>
-              <a:rPr lang="en-US" altLang="zh-CN" dirty="0" smtClean="0"/>
-              <a:t> The glue that holds all of this together is the fourth C – Communication</a:t>
-            </a:r>
             <a:endParaRPr lang="zh-CN" altLang="en-US" dirty="0"/>
           </a:p>
         </p:txBody>
@@ -2674,7 +2595,7 @@
     </p:spTree>
     <p:extLst>
       <p:ext uri="{BB962C8B-B14F-4D97-AF65-F5344CB8AC3E}">
-        <p14:creationId xmlns:p14="http://schemas.microsoft.com/office/powerpoint/2010/main" val="2662264843"/>
+        <p14:creationId xmlns:p14="http://schemas.microsoft.com/office/powerpoint/2010/main" val="1201809883"/>
       </p:ext>
     </p:extLst>
   </p:cSld>
@@ -2728,85 +2649,6 @@
           <a:bodyPr/>
           <a:lstStyle/>
           <a:p>
-            <a:r>
-              <a:rPr lang="en-US" altLang="zh-CN" sz="1200" b="0" i="0" kern="1200" dirty="0" smtClean="0">
-                <a:solidFill>
-                  <a:schemeClr val="tx1"/>
-                </a:solidFill>
-                <a:effectLst/>
-                <a:latin typeface="+mn-lt"/>
-                <a:ea typeface="+mn-ea"/>
-                <a:cs typeface="+mn-cs"/>
-              </a:rPr>
-              <a:t>Commitment must be visible through action. It’s easy to place posters and signs upon the wall, but that’s not the action of which I’m speaking. </a:t>
-            </a:r>
-          </a:p>
-          <a:p>
-            <a:endParaRPr lang="en-US" altLang="zh-CN" sz="1200" b="0" i="0" kern="1200" dirty="0" smtClean="0">
-              <a:solidFill>
-                <a:schemeClr val="tx1"/>
-              </a:solidFill>
-              <a:effectLst/>
-              <a:latin typeface="+mn-lt"/>
-              <a:ea typeface="+mn-ea"/>
-              <a:cs typeface="+mn-cs"/>
-            </a:endParaRPr>
-          </a:p>
-          <a:p>
-            <a:r>
-              <a:rPr lang="en-US" altLang="zh-CN" sz="1200" b="0" i="0" kern="1200" dirty="0" smtClean="0">
-                <a:solidFill>
-                  <a:schemeClr val="tx1"/>
-                </a:solidFill>
-                <a:effectLst/>
-                <a:latin typeface="+mn-lt"/>
-                <a:ea typeface="+mn-ea"/>
-                <a:cs typeface="+mn-cs"/>
-              </a:rPr>
-              <a:t>Once the commitment is in place, the need to ensure that everyone within the organization is on the same page is paramount to the organization’s success. Completeness means that everyone within every department understands their role in providing great customer service.</a:t>
-            </a:r>
-          </a:p>
-          <a:p>
-            <a:endParaRPr lang="en-US" altLang="zh-CN" sz="1200" b="0" i="0" kern="1200" dirty="0" smtClean="0">
-              <a:solidFill>
-                <a:schemeClr val="tx1"/>
-              </a:solidFill>
-              <a:effectLst/>
-              <a:latin typeface="+mn-lt"/>
-              <a:ea typeface="+mn-ea"/>
-              <a:cs typeface="+mn-cs"/>
-            </a:endParaRPr>
-          </a:p>
-          <a:p>
-            <a:r>
-              <a:rPr lang="en-US" altLang="zh-CN" sz="1200" b="0" i="0" kern="1200" dirty="0" smtClean="0">
-                <a:solidFill>
-                  <a:schemeClr val="tx1"/>
-                </a:solidFill>
-                <a:effectLst/>
-                <a:latin typeface="+mn-lt"/>
-                <a:ea typeface="+mn-ea"/>
-                <a:cs typeface="+mn-cs"/>
-              </a:rPr>
-              <a:t>Consistency means the customer receives the same level of service during each encounter with your organization. </a:t>
-            </a:r>
-          </a:p>
-          <a:p>
-            <a:endParaRPr lang="en-US" altLang="zh-CN" sz="1200" b="0" i="0" kern="1200" dirty="0" smtClean="0">
-              <a:solidFill>
-                <a:schemeClr val="tx1"/>
-              </a:solidFill>
-              <a:effectLst/>
-              <a:latin typeface="+mn-lt"/>
-              <a:ea typeface="+mn-ea"/>
-              <a:cs typeface="+mn-cs"/>
-            </a:endParaRPr>
-          </a:p>
-          <a:p>
-            <a:r>
-              <a:rPr lang="en-US" altLang="zh-CN" dirty="0" smtClean="0"/>
-              <a:t> The glue that holds all of this together is the fourth C – Communication</a:t>
-            </a:r>
             <a:endParaRPr lang="zh-CN" altLang="en-US" dirty="0"/>
           </a:p>
         </p:txBody>
@@ -2837,7 +2679,7 @@
     </p:spTree>
     <p:extLst>
       <p:ext uri="{BB962C8B-B14F-4D97-AF65-F5344CB8AC3E}">
-        <p14:creationId xmlns:p14="http://schemas.microsoft.com/office/powerpoint/2010/main" val="3451388286"/>
+        <p14:creationId xmlns:p14="http://schemas.microsoft.com/office/powerpoint/2010/main" val="900409678"/>
       </p:ext>
     </p:extLst>
   </p:cSld>
@@ -2891,146 +2733,6 @@
           <a:bodyPr/>
           <a:lstStyle/>
           <a:p>
-            <a:pPr lvl="2"/>
-            <a:r>
-              <a:rPr lang="zh-CN" altLang="en-US" dirty="0" smtClean="0"/>
-              <a:t>速度</a:t>
-            </a:r>
-            <a:endParaRPr lang="en-US" altLang="zh-CN" dirty="0" smtClean="0"/>
-          </a:p>
-          <a:p>
-            <a:pPr lvl="3"/>
-            <a:r>
-              <a:rPr lang="zh-CN" altLang="en-US" dirty="0" smtClean="0"/>
-              <a:t>做错事，认错就要和时间赛跑</a:t>
-            </a:r>
-            <a:endParaRPr lang="en-US" altLang="zh-CN" dirty="0" smtClean="0"/>
-          </a:p>
-          <a:p>
-            <a:pPr lvl="2"/>
-            <a:r>
-              <a:rPr lang="zh-CN" altLang="en-US" dirty="0" smtClean="0"/>
-              <a:t>坦诚</a:t>
-            </a:r>
-            <a:endParaRPr lang="en-US" altLang="zh-CN" dirty="0" smtClean="0"/>
-          </a:p>
-          <a:p>
-            <a:pPr lvl="3"/>
-            <a:r>
-              <a:rPr lang="zh-CN" altLang="en-US" dirty="0" smtClean="0"/>
-              <a:t>公开透明，开诚布公</a:t>
-            </a:r>
-            <a:endParaRPr lang="en-US" altLang="zh-CN" dirty="0" smtClean="0"/>
-          </a:p>
-          <a:p>
-            <a:pPr lvl="2"/>
-            <a:r>
-              <a:rPr lang="zh-CN" altLang="en-US" dirty="0" smtClean="0"/>
-              <a:t>弱点</a:t>
-            </a:r>
-            <a:endParaRPr lang="en-US" altLang="zh-CN" dirty="0" smtClean="0"/>
-          </a:p>
-          <a:p>
-            <a:pPr lvl="3"/>
-            <a:r>
-              <a:rPr lang="zh-CN" altLang="en-US" dirty="0" smtClean="0"/>
-              <a:t>猴子和猩猩打斗之后会将自己的手指放到被欺凌的一方口中</a:t>
-            </a:r>
-            <a:endParaRPr lang="en-US" altLang="zh-CN" dirty="0" smtClean="0"/>
-          </a:p>
-          <a:p>
-            <a:pPr lvl="2"/>
-            <a:r>
-              <a:rPr lang="zh-CN" altLang="en-US" dirty="0" smtClean="0"/>
-              <a:t>关注受害人</a:t>
-            </a:r>
-            <a:endParaRPr lang="en-US" altLang="zh-CN" dirty="0" smtClean="0"/>
-          </a:p>
-          <a:p>
-            <a:pPr lvl="3"/>
-            <a:r>
-              <a:rPr lang="zh-CN" altLang="en-US" dirty="0" smtClean="0"/>
-              <a:t>你不喜欢</a:t>
-            </a:r>
-            <a:r>
-              <a:rPr lang="en-US" altLang="zh-CN" dirty="0" smtClean="0"/>
-              <a:t>iPhone4</a:t>
-            </a:r>
-            <a:r>
-              <a:rPr lang="zh-CN" altLang="en-US" dirty="0" smtClean="0"/>
-              <a:t>就不要买，你买了不喜欢你就退回来</a:t>
-            </a:r>
-            <a:r>
-              <a:rPr lang="en-US" altLang="zh-CN" dirty="0" smtClean="0"/>
-              <a:t>……</a:t>
-            </a:r>
-            <a:r>
-              <a:rPr lang="zh-CN" altLang="en-US" dirty="0" smtClean="0"/>
-              <a:t>但你又不想退回来</a:t>
-            </a:r>
-            <a:endParaRPr lang="en-US" altLang="zh-CN" dirty="0" smtClean="0"/>
-          </a:p>
-          <a:p>
-            <a:pPr lvl="2"/>
-            <a:r>
-              <a:rPr lang="zh-CN" altLang="en-US" dirty="0" smtClean="0"/>
-              <a:t>承诺进行改变</a:t>
-            </a:r>
-            <a:endParaRPr lang="en-US" altLang="zh-CN" dirty="0" smtClean="0"/>
-          </a:p>
-          <a:p>
-            <a:pPr lvl="3"/>
-            <a:r>
-              <a:rPr lang="zh-CN" altLang="en-US" dirty="0" smtClean="0"/>
-              <a:t>最重要的部分，成功的致歉将致歉人分成两部分：一部分要对错误承担责任，另一部分值得再获得一次机会</a:t>
-            </a:r>
-            <a:endParaRPr lang="en-US" altLang="zh-CN" dirty="0" smtClean="0"/>
-          </a:p>
-          <a:p>
-            <a:pPr lvl="2"/>
-            <a:r>
-              <a:rPr lang="zh-CN" altLang="en-US" dirty="0" smtClean="0"/>
-              <a:t>忏悔</a:t>
-            </a:r>
-            <a:endParaRPr lang="en-US" altLang="zh-CN" dirty="0" smtClean="0"/>
-          </a:p>
-          <a:p>
-            <a:pPr lvl="2"/>
-            <a:r>
-              <a:rPr lang="en-US" altLang="zh-CN" baseline="0" dirty="0" smtClean="0"/>
-              <a:t>           </a:t>
-            </a:r>
-            <a:r>
-              <a:rPr lang="zh-CN" altLang="en-US" baseline="0" dirty="0" smtClean="0"/>
-              <a:t>任何对受害者的赔罪都算作是忏悔。</a:t>
-            </a:r>
-            <a:endParaRPr lang="en-US" altLang="zh-CN" baseline="0" dirty="0" smtClean="0"/>
-          </a:p>
-          <a:p>
-            <a:pPr lvl="2"/>
-            <a:r>
-              <a:rPr lang="en-US" altLang="zh-CN" baseline="0" dirty="0" smtClean="0"/>
-              <a:t>           </a:t>
-            </a:r>
-            <a:r>
-              <a:rPr lang="zh-CN" altLang="en-US" baseline="0" dirty="0" smtClean="0"/>
-              <a:t>向对方传递信号，经常是非语言形式的。</a:t>
-            </a:r>
-            <a:endParaRPr lang="en-US" altLang="zh-CN" baseline="0" dirty="0" smtClean="0"/>
-          </a:p>
-          <a:p>
-            <a:pPr lvl="2"/>
-            <a:r>
-              <a:rPr lang="en-US" altLang="zh-CN" baseline="0" dirty="0" smtClean="0"/>
-              <a:t>           </a:t>
-            </a:r>
-            <a:r>
-              <a:rPr lang="zh-CN" altLang="en-US" baseline="0" dirty="0" smtClean="0"/>
-              <a:t>信号的清晰度和力度</a:t>
-            </a:r>
-            <a:endParaRPr lang="en-US" altLang="zh-CN" dirty="0" smtClean="0"/>
-          </a:p>
-          <a:p>
             <a:endParaRPr lang="zh-CN" altLang="en-US" dirty="0"/>
           </a:p>
         </p:txBody>
@@ -3061,7 +2763,7 @@
     </p:spTree>
     <p:extLst>
       <p:ext uri="{BB962C8B-B14F-4D97-AF65-F5344CB8AC3E}">
-        <p14:creationId xmlns:p14="http://schemas.microsoft.com/office/powerpoint/2010/main" val="3212262532"/>
+        <p14:creationId xmlns:p14="http://schemas.microsoft.com/office/powerpoint/2010/main" val="1626202337"/>
       </p:ext>
     </p:extLst>
   </p:cSld>
@@ -3115,6 +2817,10 @@
           <a:bodyPr/>
           <a:lstStyle/>
           <a:p>
+            <a:r>
+              <a:rPr lang="zh-CN" altLang="en-US" dirty="0" smtClean="0"/>
+              <a:t>长期伙伴关系</a:t>
+            </a:r>
             <a:endParaRPr lang="zh-CN" altLang="en-US" dirty="0"/>
           </a:p>
         </p:txBody>
@@ -3145,7 +2851,7 @@
     </p:spTree>
     <p:extLst>
       <p:ext uri="{BB962C8B-B14F-4D97-AF65-F5344CB8AC3E}">
-        <p14:creationId xmlns:p14="http://schemas.microsoft.com/office/powerpoint/2010/main" val="1271311225"/>
+        <p14:creationId xmlns:p14="http://schemas.microsoft.com/office/powerpoint/2010/main" val="2520855310"/>
       </p:ext>
     </p:extLst>
   </p:cSld>
@@ -3199,6 +2905,85 @@
           <a:bodyPr/>
           <a:lstStyle/>
           <a:p>
+            <a:r>
+              <a:rPr lang="en-US" altLang="zh-CN" sz="1200" b="0" i="0" kern="1200" dirty="0" smtClean="0">
+                <a:solidFill>
+                  <a:schemeClr val="tx1"/>
+                </a:solidFill>
+                <a:effectLst/>
+                <a:latin typeface="+mn-lt"/>
+                <a:ea typeface="+mn-ea"/>
+                <a:cs typeface="+mn-cs"/>
+              </a:rPr>
+              <a:t>Commitment must be visible through action. It’s easy to place posters and signs upon the wall, but that’s not the action of which I’m speaking. </a:t>
+            </a:r>
+          </a:p>
+          <a:p>
+            <a:endParaRPr lang="en-US" altLang="zh-CN" sz="1200" b="0" i="0" kern="1200" dirty="0" smtClean="0">
+              <a:solidFill>
+                <a:schemeClr val="tx1"/>
+              </a:solidFill>
+              <a:effectLst/>
+              <a:latin typeface="+mn-lt"/>
+              <a:ea typeface="+mn-ea"/>
+              <a:cs typeface="+mn-cs"/>
+            </a:endParaRPr>
+          </a:p>
+          <a:p>
+            <a:r>
+              <a:rPr lang="en-US" altLang="zh-CN" sz="1200" b="0" i="0" kern="1200" dirty="0" smtClean="0">
+                <a:solidFill>
+                  <a:schemeClr val="tx1"/>
+                </a:solidFill>
+                <a:effectLst/>
+                <a:latin typeface="+mn-lt"/>
+                <a:ea typeface="+mn-ea"/>
+                <a:cs typeface="+mn-cs"/>
+              </a:rPr>
+              <a:t>Once the commitment is in place, the need to ensure that everyone within the organization is on the same page is paramount to the organization’s success. Completeness means that everyone within every department understands their role in providing great customer service.</a:t>
+            </a:r>
+          </a:p>
+          <a:p>
+            <a:endParaRPr lang="en-US" altLang="zh-CN" sz="1200" b="0" i="0" kern="1200" dirty="0" smtClean="0">
+              <a:solidFill>
+                <a:schemeClr val="tx1"/>
+              </a:solidFill>
+              <a:effectLst/>
+              <a:latin typeface="+mn-lt"/>
+              <a:ea typeface="+mn-ea"/>
+              <a:cs typeface="+mn-cs"/>
+            </a:endParaRPr>
+          </a:p>
+          <a:p>
+            <a:r>
+              <a:rPr lang="en-US" altLang="zh-CN" sz="1200" b="0" i="0" kern="1200" dirty="0" smtClean="0">
+                <a:solidFill>
+                  <a:schemeClr val="tx1"/>
+                </a:solidFill>
+                <a:effectLst/>
+                <a:latin typeface="+mn-lt"/>
+                <a:ea typeface="+mn-ea"/>
+                <a:cs typeface="+mn-cs"/>
+              </a:rPr>
+              <a:t>Consistency means the customer receives the same level of service during each encounter with your organization. </a:t>
+            </a:r>
+          </a:p>
+          <a:p>
+            <a:endParaRPr lang="en-US" altLang="zh-CN" sz="1200" b="0" i="0" kern="1200" dirty="0" smtClean="0">
+              <a:solidFill>
+                <a:schemeClr val="tx1"/>
+              </a:solidFill>
+              <a:effectLst/>
+              <a:latin typeface="+mn-lt"/>
+              <a:ea typeface="+mn-ea"/>
+              <a:cs typeface="+mn-cs"/>
+            </a:endParaRPr>
+          </a:p>
+          <a:p>
+            <a:r>
+              <a:rPr lang="en-US" altLang="zh-CN" dirty="0" smtClean="0"/>
+              <a:t> The glue that holds all of this together is the fourth C – Communication</a:t>
+            </a:r>
             <a:endParaRPr lang="zh-CN" altLang="en-US" dirty="0"/>
           </a:p>
         </p:txBody>
@@ -3229,7 +3014,7 @@
     </p:spTree>
     <p:extLst>
       <p:ext uri="{BB962C8B-B14F-4D97-AF65-F5344CB8AC3E}">
-        <p14:creationId xmlns:p14="http://schemas.microsoft.com/office/powerpoint/2010/main" val="2540735697"/>
+        <p14:creationId xmlns:p14="http://schemas.microsoft.com/office/powerpoint/2010/main" val="2662264843"/>
       </p:ext>
     </p:extLst>
   </p:cSld>
@@ -3283,6 +3068,85 @@
           <a:bodyPr/>
           <a:lstStyle/>
           <a:p>
+            <a:r>
+              <a:rPr lang="en-US" altLang="zh-CN" sz="1200" b="0" i="0" kern="1200" dirty="0" smtClean="0">
+                <a:solidFill>
+                  <a:schemeClr val="tx1"/>
+                </a:solidFill>
+                <a:effectLst/>
+                <a:latin typeface="+mn-lt"/>
+                <a:ea typeface="+mn-ea"/>
+                <a:cs typeface="+mn-cs"/>
+              </a:rPr>
+              <a:t>Commitment must be visible through action. It’s easy to place posters and signs upon the wall, but that’s not the action of which I’m speaking. </a:t>
+            </a:r>
+          </a:p>
+          <a:p>
+            <a:endParaRPr lang="en-US" altLang="zh-CN" sz="1200" b="0" i="0" kern="1200" dirty="0" smtClean="0">
+              <a:solidFill>
+                <a:schemeClr val="tx1"/>
+              </a:solidFill>
+              <a:effectLst/>
+              <a:latin typeface="+mn-lt"/>
+              <a:ea typeface="+mn-ea"/>
+              <a:cs typeface="+mn-cs"/>
+            </a:endParaRPr>
+          </a:p>
+          <a:p>
+            <a:r>
+              <a:rPr lang="en-US" altLang="zh-CN" sz="1200" b="0" i="0" kern="1200" dirty="0" smtClean="0">
+                <a:solidFill>
+                  <a:schemeClr val="tx1"/>
+                </a:solidFill>
+                <a:effectLst/>
+                <a:latin typeface="+mn-lt"/>
+                <a:ea typeface="+mn-ea"/>
+                <a:cs typeface="+mn-cs"/>
+              </a:rPr>
+              <a:t>Once the commitment is in place, the need to ensure that everyone within the organization is on the same page is paramount to the organization’s success. Completeness means that everyone within every department understands their role in providing great customer service.</a:t>
+            </a:r>
+          </a:p>
+          <a:p>
+            <a:endParaRPr lang="en-US" altLang="zh-CN" sz="1200" b="0" i="0" kern="1200" dirty="0" smtClean="0">
+              <a:solidFill>
+                <a:schemeClr val="tx1"/>
+              </a:solidFill>
+              <a:effectLst/>
+              <a:latin typeface="+mn-lt"/>
+              <a:ea typeface="+mn-ea"/>
+              <a:cs typeface="+mn-cs"/>
+            </a:endParaRPr>
+          </a:p>
+          <a:p>
+            <a:r>
+              <a:rPr lang="en-US" altLang="zh-CN" sz="1200" b="0" i="0" kern="1200" dirty="0" smtClean="0">
+                <a:solidFill>
+                  <a:schemeClr val="tx1"/>
+                </a:solidFill>
+                <a:effectLst/>
+                <a:latin typeface="+mn-lt"/>
+                <a:ea typeface="+mn-ea"/>
+                <a:cs typeface="+mn-cs"/>
+              </a:rPr>
+              <a:t>Consistency means the customer receives the same level of service during each encounter with your organization. </a:t>
+            </a:r>
+          </a:p>
+          <a:p>
+            <a:endParaRPr lang="en-US" altLang="zh-CN" sz="1200" b="0" i="0" kern="1200" dirty="0" smtClean="0">
+              <a:solidFill>
+                <a:schemeClr val="tx1"/>
+              </a:solidFill>
+              <a:effectLst/>
+              <a:latin typeface="+mn-lt"/>
+              <a:ea typeface="+mn-ea"/>
+              <a:cs typeface="+mn-cs"/>
+            </a:endParaRPr>
+          </a:p>
+          <a:p>
+            <a:r>
+              <a:rPr lang="en-US" altLang="zh-CN" dirty="0" smtClean="0"/>
+              <a:t> The glue that holds all of this together is the fourth C – Communication</a:t>
+            </a:r>
             <a:endParaRPr lang="zh-CN" altLang="en-US" dirty="0"/>
           </a:p>
         </p:txBody>
@@ -3313,7 +3177,399 @@
     </p:spTree>
     <p:extLst>
       <p:ext uri="{BB962C8B-B14F-4D97-AF65-F5344CB8AC3E}">
-        <p14:creationId xmlns:p14="http://schemas.microsoft.com/office/powerpoint/2010/main" val="4097700253"/>
+        <p14:creationId xmlns:p14="http://schemas.microsoft.com/office/powerpoint/2010/main" val="3451388286"/>
+      </p:ext>
+    </p:extLst>
+  </p:cSld>
+  <p:clrMapOvr>
+    <a:masterClrMapping/>
+  </p:clrMapOvr>
+</p:notes>
+</file>
+
+<file path=ppt/notesSlides/notesSlide37.xml><?xml version="1.0" encoding="utf-8"?>
+<p:notes xmlns:a="http://schemas.openxmlformats.org/drawingml/2006/main" xmlns:r="http://schemas.openxmlformats.org/officeDocument/2006/relationships" xmlns:p="http://schemas.openxmlformats.org/presentationml/2006/main">
+  <p:cSld>
+    <p:spTree>
+      <p:nvGrpSpPr>
+        <p:cNvPr id="1" name=""/>
+        <p:cNvGrpSpPr/>
+        <p:nvPr/>
+      </p:nvGrpSpPr>
+      <p:grpSpPr>
+        <a:xfrm>
+          <a:off x="0" y="0"/>
+          <a:ext cx="0" cy="0"/>
+          <a:chOff x="0" y="0"/>
+          <a:chExt cx="0" cy="0"/>
+        </a:xfrm>
+      </p:grpSpPr>
+      <p:sp>
+        <p:nvSpPr>
+          <p:cNvPr id="2" name="幻灯片图像占位符 1"/>
+          <p:cNvSpPr>
+            <a:spLocks noGrp="1" noRot="1" noChangeAspect="1"/>
+          </p:cNvSpPr>
+          <p:nvPr>
+            <p:ph type="sldImg"/>
+          </p:nvPr>
+        </p:nvSpPr>
+        <p:spPr/>
+      </p:sp>
+      <p:sp>
+        <p:nvSpPr>
+          <p:cNvPr id="3" name="备注占位符 2"/>
+          <p:cNvSpPr>
+            <a:spLocks noGrp="1"/>
+          </p:cNvSpPr>
+          <p:nvPr>
+            <p:ph type="body" idx="1"/>
+          </p:nvPr>
+        </p:nvSpPr>
+        <p:spPr/>
+        <p:txBody>
+          <a:bodyPr/>
+          <a:lstStyle/>
+          <a:p>
+            <a:pPr lvl="2"/>
+            <a:r>
+              <a:rPr lang="zh-CN" altLang="en-US" dirty="0" smtClean="0"/>
+              <a:t>速度</a:t>
+            </a:r>
+            <a:endParaRPr lang="en-US" altLang="zh-CN" dirty="0" smtClean="0"/>
+          </a:p>
+          <a:p>
+            <a:pPr lvl="3"/>
+            <a:r>
+              <a:rPr lang="zh-CN" altLang="en-US" dirty="0" smtClean="0"/>
+              <a:t>做错事，认错就要和时间赛跑</a:t>
+            </a:r>
+            <a:endParaRPr lang="en-US" altLang="zh-CN" dirty="0" smtClean="0"/>
+          </a:p>
+          <a:p>
+            <a:pPr lvl="2"/>
+            <a:r>
+              <a:rPr lang="zh-CN" altLang="en-US" dirty="0" smtClean="0"/>
+              <a:t>坦诚</a:t>
+            </a:r>
+            <a:endParaRPr lang="en-US" altLang="zh-CN" dirty="0" smtClean="0"/>
+          </a:p>
+          <a:p>
+            <a:pPr lvl="3"/>
+            <a:r>
+              <a:rPr lang="zh-CN" altLang="en-US" dirty="0" smtClean="0"/>
+              <a:t>公开透明，开诚布公</a:t>
+            </a:r>
+            <a:endParaRPr lang="en-US" altLang="zh-CN" dirty="0" smtClean="0"/>
+          </a:p>
+          <a:p>
+            <a:pPr lvl="2"/>
+            <a:r>
+              <a:rPr lang="zh-CN" altLang="en-US" dirty="0" smtClean="0"/>
+              <a:t>弱点</a:t>
+            </a:r>
+            <a:endParaRPr lang="en-US" altLang="zh-CN" dirty="0" smtClean="0"/>
+          </a:p>
+          <a:p>
+            <a:pPr lvl="3"/>
+            <a:r>
+              <a:rPr lang="zh-CN" altLang="en-US" dirty="0" smtClean="0"/>
+              <a:t>猴子和猩猩打斗之后会将自己的手指放到被欺凌的一方口中</a:t>
+            </a:r>
+            <a:endParaRPr lang="en-US" altLang="zh-CN" dirty="0" smtClean="0"/>
+          </a:p>
+          <a:p>
+            <a:pPr lvl="2"/>
+            <a:r>
+              <a:rPr lang="zh-CN" altLang="en-US" dirty="0" smtClean="0"/>
+              <a:t>关注受害人</a:t>
+            </a:r>
+            <a:endParaRPr lang="en-US" altLang="zh-CN" dirty="0" smtClean="0"/>
+          </a:p>
+          <a:p>
+            <a:pPr lvl="3"/>
+            <a:r>
+              <a:rPr lang="zh-CN" altLang="en-US" dirty="0" smtClean="0"/>
+              <a:t>你不喜欢</a:t>
+            </a:r>
+            <a:r>
+              <a:rPr lang="en-US" altLang="zh-CN" dirty="0" smtClean="0"/>
+              <a:t>iPhone4</a:t>
+            </a:r>
+            <a:r>
+              <a:rPr lang="zh-CN" altLang="en-US" dirty="0" smtClean="0"/>
+              <a:t>就不要买，你买了不喜欢你就退回来</a:t>
+            </a:r>
+            <a:r>
+              <a:rPr lang="en-US" altLang="zh-CN" dirty="0" smtClean="0"/>
+              <a:t>……</a:t>
+            </a:r>
+            <a:r>
+              <a:rPr lang="zh-CN" altLang="en-US" dirty="0" smtClean="0"/>
+              <a:t>但你又不想退回来</a:t>
+            </a:r>
+            <a:endParaRPr lang="en-US" altLang="zh-CN" dirty="0" smtClean="0"/>
+          </a:p>
+          <a:p>
+            <a:pPr lvl="2"/>
+            <a:r>
+              <a:rPr lang="zh-CN" altLang="en-US" dirty="0" smtClean="0"/>
+              <a:t>承诺进行改变</a:t>
+            </a:r>
+            <a:endParaRPr lang="en-US" altLang="zh-CN" dirty="0" smtClean="0"/>
+          </a:p>
+          <a:p>
+            <a:pPr lvl="3"/>
+            <a:r>
+              <a:rPr lang="zh-CN" altLang="en-US" dirty="0" smtClean="0"/>
+              <a:t>最重要的部分，成功的致歉将致歉人分成两部分：一部分要对错误承担责任，另一部分值得再获得一次机会</a:t>
+            </a:r>
+            <a:endParaRPr lang="en-US" altLang="zh-CN" dirty="0" smtClean="0"/>
+          </a:p>
+          <a:p>
+            <a:pPr lvl="2"/>
+            <a:r>
+              <a:rPr lang="zh-CN" altLang="en-US" dirty="0" smtClean="0"/>
+              <a:t>忏悔</a:t>
+            </a:r>
+            <a:endParaRPr lang="en-US" altLang="zh-CN" dirty="0" smtClean="0"/>
+          </a:p>
+          <a:p>
+            <a:pPr lvl="2"/>
+            <a:r>
+              <a:rPr lang="en-US" altLang="zh-CN" baseline="0" dirty="0" smtClean="0"/>
+              <a:t>           </a:t>
+            </a:r>
+            <a:r>
+              <a:rPr lang="zh-CN" altLang="en-US" baseline="0" dirty="0" smtClean="0"/>
+              <a:t>任何对受害者的赔罪都算作是忏悔。</a:t>
+            </a:r>
+            <a:endParaRPr lang="en-US" altLang="zh-CN" baseline="0" dirty="0" smtClean="0"/>
+          </a:p>
+          <a:p>
+            <a:pPr lvl="2"/>
+            <a:r>
+              <a:rPr lang="en-US" altLang="zh-CN" baseline="0" dirty="0" smtClean="0"/>
+              <a:t>           </a:t>
+            </a:r>
+            <a:r>
+              <a:rPr lang="zh-CN" altLang="en-US" baseline="0" dirty="0" smtClean="0"/>
+              <a:t>向对方传递信号，经常是非语言形式的。</a:t>
+            </a:r>
+            <a:endParaRPr lang="en-US" altLang="zh-CN" baseline="0" dirty="0" smtClean="0"/>
+          </a:p>
+          <a:p>
+            <a:pPr lvl="2"/>
+            <a:r>
+              <a:rPr lang="en-US" altLang="zh-CN" baseline="0" dirty="0" smtClean="0"/>
+              <a:t>           </a:t>
+            </a:r>
+            <a:r>
+              <a:rPr lang="zh-CN" altLang="en-US" baseline="0" dirty="0" smtClean="0"/>
+              <a:t>信号的清晰度和力度</a:t>
+            </a:r>
+            <a:endParaRPr lang="en-US" altLang="zh-CN" dirty="0" smtClean="0"/>
+          </a:p>
+          <a:p>
+            <a:endParaRPr lang="zh-CN" altLang="en-US" dirty="0"/>
+          </a:p>
+        </p:txBody>
+      </p:sp>
+      <p:sp>
+        <p:nvSpPr>
+          <p:cNvPr id="4" name="灯片编号占位符 3"/>
+          <p:cNvSpPr>
+            <a:spLocks noGrp="1"/>
+          </p:cNvSpPr>
+          <p:nvPr>
+            <p:ph type="sldNum" sz="quarter" idx="10"/>
+          </p:nvPr>
+        </p:nvSpPr>
+        <p:spPr/>
+        <p:txBody>
+          <a:bodyPr/>
+          <a:lstStyle/>
+          <a:p>
+            <a:fld id="{E837DE43-7DE5-49A8-8163-A1B4ACB559EF}" type="slidenum">
+              <a:rPr lang="zh-CN" altLang="en-US" smtClean="0"/>
+              <a:t>37</a:t>
+            </a:fld>
+            <a:endParaRPr lang="zh-CN" altLang="en-US"/>
+          </a:p>
+        </p:txBody>
+      </p:sp>
+    </p:spTree>
+    <p:extLst>
+      <p:ext uri="{BB962C8B-B14F-4D97-AF65-F5344CB8AC3E}">
+        <p14:creationId xmlns:p14="http://schemas.microsoft.com/office/powerpoint/2010/main" val="3212262532"/>
+      </p:ext>
+    </p:extLst>
+  </p:cSld>
+  <p:clrMapOvr>
+    <a:masterClrMapping/>
+  </p:clrMapOvr>
+</p:notes>
+</file>
+
+<file path=ppt/notesSlides/notesSlide38.xml><?xml version="1.0" encoding="utf-8"?>
+<p:notes xmlns:a="http://schemas.openxmlformats.org/drawingml/2006/main" xmlns:r="http://schemas.openxmlformats.org/officeDocument/2006/relationships" xmlns:p="http://schemas.openxmlformats.org/presentationml/2006/main">
+  <p:cSld>
+    <p:spTree>
+      <p:nvGrpSpPr>
+        <p:cNvPr id="1" name=""/>
+        <p:cNvGrpSpPr/>
+        <p:nvPr/>
+      </p:nvGrpSpPr>
+      <p:grpSpPr>
+        <a:xfrm>
+          <a:off x="0" y="0"/>
+          <a:ext cx="0" cy="0"/>
+          <a:chOff x="0" y="0"/>
+          <a:chExt cx="0" cy="0"/>
+        </a:xfrm>
+      </p:grpSpPr>
+      <p:sp>
+        <p:nvSpPr>
+          <p:cNvPr id="2" name="幻灯片图像占位符 1"/>
+          <p:cNvSpPr>
+            <a:spLocks noGrp="1" noRot="1" noChangeAspect="1"/>
+          </p:cNvSpPr>
+          <p:nvPr>
+            <p:ph type="sldImg"/>
+          </p:nvPr>
+        </p:nvSpPr>
+        <p:spPr/>
+      </p:sp>
+      <p:sp>
+        <p:nvSpPr>
+          <p:cNvPr id="3" name="备注占位符 2"/>
+          <p:cNvSpPr>
+            <a:spLocks noGrp="1"/>
+          </p:cNvSpPr>
+          <p:nvPr>
+            <p:ph type="body" idx="1"/>
+          </p:nvPr>
+        </p:nvSpPr>
+        <p:spPr/>
+        <p:txBody>
+          <a:bodyPr/>
+          <a:lstStyle/>
+          <a:p>
+            <a:endParaRPr lang="zh-CN" altLang="en-US" dirty="0"/>
+          </a:p>
+        </p:txBody>
+      </p:sp>
+      <p:sp>
+        <p:nvSpPr>
+          <p:cNvPr id="4" name="灯片编号占位符 3"/>
+          <p:cNvSpPr>
+            <a:spLocks noGrp="1"/>
+          </p:cNvSpPr>
+          <p:nvPr>
+            <p:ph type="sldNum" sz="quarter" idx="10"/>
+          </p:nvPr>
+        </p:nvSpPr>
+        <p:spPr/>
+        <p:txBody>
+          <a:bodyPr/>
+          <a:lstStyle/>
+          <a:p>
+            <a:fld id="{E837DE43-7DE5-49A8-8163-A1B4ACB559EF}" type="slidenum">
+              <a:rPr lang="zh-CN" altLang="en-US" smtClean="0"/>
+              <a:t>38</a:t>
+            </a:fld>
+            <a:endParaRPr lang="zh-CN" altLang="en-US"/>
+          </a:p>
+        </p:txBody>
+      </p:sp>
+    </p:spTree>
+    <p:extLst>
+      <p:ext uri="{BB962C8B-B14F-4D97-AF65-F5344CB8AC3E}">
+        <p14:creationId xmlns:p14="http://schemas.microsoft.com/office/powerpoint/2010/main" val="1271311225"/>
+      </p:ext>
+    </p:extLst>
+  </p:cSld>
+  <p:clrMapOvr>
+    <a:masterClrMapping/>
+  </p:clrMapOvr>
+</p:notes>
+</file>
+
+<file path=ppt/notesSlides/notesSlide39.xml><?xml version="1.0" encoding="utf-8"?>
+<p:notes xmlns:a="http://schemas.openxmlformats.org/drawingml/2006/main" xmlns:r="http://schemas.openxmlformats.org/officeDocument/2006/relationships" xmlns:p="http://schemas.openxmlformats.org/presentationml/2006/main">
+  <p:cSld>
+    <p:spTree>
+      <p:nvGrpSpPr>
+        <p:cNvPr id="1" name=""/>
+        <p:cNvGrpSpPr/>
+        <p:nvPr/>
+      </p:nvGrpSpPr>
+      <p:grpSpPr>
+        <a:xfrm>
+          <a:off x="0" y="0"/>
+          <a:ext cx="0" cy="0"/>
+          <a:chOff x="0" y="0"/>
+          <a:chExt cx="0" cy="0"/>
+        </a:xfrm>
+      </p:grpSpPr>
+      <p:sp>
+        <p:nvSpPr>
+          <p:cNvPr id="2" name="幻灯片图像占位符 1"/>
+          <p:cNvSpPr>
+            <a:spLocks noGrp="1" noRot="1" noChangeAspect="1"/>
+          </p:cNvSpPr>
+          <p:nvPr>
+            <p:ph type="sldImg"/>
+          </p:nvPr>
+        </p:nvSpPr>
+        <p:spPr/>
+      </p:sp>
+      <p:sp>
+        <p:nvSpPr>
+          <p:cNvPr id="3" name="备注占位符 2"/>
+          <p:cNvSpPr>
+            <a:spLocks noGrp="1"/>
+          </p:cNvSpPr>
+          <p:nvPr>
+            <p:ph type="body" idx="1"/>
+          </p:nvPr>
+        </p:nvSpPr>
+        <p:spPr/>
+        <p:txBody>
+          <a:bodyPr/>
+          <a:lstStyle/>
+          <a:p>
+            <a:endParaRPr lang="zh-CN" altLang="en-US" dirty="0"/>
+          </a:p>
+        </p:txBody>
+      </p:sp>
+      <p:sp>
+        <p:nvSpPr>
+          <p:cNvPr id="4" name="灯片编号占位符 3"/>
+          <p:cNvSpPr>
+            <a:spLocks noGrp="1"/>
+          </p:cNvSpPr>
+          <p:nvPr>
+            <p:ph type="sldNum" sz="quarter" idx="10"/>
+          </p:nvPr>
+        </p:nvSpPr>
+        <p:spPr/>
+        <p:txBody>
+          <a:bodyPr/>
+          <a:lstStyle/>
+          <a:p>
+            <a:fld id="{E837DE43-7DE5-49A8-8163-A1B4ACB559EF}" type="slidenum">
+              <a:rPr lang="zh-CN" altLang="en-US" smtClean="0"/>
+              <a:t>39</a:t>
+            </a:fld>
+            <a:endParaRPr lang="zh-CN" altLang="en-US"/>
+          </a:p>
+        </p:txBody>
+      </p:sp>
+    </p:spTree>
+    <p:extLst>
+      <p:ext uri="{BB962C8B-B14F-4D97-AF65-F5344CB8AC3E}">
+        <p14:creationId xmlns:p14="http://schemas.microsoft.com/office/powerpoint/2010/main" val="2540735697"/>
       </p:ext>
     </p:extLst>
   </p:cSld>
@@ -3398,6 +3654,90 @@
     <p:extLst>
       <p:ext uri="{BB962C8B-B14F-4D97-AF65-F5344CB8AC3E}">
         <p14:creationId xmlns:p14="http://schemas.microsoft.com/office/powerpoint/2010/main" val="3327700615"/>
+      </p:ext>
+    </p:extLst>
+  </p:cSld>
+  <p:clrMapOvr>
+    <a:masterClrMapping/>
+  </p:clrMapOvr>
+</p:notes>
+</file>
+
+<file path=ppt/notesSlides/notesSlide40.xml><?xml version="1.0" encoding="utf-8"?>
+<p:notes xmlns:a="http://schemas.openxmlformats.org/drawingml/2006/main" xmlns:r="http://schemas.openxmlformats.org/officeDocument/2006/relationships" xmlns:p="http://schemas.openxmlformats.org/presentationml/2006/main">
+  <p:cSld>
+    <p:spTree>
+      <p:nvGrpSpPr>
+        <p:cNvPr id="1" name=""/>
+        <p:cNvGrpSpPr/>
+        <p:nvPr/>
+      </p:nvGrpSpPr>
+      <p:grpSpPr>
+        <a:xfrm>
+          <a:off x="0" y="0"/>
+          <a:ext cx="0" cy="0"/>
+          <a:chOff x="0" y="0"/>
+          <a:chExt cx="0" cy="0"/>
+        </a:xfrm>
+      </p:grpSpPr>
+      <p:sp>
+        <p:nvSpPr>
+          <p:cNvPr id="2" name="幻灯片图像占位符 1"/>
+          <p:cNvSpPr>
+            <a:spLocks noGrp="1" noRot="1" noChangeAspect="1"/>
+          </p:cNvSpPr>
+          <p:nvPr>
+            <p:ph type="sldImg"/>
+          </p:nvPr>
+        </p:nvSpPr>
+        <p:spPr/>
+      </p:sp>
+      <p:sp>
+        <p:nvSpPr>
+          <p:cNvPr id="3" name="备注占位符 2"/>
+          <p:cNvSpPr>
+            <a:spLocks noGrp="1"/>
+          </p:cNvSpPr>
+          <p:nvPr>
+            <p:ph type="body" idx="1"/>
+          </p:nvPr>
+        </p:nvSpPr>
+        <p:spPr/>
+        <p:txBody>
+          <a:bodyPr/>
+          <a:lstStyle/>
+          <a:p>
+            <a:endParaRPr lang="zh-CN" altLang="en-US" dirty="0"/>
+          </a:p>
+        </p:txBody>
+      </p:sp>
+      <p:sp>
+        <p:nvSpPr>
+          <p:cNvPr id="4" name="灯片编号占位符 3"/>
+          <p:cNvSpPr>
+            <a:spLocks noGrp="1"/>
+          </p:cNvSpPr>
+          <p:nvPr>
+            <p:ph type="sldNum" sz="quarter" idx="10"/>
+          </p:nvPr>
+        </p:nvSpPr>
+        <p:spPr/>
+        <p:txBody>
+          <a:bodyPr/>
+          <a:lstStyle/>
+          <a:p>
+            <a:fld id="{E837DE43-7DE5-49A8-8163-A1B4ACB559EF}" type="slidenum">
+              <a:rPr lang="zh-CN" altLang="en-US" smtClean="0"/>
+              <a:t>40</a:t>
+            </a:fld>
+            <a:endParaRPr lang="zh-CN" altLang="en-US"/>
+          </a:p>
+        </p:txBody>
+      </p:sp>
+    </p:spTree>
+    <p:extLst>
+      <p:ext uri="{BB962C8B-B14F-4D97-AF65-F5344CB8AC3E}">
+        <p14:creationId xmlns:p14="http://schemas.microsoft.com/office/powerpoint/2010/main" val="4097700253"/>
       </p:ext>
     </p:extLst>
   </p:cSld>
@@ -11067,11 +11407,7 @@
             <a:pPr lvl="2"/>
             <a:r>
               <a:rPr lang="zh-CN" altLang="en-US" dirty="0" smtClean="0"/>
-              <a:t>强调跟对方的一致之处，跟能够给对方带来的</a:t>
-            </a:r>
-            <a:r>
-              <a:rPr lang="zh-CN" altLang="en-US" dirty="0" smtClean="0"/>
-              <a:t>利益</a:t>
+              <a:t>强调跟对方的一致之处，跟能够给对方带来的利益</a:t>
             </a:r>
             <a:endParaRPr lang="en-US" altLang="zh-CN" dirty="0" smtClean="0"/>
           </a:p>
@@ -11089,11 +11425,7 @@
             </a:pPr>
             <a:r>
               <a:rPr lang="zh-CN" altLang="en-US" dirty="0" smtClean="0"/>
-              <a:t>应用</a:t>
-            </a:r>
-            <a:r>
-              <a:rPr lang="zh-CN" altLang="en-US" dirty="0" smtClean="0"/>
-              <a:t>时机：</a:t>
+              <a:t>应用时机：</a:t>
             </a:r>
             <a:endParaRPr lang="en-US" altLang="zh-CN" dirty="0" smtClean="0"/>
           </a:p>
@@ -16086,11 +16418,7 @@
             </a:pPr>
             <a:r>
               <a:rPr lang="zh-CN" altLang="en-US" dirty="0" smtClean="0"/>
-              <a:t>可以运用的</a:t>
-            </a:r>
-            <a:r>
-              <a:rPr lang="zh-CN" altLang="en-US" dirty="0" smtClean="0"/>
-              <a:t>方式</a:t>
+              <a:t>可以运用的方式</a:t>
             </a:r>
             <a:endParaRPr lang="en-US" altLang="zh-CN" dirty="0" smtClean="0"/>
           </a:p>
@@ -16138,11 +16466,7 @@
             <a:pPr lvl="2"/>
             <a:r>
               <a:rPr lang="zh-CN" altLang="en-US" dirty="0" smtClean="0"/>
-              <a:t>决定是否最后要</a:t>
-            </a:r>
-            <a:r>
-              <a:rPr lang="zh-CN" altLang="en-US" dirty="0" smtClean="0"/>
-              <a:t>比较</a:t>
+              <a:t>决定是否最后要比较</a:t>
             </a:r>
             <a:r>
               <a:rPr lang="zh-CN" altLang="en-US" dirty="0"/>
@@ -16150,11 +16474,7 @@
             </a:r>
             <a:r>
               <a:rPr lang="zh-CN" altLang="en-US" dirty="0" smtClean="0"/>
-              <a:t>的</a:t>
-            </a:r>
-            <a:r>
-              <a:rPr lang="zh-CN" altLang="en-US" dirty="0" smtClean="0"/>
-              <a:t>优劣</a:t>
+              <a:t>的优劣</a:t>
             </a:r>
             <a:endParaRPr lang="en-US" altLang="zh-CN" dirty="0" smtClean="0"/>
           </a:p>
@@ -21820,8 +22140,9 @@
           <a:p>
             <a:r>
               <a:rPr lang="zh-CN" altLang="en-US" dirty="0"/>
-              <a:t>信任</a:t>
-            </a:r>
+              <a:t>举个栗子</a:t>
+            </a:r>
+            <a:endParaRPr lang="zh-CN" altLang="en-US" dirty="0"/>
           </a:p>
         </p:txBody>
       </p:sp>
@@ -21845,47 +22166,9 @@
           <a:bodyPr/>
           <a:lstStyle/>
           <a:p>
-            <a:pPr lvl="1"/>
-            <a:r>
-              <a:rPr lang="zh-CN" altLang="en-US" dirty="0" smtClean="0"/>
-              <a:t>何谓“信任”？</a:t>
-            </a:r>
-            <a:endParaRPr lang="en-US" altLang="zh-CN" dirty="0" smtClean="0"/>
-          </a:p>
-          <a:p>
-            <a:pPr lvl="1"/>
-            <a:endParaRPr lang="en-US" altLang="zh-CN" dirty="0"/>
-          </a:p>
-          <a:p>
-            <a:pPr lvl="1"/>
-            <a:r>
-              <a:rPr lang="zh-CN" altLang="en-US" dirty="0" smtClean="0"/>
-              <a:t>建立人际信任关系的三阶段</a:t>
-            </a:r>
-            <a:endParaRPr lang="en-US" altLang="zh-CN" dirty="0" smtClean="0"/>
-          </a:p>
-          <a:p>
-            <a:pPr lvl="2"/>
-            <a:r>
-              <a:rPr lang="zh-CN" altLang="en-US" dirty="0" smtClean="0"/>
-              <a:t>建立最初的可信度</a:t>
-            </a:r>
-            <a:endParaRPr lang="en-US" altLang="zh-CN" dirty="0" smtClean="0"/>
-          </a:p>
-          <a:p>
-            <a:pPr lvl="2"/>
-            <a:r>
-              <a:rPr lang="zh-CN" altLang="en-US" dirty="0" smtClean="0"/>
-              <a:t>为发展中的可信度加分</a:t>
-            </a:r>
-            <a:endParaRPr lang="en-US" altLang="zh-CN" dirty="0" smtClean="0"/>
-          </a:p>
-          <a:p>
-            <a:pPr lvl="2"/>
-            <a:r>
-              <a:rPr lang="zh-CN" altLang="en-US" dirty="0" smtClean="0"/>
-              <a:t>巩固最终的可信度</a:t>
-            </a:r>
+            <a:pPr marL="457200" lvl="1" indent="0">
+              <a:buNone/>
+            </a:pPr>
             <a:endParaRPr lang="en-US" altLang="zh-CN" dirty="0" smtClean="0"/>
           </a:p>
         </p:txBody>
@@ -22130,6 +22413,9 @@
             </a:pPr>
             <a:r>
               <a:rPr lang="en-US" altLang="zh-CN" sz="1400" dirty="0" smtClean="0">
+                <a:solidFill>
+                  <a:srgbClr val="FF0000"/>
+                </a:solidFill>
                 <a:latin typeface="微软雅黑" panose="020B0503020204020204" pitchFamily="34" charset="-122"/>
                 <a:ea typeface="微软雅黑" panose="020B0503020204020204" pitchFamily="34" charset="-122"/>
               </a:rPr>
@@ -22137,42 +22423,15 @@
             </a:r>
             <a:r>
               <a:rPr lang="zh-CN" altLang="en-US" sz="1400" dirty="0" smtClean="0">
+                <a:solidFill>
+                  <a:srgbClr val="FF0000"/>
+                </a:solidFill>
                 <a:latin typeface="微软雅黑" panose="020B0503020204020204" pitchFamily="34" charset="-122"/>
                 <a:ea typeface="微软雅黑" panose="020B0503020204020204" pitchFamily="34" charset="-122"/>
               </a:rPr>
               <a:t>跨部门冲突化解的策略</a:t>
             </a:r>
             <a:endParaRPr lang="en-US" altLang="zh-CN" sz="1400" dirty="0" smtClean="0">
-              <a:latin typeface="微软雅黑" panose="020B0503020204020204" pitchFamily="34" charset="-122"/>
-              <a:ea typeface="微软雅黑" panose="020B0503020204020204" pitchFamily="34" charset="-122"/>
-            </a:endParaRPr>
-          </a:p>
-          <a:p>
-            <a:pPr marL="0" indent="0">
-              <a:buFont typeface="Arial" panose="020B0604020202020204" pitchFamily="34" charset="0"/>
-              <a:buNone/>
-            </a:pPr>
-            <a:r>
-              <a:rPr lang="en-US" altLang="zh-CN" sz="1400" dirty="0" smtClean="0">
-                <a:solidFill>
-                  <a:srgbClr val="FF0000"/>
-                </a:solidFill>
-                <a:latin typeface="微软雅黑" panose="020B0503020204020204" pitchFamily="34" charset="-122"/>
-                <a:ea typeface="微软雅黑" panose="020B0503020204020204" pitchFamily="34" charset="-122"/>
-              </a:rPr>
-              <a:t>IV </a:t>
-            </a:r>
-            <a:r>
-              <a:rPr lang="zh-CN" altLang="en-US" sz="1400" dirty="0" smtClean="0">
-                <a:solidFill>
-                  <a:srgbClr val="FF0000"/>
-                </a:solidFill>
-                <a:latin typeface="微软雅黑" panose="020B0503020204020204" pitchFamily="34" charset="-122"/>
-                <a:ea typeface="微软雅黑" panose="020B0503020204020204" pitchFamily="34" charset="-122"/>
-              </a:rPr>
-              <a:t>如何让跨部门同事信任我</a:t>
-            </a:r>
-            <a:endParaRPr lang="zh-CN" altLang="en-US" sz="1400" dirty="0">
               <a:solidFill>
                 <a:srgbClr val="FF0000"/>
               </a:solidFill>
@@ -22180,12 +22439,60 @@
               <a:ea typeface="微软雅黑" panose="020B0503020204020204" pitchFamily="34" charset="-122"/>
             </a:endParaRPr>
           </a:p>
-        </p:txBody>
-      </p:sp>
+          <a:p>
+            <a:pPr marL="0" indent="0">
+              <a:buFont typeface="Arial" panose="020B0604020202020204" pitchFamily="34" charset="0"/>
+              <a:buNone/>
+            </a:pPr>
+            <a:r>
+              <a:rPr lang="en-US" altLang="zh-CN" sz="1400" dirty="0" smtClean="0">
+                <a:latin typeface="微软雅黑" panose="020B0503020204020204" pitchFamily="34" charset="-122"/>
+                <a:ea typeface="微软雅黑" panose="020B0503020204020204" pitchFamily="34" charset="-122"/>
+              </a:rPr>
+              <a:t>IV </a:t>
+            </a:r>
+            <a:r>
+              <a:rPr lang="zh-CN" altLang="en-US" sz="1400" dirty="0" smtClean="0">
+                <a:latin typeface="微软雅黑" panose="020B0503020204020204" pitchFamily="34" charset="-122"/>
+                <a:ea typeface="微软雅黑" panose="020B0503020204020204" pitchFamily="34" charset="-122"/>
+              </a:rPr>
+              <a:t>如何让跨部门同事信任我</a:t>
+            </a:r>
+            <a:endParaRPr lang="zh-CN" altLang="en-US" sz="1400" dirty="0">
+              <a:latin typeface="微软雅黑" panose="020B0503020204020204" pitchFamily="34" charset="-122"/>
+              <a:ea typeface="微软雅黑" panose="020B0503020204020204" pitchFamily="34" charset="-122"/>
+            </a:endParaRPr>
+          </a:p>
+        </p:txBody>
+      </p:sp>
+      <p:pic>
+        <p:nvPicPr>
+          <p:cNvPr id="5" name="图片 4"/>
+          <p:cNvPicPr>
+            <a:picLocks noChangeAspect="1"/>
+          </p:cNvPicPr>
+          <p:nvPr/>
+        </p:nvPicPr>
+        <p:blipFill>
+          <a:blip r:embed="rId3"/>
+          <a:stretch>
+            <a:fillRect/>
+          </a:stretch>
+        </p:blipFill>
+        <p:spPr>
+          <a:xfrm>
+            <a:off x="2722880" y="1345694"/>
+            <a:ext cx="5493702" cy="5068383"/>
+          </a:xfrm>
+          <a:prstGeom prst="rect">
+            <a:avLst/>
+          </a:prstGeom>
+        </p:spPr>
+      </p:pic>
     </p:spTree>
     <p:extLst>
       <p:ext uri="{BB962C8B-B14F-4D97-AF65-F5344CB8AC3E}">
-        <p14:creationId xmlns:p14="http://schemas.microsoft.com/office/powerpoint/2010/main" val="1275804800"/>
+        <p14:creationId xmlns:p14="http://schemas.microsoft.com/office/powerpoint/2010/main" val="3509131072"/>
       </p:ext>
     </p:extLst>
   </p:cSld>
@@ -22614,12 +22921,8 @@
           <a:lstStyle/>
           <a:p>
             <a:r>
-              <a:rPr lang="zh-CN" altLang="en-US" dirty="0"/>
-              <a:t>第一阶段：建立最初的</a:t>
-            </a:r>
-            <a:r>
               <a:rPr lang="zh-CN" altLang="en-US" dirty="0" smtClean="0"/>
-              <a:t>可信度</a:t>
+              <a:t>举个栗子</a:t>
             </a:r>
             <a:endParaRPr lang="zh-CN" altLang="en-US" dirty="0"/>
           </a:p>
@@ -22642,147 +22945,13 @@
           </a:xfrm>
         </p:spPr>
         <p:txBody>
-          <a:bodyPr>
-            <a:normAutofit lnSpcReduction="10000"/>
-          </a:bodyPr>
-          <a:lstStyle/>
-          <a:p>
-            <a:pPr lvl="1"/>
-            <a:r>
-              <a:rPr lang="zh-CN" altLang="en-US" dirty="0" smtClean="0"/>
-              <a:t>与对方初次见面，应该做到哪些以建立初始可信度</a:t>
-            </a:r>
+          <a:bodyPr/>
+          <a:lstStyle/>
+          <a:p>
+            <a:pPr marL="457200" lvl="1" indent="0">
+              <a:buNone/>
+            </a:pPr>
             <a:endParaRPr lang="en-US" altLang="zh-CN" dirty="0" smtClean="0"/>
-          </a:p>
-          <a:p>
-            <a:pPr lvl="2"/>
-            <a:r>
-              <a:rPr lang="zh-CN" altLang="en-US" dirty="0" smtClean="0"/>
-              <a:t>口碑很重要</a:t>
-            </a:r>
-            <a:endParaRPr lang="en-US" altLang="zh-CN" dirty="0" smtClean="0"/>
-          </a:p>
-          <a:p>
-            <a:pPr lvl="2"/>
-            <a:r>
-              <a:rPr lang="zh-CN" altLang="en-US" dirty="0" smtClean="0"/>
-              <a:t>专业、个人形象</a:t>
-            </a:r>
-            <a:endParaRPr lang="en-US" altLang="zh-CN" dirty="0" smtClean="0"/>
-          </a:p>
-          <a:p>
-            <a:pPr lvl="2"/>
-            <a:r>
-              <a:rPr lang="zh-CN" altLang="en-US" dirty="0"/>
-              <a:t>与</a:t>
-            </a:r>
-            <a:r>
-              <a:rPr lang="zh-CN" altLang="en-US" dirty="0" smtClean="0"/>
-              <a:t>对方互动的</a:t>
-            </a:r>
-            <a:r>
-              <a:rPr lang="zh-CN" altLang="en-US" dirty="0" smtClean="0"/>
-              <a:t>方式</a:t>
-            </a:r>
-            <a:endParaRPr lang="en-US" altLang="zh-CN" dirty="0" smtClean="0"/>
-          </a:p>
-          <a:p>
-            <a:pPr lvl="2"/>
-            <a:endParaRPr lang="en-US" altLang="zh-CN" dirty="0"/>
-          </a:p>
-          <a:p>
-            <a:pPr lvl="1"/>
-            <a:r>
-              <a:rPr lang="zh-CN" altLang="en-US" dirty="0"/>
-              <a:t>温情和能力是建立信任关系的关键</a:t>
-            </a:r>
-            <a:r>
-              <a:rPr lang="zh-CN" altLang="en-US" dirty="0" smtClean="0"/>
-              <a:t>因素</a:t>
-            </a:r>
-            <a:endParaRPr lang="en-US" altLang="zh-CN" dirty="0" smtClean="0"/>
-          </a:p>
-          <a:p>
-            <a:pPr lvl="2"/>
-            <a:r>
-              <a:rPr lang="zh-CN" altLang="en-US" dirty="0"/>
-              <a:t>能力</a:t>
-            </a:r>
-            <a:endParaRPr lang="en-US" altLang="zh-CN" dirty="0" smtClean="0"/>
-          </a:p>
-          <a:p>
-            <a:pPr lvl="3"/>
-            <a:r>
-              <a:rPr lang="zh-CN" altLang="en-US" dirty="0" smtClean="0"/>
-              <a:t>凭证</a:t>
-            </a:r>
-            <a:r>
-              <a:rPr lang="en-US" altLang="zh-CN" dirty="0" smtClean="0"/>
-              <a:t>&lt;</a:t>
-            </a:r>
-            <a:r>
-              <a:rPr lang="zh-CN" altLang="en-US" dirty="0" smtClean="0"/>
-              <a:t>职权、经历等等</a:t>
-            </a:r>
-            <a:r>
-              <a:rPr lang="en-US" altLang="zh-CN" dirty="0" smtClean="0"/>
-              <a:t>&gt;</a:t>
-            </a:r>
-          </a:p>
-          <a:p>
-            <a:pPr lvl="3"/>
-            <a:r>
-              <a:rPr lang="zh-CN" altLang="en-US" dirty="0"/>
-              <a:t>行</a:t>
-            </a:r>
-            <a:r>
-              <a:rPr lang="zh-CN" altLang="en-US" dirty="0" smtClean="0"/>
-              <a:t>内术语</a:t>
-            </a:r>
-            <a:endParaRPr lang="en-US" altLang="zh-CN" dirty="0" smtClean="0"/>
-          </a:p>
-          <a:p>
-            <a:pPr lvl="3"/>
-            <a:r>
-              <a:rPr lang="en-US" altLang="zh-CN" dirty="0" smtClean="0"/>
-              <a:t>……</a:t>
-            </a:r>
-          </a:p>
-          <a:p>
-            <a:pPr lvl="2"/>
-            <a:r>
-              <a:rPr lang="zh-CN" altLang="en-US" dirty="0" smtClean="0"/>
-              <a:t>展示温情</a:t>
-            </a:r>
-            <a:endParaRPr lang="en-US" altLang="zh-CN" dirty="0" smtClean="0"/>
-          </a:p>
-          <a:p>
-            <a:pPr lvl="3"/>
-            <a:r>
-              <a:rPr lang="zh-CN" altLang="en-US" dirty="0"/>
-              <a:t>对</a:t>
-            </a:r>
-            <a:r>
-              <a:rPr lang="zh-CN" altLang="en-US" dirty="0" smtClean="0"/>
-              <a:t>他人表示关心</a:t>
-            </a:r>
-            <a:endParaRPr lang="en-US" altLang="zh-CN" dirty="0" smtClean="0"/>
-          </a:p>
-          <a:p>
-            <a:pPr lvl="3"/>
-            <a:r>
-              <a:rPr lang="zh-CN" altLang="en-US" dirty="0" smtClean="0"/>
-              <a:t>分享自己的感情故事</a:t>
-            </a:r>
-            <a:endParaRPr lang="en-US" altLang="zh-CN" dirty="0" smtClean="0"/>
-          </a:p>
-          <a:p>
-            <a:pPr lvl="3"/>
-            <a:r>
-              <a:rPr lang="zh-CN" altLang="en-US" dirty="0" smtClean="0"/>
-              <a:t>可以暴露自己的缺点</a:t>
-            </a:r>
-            <a:endParaRPr lang="en-US" altLang="zh-CN" dirty="0"/>
           </a:p>
         </p:txBody>
       </p:sp>
@@ -23026,6 +23195,9 @@
             </a:pPr>
             <a:r>
               <a:rPr lang="en-US" altLang="zh-CN" sz="1400" dirty="0" smtClean="0">
+                <a:solidFill>
+                  <a:srgbClr val="FF0000"/>
+                </a:solidFill>
                 <a:latin typeface="微软雅黑" panose="020B0503020204020204" pitchFamily="34" charset="-122"/>
                 <a:ea typeface="微软雅黑" panose="020B0503020204020204" pitchFamily="34" charset="-122"/>
               </a:rPr>
@@ -23033,42 +23205,15 @@
             </a:r>
             <a:r>
               <a:rPr lang="zh-CN" altLang="en-US" sz="1400" dirty="0" smtClean="0">
+                <a:solidFill>
+                  <a:srgbClr val="FF0000"/>
+                </a:solidFill>
                 <a:latin typeface="微软雅黑" panose="020B0503020204020204" pitchFamily="34" charset="-122"/>
                 <a:ea typeface="微软雅黑" panose="020B0503020204020204" pitchFamily="34" charset="-122"/>
               </a:rPr>
               <a:t>跨部门冲突化解的策略</a:t>
             </a:r>
             <a:endParaRPr lang="en-US" altLang="zh-CN" sz="1400" dirty="0" smtClean="0">
-              <a:latin typeface="微软雅黑" panose="020B0503020204020204" pitchFamily="34" charset="-122"/>
-              <a:ea typeface="微软雅黑" panose="020B0503020204020204" pitchFamily="34" charset="-122"/>
-            </a:endParaRPr>
-          </a:p>
-          <a:p>
-            <a:pPr marL="0" indent="0">
-              <a:buFont typeface="Arial" panose="020B0604020202020204" pitchFamily="34" charset="0"/>
-              <a:buNone/>
-            </a:pPr>
-            <a:r>
-              <a:rPr lang="en-US" altLang="zh-CN" sz="1400" dirty="0" smtClean="0">
-                <a:solidFill>
-                  <a:srgbClr val="FF0000"/>
-                </a:solidFill>
-                <a:latin typeface="微软雅黑" panose="020B0503020204020204" pitchFamily="34" charset="-122"/>
-                <a:ea typeface="微软雅黑" panose="020B0503020204020204" pitchFamily="34" charset="-122"/>
-              </a:rPr>
-              <a:t>IV </a:t>
-            </a:r>
-            <a:r>
-              <a:rPr lang="zh-CN" altLang="en-US" sz="1400" dirty="0" smtClean="0">
-                <a:solidFill>
-                  <a:srgbClr val="FF0000"/>
-                </a:solidFill>
-                <a:latin typeface="微软雅黑" panose="020B0503020204020204" pitchFamily="34" charset="-122"/>
-                <a:ea typeface="微软雅黑" panose="020B0503020204020204" pitchFamily="34" charset="-122"/>
-              </a:rPr>
-              <a:t>如何让跨部门同事信任我</a:t>
-            </a:r>
-            <a:endParaRPr lang="zh-CN" altLang="en-US" sz="1400" dirty="0">
               <a:solidFill>
                 <a:srgbClr val="FF0000"/>
               </a:solidFill>
@@ -23076,86 +23221,84 @@
               <a:ea typeface="微软雅黑" panose="020B0503020204020204" pitchFamily="34" charset="-122"/>
             </a:endParaRPr>
           </a:p>
-        </p:txBody>
-      </p:sp>
-      <p:sp>
-        <p:nvSpPr>
-          <p:cNvPr id="5" name="矩形 4"/>
-          <p:cNvSpPr/>
+          <a:p>
+            <a:pPr marL="0" indent="0">
+              <a:buFont typeface="Arial" panose="020B0604020202020204" pitchFamily="34" charset="0"/>
+              <a:buNone/>
+            </a:pPr>
+            <a:r>
+              <a:rPr lang="en-US" altLang="zh-CN" sz="1400" dirty="0" smtClean="0">
+                <a:latin typeface="微软雅黑" panose="020B0503020204020204" pitchFamily="34" charset="-122"/>
+                <a:ea typeface="微软雅黑" panose="020B0503020204020204" pitchFamily="34" charset="-122"/>
+              </a:rPr>
+              <a:t>IV </a:t>
+            </a:r>
+            <a:r>
+              <a:rPr lang="zh-CN" altLang="en-US" sz="1400" dirty="0" smtClean="0">
+                <a:latin typeface="微软雅黑" panose="020B0503020204020204" pitchFamily="34" charset="-122"/>
+                <a:ea typeface="微软雅黑" panose="020B0503020204020204" pitchFamily="34" charset="-122"/>
+              </a:rPr>
+              <a:t>如何让跨部门同事信任我</a:t>
+            </a:r>
+            <a:endParaRPr lang="zh-CN" altLang="en-US" sz="1400" dirty="0">
+              <a:latin typeface="微软雅黑" panose="020B0503020204020204" pitchFamily="34" charset="-122"/>
+              <a:ea typeface="微软雅黑" panose="020B0503020204020204" pitchFamily="34" charset="-122"/>
+            </a:endParaRPr>
+          </a:p>
+        </p:txBody>
+      </p:sp>
+      <p:pic>
+        <p:nvPicPr>
+          <p:cNvPr id="6" name="图片 5"/>
+          <p:cNvPicPr>
+            <a:picLocks noChangeAspect="1"/>
+          </p:cNvPicPr>
           <p:nvPr/>
-        </p:nvSpPr>
+        </p:nvPicPr>
+        <p:blipFill>
+          <a:blip r:embed="rId3"/>
+          <a:stretch>
+            <a:fillRect/>
+          </a:stretch>
+        </p:blipFill>
         <p:spPr>
           <a:xfrm>
-            <a:off x="7905017" y="3312358"/>
-            <a:ext cx="2690411" cy="369332"/>
+            <a:off x="6096000" y="1626749"/>
+            <a:ext cx="5648563" cy="5113900"/>
           </a:xfrm>
           <a:prstGeom prst="rect">
             <a:avLst/>
           </a:prstGeom>
         </p:spPr>
-        <p:txBody>
-          <a:bodyPr wrap="square">
-            <a:spAutoFit/>
-          </a:bodyPr>
-          <a:lstStyle/>
-          <a:p>
-            <a:r>
-              <a:rPr lang="zh-CN" altLang="en-US" dirty="0">
-                <a:solidFill>
-                  <a:srgbClr val="FF0000"/>
-                </a:solidFill>
-              </a:rPr>
-              <a:t>长期伙伴关系</a:t>
-            </a:r>
-            <a:endParaRPr lang="zh-CN" altLang="en-US" dirty="0">
-              <a:solidFill>
-                <a:srgbClr val="FF0000"/>
-              </a:solidFill>
-            </a:endParaRPr>
-          </a:p>
-        </p:txBody>
-      </p:sp>
-      <p:sp>
-        <p:nvSpPr>
-          <p:cNvPr id="6" name="矩形 5"/>
-          <p:cNvSpPr/>
+      </p:pic>
+      <p:pic>
+        <p:nvPicPr>
+          <p:cNvPr id="10" name="图片 9"/>
+          <p:cNvPicPr>
+            <a:picLocks noChangeAspect="1"/>
+          </p:cNvPicPr>
           <p:nvPr/>
-        </p:nvSpPr>
+        </p:nvPicPr>
+        <p:blipFill>
+          <a:blip r:embed="rId4"/>
+          <a:stretch>
+            <a:fillRect/>
+          </a:stretch>
+        </p:blipFill>
         <p:spPr>
           <a:xfrm>
-            <a:off x="8634360" y="4239761"/>
-            <a:ext cx="2690411" cy="369332"/>
+            <a:off x="895207" y="1626749"/>
+            <a:ext cx="5200793" cy="5115133"/>
           </a:xfrm>
           <a:prstGeom prst="rect">
             <a:avLst/>
           </a:prstGeom>
         </p:spPr>
-        <p:txBody>
-          <a:bodyPr wrap="square">
-            <a:spAutoFit/>
-          </a:bodyPr>
-          <a:lstStyle/>
-          <a:p>
-            <a:r>
-              <a:rPr lang="zh-CN" altLang="en-US" dirty="0" smtClean="0">
-                <a:solidFill>
-                  <a:srgbClr val="FF0000"/>
-                </a:solidFill>
-              </a:rPr>
-              <a:t>信誉</a:t>
-            </a:r>
-            <a:endParaRPr lang="zh-CN" altLang="en-US" dirty="0">
-              <a:solidFill>
-                <a:srgbClr val="FF0000"/>
-              </a:solidFill>
-            </a:endParaRPr>
-          </a:p>
-        </p:txBody>
-      </p:sp>
+      </p:pic>
     </p:spTree>
     <p:extLst>
       <p:ext uri="{BB962C8B-B14F-4D97-AF65-F5344CB8AC3E}">
-        <p14:creationId xmlns:p14="http://schemas.microsoft.com/office/powerpoint/2010/main" val="4121223031"/>
+        <p14:creationId xmlns:p14="http://schemas.microsoft.com/office/powerpoint/2010/main" val="2526507437"/>
       </p:ext>
     </p:extLst>
   </p:cSld>
@@ -23206,6 +23349,1834 @@
           <a:p>
             <a:r>
               <a:rPr lang="zh-CN" altLang="en-US" dirty="0" smtClean="0"/>
+              <a:t>举个栗子</a:t>
+            </a:r>
+            <a:endParaRPr lang="zh-CN" altLang="en-US" dirty="0"/>
+          </a:p>
+        </p:txBody>
+      </p:sp>
+      <p:sp>
+        <p:nvSpPr>
+          <p:cNvPr id="3" name="内容占位符 2"/>
+          <p:cNvSpPr>
+            <a:spLocks noGrp="1"/>
+          </p:cNvSpPr>
+          <p:nvPr>
+            <p:ph idx="1"/>
+          </p:nvPr>
+        </p:nvSpPr>
+        <p:spPr>
+          <a:xfrm>
+            <a:off x="838200" y="1825625"/>
+            <a:ext cx="9896856" cy="4351338"/>
+          </a:xfrm>
+        </p:spPr>
+        <p:txBody>
+          <a:bodyPr/>
+          <a:lstStyle/>
+          <a:p>
+            <a:pPr marL="457200" lvl="1" indent="0">
+              <a:buNone/>
+            </a:pPr>
+            <a:endParaRPr lang="en-US" altLang="zh-CN" dirty="0" smtClean="0"/>
+          </a:p>
+        </p:txBody>
+      </p:sp>
+      <p:sp>
+        <p:nvSpPr>
+          <p:cNvPr id="4" name="内容占位符 2"/>
+          <p:cNvSpPr txBox="1">
+            <a:spLocks/>
+          </p:cNvSpPr>
+          <p:nvPr/>
+        </p:nvSpPr>
+        <p:spPr>
+          <a:xfrm>
+            <a:off x="8689848" y="365126"/>
+            <a:ext cx="2859024" cy="1460500"/>
+          </a:xfrm>
+          <a:prstGeom prst="rect">
+            <a:avLst/>
+          </a:prstGeom>
+        </p:spPr>
+        <p:txBody>
+          <a:bodyPr vert="horz" lIns="91440" tIns="45720" rIns="91440" bIns="45720" rtlCol="0">
+            <a:normAutofit/>
+          </a:bodyPr>
+          <a:lstStyle>
+            <a:lvl1pPr marL="228600" indent="-228600" algn="l" defTabSz="914400" rtl="0" eaLnBrk="1" latinLnBrk="0" hangingPunct="1">
+              <a:lnSpc>
+                <a:spcPct val="90000"/>
+              </a:lnSpc>
+              <a:spcBef>
+                <a:spcPts val="1000"/>
+              </a:spcBef>
+              <a:buFont typeface="Arial" panose="020B0604020202020204" pitchFamily="34" charset="0"/>
+              <a:buChar char="•"/>
+              <a:defRPr sz="2800" kern="1200">
+                <a:solidFill>
+                  <a:schemeClr val="tx1"/>
+                </a:solidFill>
+                <a:latin typeface="+mn-lt"/>
+                <a:ea typeface="+mn-ea"/>
+                <a:cs typeface="+mn-cs"/>
+              </a:defRPr>
+            </a:lvl1pPr>
+            <a:lvl2pPr marL="685800" indent="-228600" algn="l" defTabSz="914400" rtl="0" eaLnBrk="1" latinLnBrk="0" hangingPunct="1">
+              <a:lnSpc>
+                <a:spcPct val="90000"/>
+              </a:lnSpc>
+              <a:spcBef>
+                <a:spcPts val="500"/>
+              </a:spcBef>
+              <a:buFont typeface="Arial" panose="020B0604020202020204" pitchFamily="34" charset="0"/>
+              <a:buChar char="•"/>
+              <a:defRPr sz="2400" kern="1200">
+                <a:solidFill>
+                  <a:schemeClr val="tx1"/>
+                </a:solidFill>
+                <a:latin typeface="+mn-lt"/>
+                <a:ea typeface="+mn-ea"/>
+                <a:cs typeface="+mn-cs"/>
+              </a:defRPr>
+            </a:lvl2pPr>
+            <a:lvl3pPr marL="1143000" indent="-228600" algn="l" defTabSz="914400" rtl="0" eaLnBrk="1" latinLnBrk="0" hangingPunct="1">
+              <a:lnSpc>
+                <a:spcPct val="90000"/>
+              </a:lnSpc>
+              <a:spcBef>
+                <a:spcPts val="500"/>
+              </a:spcBef>
+              <a:buFont typeface="Arial" panose="020B0604020202020204" pitchFamily="34" charset="0"/>
+              <a:buChar char="•"/>
+              <a:defRPr sz="2000" kern="1200">
+                <a:solidFill>
+                  <a:schemeClr val="tx1"/>
+                </a:solidFill>
+                <a:latin typeface="+mn-lt"/>
+                <a:ea typeface="+mn-ea"/>
+                <a:cs typeface="+mn-cs"/>
+              </a:defRPr>
+            </a:lvl3pPr>
+            <a:lvl4pPr marL="1600200" indent="-228600" algn="l" defTabSz="914400" rtl="0" eaLnBrk="1" latinLnBrk="0" hangingPunct="1">
+              <a:lnSpc>
+                <a:spcPct val="90000"/>
+              </a:lnSpc>
+              <a:spcBef>
+                <a:spcPts val="500"/>
+              </a:spcBef>
+              <a:buFont typeface="Arial" panose="020B0604020202020204" pitchFamily="34" charset="0"/>
+              <a:buChar char="•"/>
+              <a:defRPr sz="1800" kern="1200">
+                <a:solidFill>
+                  <a:schemeClr val="tx1"/>
+                </a:solidFill>
+                <a:latin typeface="+mn-lt"/>
+                <a:ea typeface="+mn-ea"/>
+                <a:cs typeface="+mn-cs"/>
+              </a:defRPr>
+            </a:lvl4pPr>
+            <a:lvl5pPr marL="2057400" indent="-228600" algn="l" defTabSz="914400" rtl="0" eaLnBrk="1" latinLnBrk="0" hangingPunct="1">
+              <a:lnSpc>
+                <a:spcPct val="90000"/>
+              </a:lnSpc>
+              <a:spcBef>
+                <a:spcPts val="500"/>
+              </a:spcBef>
+              <a:buFont typeface="Arial" panose="020B0604020202020204" pitchFamily="34" charset="0"/>
+              <a:buChar char="•"/>
+              <a:defRPr sz="1800" kern="1200">
+                <a:solidFill>
+                  <a:schemeClr val="tx1"/>
+                </a:solidFill>
+                <a:latin typeface="+mn-lt"/>
+                <a:ea typeface="+mn-ea"/>
+                <a:cs typeface="+mn-cs"/>
+              </a:defRPr>
+            </a:lvl5pPr>
+            <a:lvl6pPr marL="2514600" indent="-228600" algn="l" defTabSz="914400" rtl="0" eaLnBrk="1" latinLnBrk="0" hangingPunct="1">
+              <a:lnSpc>
+                <a:spcPct val="90000"/>
+              </a:lnSpc>
+              <a:spcBef>
+                <a:spcPts val="500"/>
+              </a:spcBef>
+              <a:buFont typeface="Arial" panose="020B0604020202020204" pitchFamily="34" charset="0"/>
+              <a:buChar char="•"/>
+              <a:defRPr sz="1800" kern="1200">
+                <a:solidFill>
+                  <a:schemeClr val="tx1"/>
+                </a:solidFill>
+                <a:latin typeface="+mn-lt"/>
+                <a:ea typeface="+mn-ea"/>
+                <a:cs typeface="+mn-cs"/>
+              </a:defRPr>
+            </a:lvl6pPr>
+            <a:lvl7pPr marL="2971800" indent="-228600" algn="l" defTabSz="914400" rtl="0" eaLnBrk="1" latinLnBrk="0" hangingPunct="1">
+              <a:lnSpc>
+                <a:spcPct val="90000"/>
+              </a:lnSpc>
+              <a:spcBef>
+                <a:spcPts val="500"/>
+              </a:spcBef>
+              <a:buFont typeface="Arial" panose="020B0604020202020204" pitchFamily="34" charset="0"/>
+              <a:buChar char="•"/>
+              <a:defRPr sz="1800" kern="1200">
+                <a:solidFill>
+                  <a:schemeClr val="tx1"/>
+                </a:solidFill>
+                <a:latin typeface="+mn-lt"/>
+                <a:ea typeface="+mn-ea"/>
+                <a:cs typeface="+mn-cs"/>
+              </a:defRPr>
+            </a:lvl7pPr>
+            <a:lvl8pPr marL="3429000" indent="-228600" algn="l" defTabSz="914400" rtl="0" eaLnBrk="1" latinLnBrk="0" hangingPunct="1">
+              <a:lnSpc>
+                <a:spcPct val="90000"/>
+              </a:lnSpc>
+              <a:spcBef>
+                <a:spcPts val="500"/>
+              </a:spcBef>
+              <a:buFont typeface="Arial" panose="020B0604020202020204" pitchFamily="34" charset="0"/>
+              <a:buChar char="•"/>
+              <a:defRPr sz="1800" kern="1200">
+                <a:solidFill>
+                  <a:schemeClr val="tx1"/>
+                </a:solidFill>
+                <a:latin typeface="+mn-lt"/>
+                <a:ea typeface="+mn-ea"/>
+                <a:cs typeface="+mn-cs"/>
+              </a:defRPr>
+            </a:lvl8pPr>
+            <a:lvl9pPr marL="3886200" indent="-228600" algn="l" defTabSz="914400" rtl="0" eaLnBrk="1" latinLnBrk="0" hangingPunct="1">
+              <a:lnSpc>
+                <a:spcPct val="90000"/>
+              </a:lnSpc>
+              <a:spcBef>
+                <a:spcPts val="500"/>
+              </a:spcBef>
+              <a:buFont typeface="Arial" panose="020B0604020202020204" pitchFamily="34" charset="0"/>
+              <a:buChar char="•"/>
+              <a:defRPr sz="1800" kern="1200">
+                <a:solidFill>
+                  <a:schemeClr val="tx1"/>
+                </a:solidFill>
+                <a:latin typeface="+mn-lt"/>
+                <a:ea typeface="+mn-ea"/>
+                <a:cs typeface="+mn-cs"/>
+              </a:defRPr>
+            </a:lvl9pPr>
+          </a:lstStyle>
+          <a:p>
+            <a:pPr marL="0" indent="0">
+              <a:buFont typeface="Arial" panose="020B0604020202020204" pitchFamily="34" charset="0"/>
+              <a:buNone/>
+            </a:pPr>
+            <a:r>
+              <a:rPr lang="en-US" altLang="zh-CN" sz="1400" dirty="0" smtClean="0">
+                <a:latin typeface="微软雅黑" panose="020B0503020204020204" pitchFamily="34" charset="-122"/>
+                <a:ea typeface="微软雅黑" panose="020B0503020204020204" pitchFamily="34" charset="-122"/>
+              </a:rPr>
+              <a:t>I </a:t>
+            </a:r>
+            <a:r>
+              <a:rPr lang="zh-CN" altLang="en-US" sz="1400" dirty="0" smtClean="0">
+                <a:latin typeface="微软雅黑" panose="020B0503020204020204" pitchFamily="34" charset="-122"/>
+                <a:ea typeface="微软雅黑" panose="020B0503020204020204" pitchFamily="34" charset="-122"/>
+              </a:rPr>
+              <a:t>跨部门沟通为什么会出现问题</a:t>
+            </a:r>
+            <a:endParaRPr lang="en-US" altLang="zh-CN" sz="1400" dirty="0" smtClean="0">
+              <a:latin typeface="微软雅黑" panose="020B0503020204020204" pitchFamily="34" charset="-122"/>
+              <a:ea typeface="微软雅黑" panose="020B0503020204020204" pitchFamily="34" charset="-122"/>
+            </a:endParaRPr>
+          </a:p>
+          <a:p>
+            <a:pPr marL="0" indent="0">
+              <a:buFont typeface="Arial" panose="020B0604020202020204" pitchFamily="34" charset="0"/>
+              <a:buNone/>
+            </a:pPr>
+            <a:r>
+              <a:rPr lang="en-US" altLang="zh-CN" sz="1400" dirty="0" smtClean="0">
+                <a:latin typeface="微软雅黑" panose="020B0503020204020204" pitchFamily="34" charset="-122"/>
+                <a:ea typeface="微软雅黑" panose="020B0503020204020204" pitchFamily="34" charset="-122"/>
+              </a:rPr>
+              <a:t>II </a:t>
+            </a:r>
+            <a:r>
+              <a:rPr lang="zh-CN" altLang="en-US" sz="1400" dirty="0" smtClean="0">
+                <a:latin typeface="微软雅黑" panose="020B0503020204020204" pitchFamily="34" charset="-122"/>
+                <a:ea typeface="微软雅黑" panose="020B0503020204020204" pitchFamily="34" charset="-122"/>
+              </a:rPr>
+              <a:t>掌握跨部门冲突的本质</a:t>
+            </a:r>
+            <a:endParaRPr lang="en-US" altLang="zh-CN" sz="1400" dirty="0" smtClean="0">
+              <a:latin typeface="微软雅黑" panose="020B0503020204020204" pitchFamily="34" charset="-122"/>
+              <a:ea typeface="微软雅黑" panose="020B0503020204020204" pitchFamily="34" charset="-122"/>
+            </a:endParaRPr>
+          </a:p>
+          <a:p>
+            <a:pPr marL="0" indent="0">
+              <a:buFont typeface="Arial" panose="020B0604020202020204" pitchFamily="34" charset="0"/>
+              <a:buNone/>
+            </a:pPr>
+            <a:r>
+              <a:rPr lang="en-US" altLang="zh-CN" sz="1400" dirty="0" smtClean="0">
+                <a:solidFill>
+                  <a:srgbClr val="FF0000"/>
+                </a:solidFill>
+                <a:latin typeface="微软雅黑" panose="020B0503020204020204" pitchFamily="34" charset="-122"/>
+                <a:ea typeface="微软雅黑" panose="020B0503020204020204" pitchFamily="34" charset="-122"/>
+              </a:rPr>
+              <a:t>III </a:t>
+            </a:r>
+            <a:r>
+              <a:rPr lang="zh-CN" altLang="en-US" sz="1400" dirty="0" smtClean="0">
+                <a:solidFill>
+                  <a:srgbClr val="FF0000"/>
+                </a:solidFill>
+                <a:latin typeface="微软雅黑" panose="020B0503020204020204" pitchFamily="34" charset="-122"/>
+                <a:ea typeface="微软雅黑" panose="020B0503020204020204" pitchFamily="34" charset="-122"/>
+              </a:rPr>
+              <a:t>跨部门冲突化解的策略</a:t>
+            </a:r>
+            <a:endParaRPr lang="en-US" altLang="zh-CN" sz="1400" dirty="0" smtClean="0">
+              <a:solidFill>
+                <a:srgbClr val="FF0000"/>
+              </a:solidFill>
+              <a:latin typeface="微软雅黑" panose="020B0503020204020204" pitchFamily="34" charset="-122"/>
+              <a:ea typeface="微软雅黑" panose="020B0503020204020204" pitchFamily="34" charset="-122"/>
+            </a:endParaRPr>
+          </a:p>
+          <a:p>
+            <a:pPr marL="0" indent="0">
+              <a:buFont typeface="Arial" panose="020B0604020202020204" pitchFamily="34" charset="0"/>
+              <a:buNone/>
+            </a:pPr>
+            <a:r>
+              <a:rPr lang="en-US" altLang="zh-CN" sz="1400" dirty="0" smtClean="0">
+                <a:latin typeface="微软雅黑" panose="020B0503020204020204" pitchFamily="34" charset="-122"/>
+                <a:ea typeface="微软雅黑" panose="020B0503020204020204" pitchFamily="34" charset="-122"/>
+              </a:rPr>
+              <a:t>IV </a:t>
+            </a:r>
+            <a:r>
+              <a:rPr lang="zh-CN" altLang="en-US" sz="1400" dirty="0" smtClean="0">
+                <a:latin typeface="微软雅黑" panose="020B0503020204020204" pitchFamily="34" charset="-122"/>
+                <a:ea typeface="微软雅黑" panose="020B0503020204020204" pitchFamily="34" charset="-122"/>
+              </a:rPr>
+              <a:t>如何让跨部门同事信任我</a:t>
+            </a:r>
+            <a:endParaRPr lang="zh-CN" altLang="en-US" sz="1400" dirty="0">
+              <a:latin typeface="微软雅黑" panose="020B0503020204020204" pitchFamily="34" charset="-122"/>
+              <a:ea typeface="微软雅黑" panose="020B0503020204020204" pitchFamily="34" charset="-122"/>
+            </a:endParaRPr>
+          </a:p>
+        </p:txBody>
+      </p:sp>
+      <p:pic>
+        <p:nvPicPr>
+          <p:cNvPr id="7" name="图片 6"/>
+          <p:cNvPicPr>
+            <a:picLocks noChangeAspect="1"/>
+          </p:cNvPicPr>
+          <p:nvPr/>
+        </p:nvPicPr>
+        <p:blipFill>
+          <a:blip r:embed="rId3"/>
+          <a:stretch>
+            <a:fillRect/>
+          </a:stretch>
+        </p:blipFill>
+        <p:spPr>
+          <a:xfrm>
+            <a:off x="2966498" y="1178695"/>
+            <a:ext cx="5640260" cy="5205923"/>
+          </a:xfrm>
+          <a:prstGeom prst="rect">
+            <a:avLst/>
+          </a:prstGeom>
+        </p:spPr>
+      </p:pic>
+    </p:spTree>
+    <p:extLst>
+      <p:ext uri="{BB962C8B-B14F-4D97-AF65-F5344CB8AC3E}">
+        <p14:creationId xmlns:p14="http://schemas.microsoft.com/office/powerpoint/2010/main" val="1823261700"/>
+      </p:ext>
+    </p:extLst>
+  </p:cSld>
+  <p:clrMapOvr>
+    <a:masterClrMapping/>
+  </p:clrMapOvr>
+  <p:timing>
+    <p:tnLst>
+      <p:par>
+        <p:cTn id="1" dur="indefinite" restart="never" nodeType="tmRoot"/>
+      </p:par>
+    </p:tnLst>
+  </p:timing>
+</p:sld>
+</file>
+
+<file path=ppt/slides/slide32.xml><?xml version="1.0" encoding="utf-8"?>
+<p:sld xmlns:a="http://schemas.openxmlformats.org/drawingml/2006/main" xmlns:r="http://schemas.openxmlformats.org/officeDocument/2006/relationships" xmlns:p="http://schemas.openxmlformats.org/presentationml/2006/main">
+  <p:cSld>
+    <p:spTree>
+      <p:nvGrpSpPr>
+        <p:cNvPr id="1" name=""/>
+        <p:cNvGrpSpPr/>
+        <p:nvPr/>
+      </p:nvGrpSpPr>
+      <p:grpSpPr>
+        <a:xfrm>
+          <a:off x="0" y="0"/>
+          <a:ext cx="0" cy="0"/>
+          <a:chOff x="0" y="0"/>
+          <a:chExt cx="0" cy="0"/>
+        </a:xfrm>
+      </p:grpSpPr>
+      <p:sp>
+        <p:nvSpPr>
+          <p:cNvPr id="2" name="标题 1"/>
+          <p:cNvSpPr>
+            <a:spLocks noGrp="1"/>
+          </p:cNvSpPr>
+          <p:nvPr>
+            <p:ph type="title"/>
+          </p:nvPr>
+        </p:nvSpPr>
+        <p:spPr/>
+        <p:txBody>
+          <a:bodyPr/>
+          <a:lstStyle/>
+          <a:p>
+            <a:r>
+              <a:rPr lang="zh-CN" altLang="en-US" dirty="0" smtClean="0"/>
+              <a:t>举个栗子</a:t>
+            </a:r>
+            <a:endParaRPr lang="zh-CN" altLang="en-US" dirty="0"/>
+          </a:p>
+        </p:txBody>
+      </p:sp>
+      <p:sp>
+        <p:nvSpPr>
+          <p:cNvPr id="3" name="内容占位符 2"/>
+          <p:cNvSpPr>
+            <a:spLocks noGrp="1"/>
+          </p:cNvSpPr>
+          <p:nvPr>
+            <p:ph idx="1"/>
+          </p:nvPr>
+        </p:nvSpPr>
+        <p:spPr>
+          <a:xfrm>
+            <a:off x="838200" y="1825625"/>
+            <a:ext cx="9896856" cy="4351338"/>
+          </a:xfrm>
+        </p:spPr>
+        <p:txBody>
+          <a:bodyPr/>
+          <a:lstStyle/>
+          <a:p>
+            <a:pPr marL="457200" lvl="1" indent="0">
+              <a:buNone/>
+            </a:pPr>
+            <a:endParaRPr lang="en-US" altLang="zh-CN" dirty="0" smtClean="0"/>
+          </a:p>
+        </p:txBody>
+      </p:sp>
+      <p:sp>
+        <p:nvSpPr>
+          <p:cNvPr id="4" name="内容占位符 2"/>
+          <p:cNvSpPr txBox="1">
+            <a:spLocks/>
+          </p:cNvSpPr>
+          <p:nvPr/>
+        </p:nvSpPr>
+        <p:spPr>
+          <a:xfrm>
+            <a:off x="8689848" y="365126"/>
+            <a:ext cx="2859024" cy="1460500"/>
+          </a:xfrm>
+          <a:prstGeom prst="rect">
+            <a:avLst/>
+          </a:prstGeom>
+        </p:spPr>
+        <p:txBody>
+          <a:bodyPr vert="horz" lIns="91440" tIns="45720" rIns="91440" bIns="45720" rtlCol="0">
+            <a:normAutofit/>
+          </a:bodyPr>
+          <a:lstStyle>
+            <a:lvl1pPr marL="228600" indent="-228600" algn="l" defTabSz="914400" rtl="0" eaLnBrk="1" latinLnBrk="0" hangingPunct="1">
+              <a:lnSpc>
+                <a:spcPct val="90000"/>
+              </a:lnSpc>
+              <a:spcBef>
+                <a:spcPts val="1000"/>
+              </a:spcBef>
+              <a:buFont typeface="Arial" panose="020B0604020202020204" pitchFamily="34" charset="0"/>
+              <a:buChar char="•"/>
+              <a:defRPr sz="2800" kern="1200">
+                <a:solidFill>
+                  <a:schemeClr val="tx1"/>
+                </a:solidFill>
+                <a:latin typeface="+mn-lt"/>
+                <a:ea typeface="+mn-ea"/>
+                <a:cs typeface="+mn-cs"/>
+              </a:defRPr>
+            </a:lvl1pPr>
+            <a:lvl2pPr marL="685800" indent="-228600" algn="l" defTabSz="914400" rtl="0" eaLnBrk="1" latinLnBrk="0" hangingPunct="1">
+              <a:lnSpc>
+                <a:spcPct val="90000"/>
+              </a:lnSpc>
+              <a:spcBef>
+                <a:spcPts val="500"/>
+              </a:spcBef>
+              <a:buFont typeface="Arial" panose="020B0604020202020204" pitchFamily="34" charset="0"/>
+              <a:buChar char="•"/>
+              <a:defRPr sz="2400" kern="1200">
+                <a:solidFill>
+                  <a:schemeClr val="tx1"/>
+                </a:solidFill>
+                <a:latin typeface="+mn-lt"/>
+                <a:ea typeface="+mn-ea"/>
+                <a:cs typeface="+mn-cs"/>
+              </a:defRPr>
+            </a:lvl2pPr>
+            <a:lvl3pPr marL="1143000" indent="-228600" algn="l" defTabSz="914400" rtl="0" eaLnBrk="1" latinLnBrk="0" hangingPunct="1">
+              <a:lnSpc>
+                <a:spcPct val="90000"/>
+              </a:lnSpc>
+              <a:spcBef>
+                <a:spcPts val="500"/>
+              </a:spcBef>
+              <a:buFont typeface="Arial" panose="020B0604020202020204" pitchFamily="34" charset="0"/>
+              <a:buChar char="•"/>
+              <a:defRPr sz="2000" kern="1200">
+                <a:solidFill>
+                  <a:schemeClr val="tx1"/>
+                </a:solidFill>
+                <a:latin typeface="+mn-lt"/>
+                <a:ea typeface="+mn-ea"/>
+                <a:cs typeface="+mn-cs"/>
+              </a:defRPr>
+            </a:lvl3pPr>
+            <a:lvl4pPr marL="1600200" indent="-228600" algn="l" defTabSz="914400" rtl="0" eaLnBrk="1" latinLnBrk="0" hangingPunct="1">
+              <a:lnSpc>
+                <a:spcPct val="90000"/>
+              </a:lnSpc>
+              <a:spcBef>
+                <a:spcPts val="500"/>
+              </a:spcBef>
+              <a:buFont typeface="Arial" panose="020B0604020202020204" pitchFamily="34" charset="0"/>
+              <a:buChar char="•"/>
+              <a:defRPr sz="1800" kern="1200">
+                <a:solidFill>
+                  <a:schemeClr val="tx1"/>
+                </a:solidFill>
+                <a:latin typeface="+mn-lt"/>
+                <a:ea typeface="+mn-ea"/>
+                <a:cs typeface="+mn-cs"/>
+              </a:defRPr>
+            </a:lvl4pPr>
+            <a:lvl5pPr marL="2057400" indent="-228600" algn="l" defTabSz="914400" rtl="0" eaLnBrk="1" latinLnBrk="0" hangingPunct="1">
+              <a:lnSpc>
+                <a:spcPct val="90000"/>
+              </a:lnSpc>
+              <a:spcBef>
+                <a:spcPts val="500"/>
+              </a:spcBef>
+              <a:buFont typeface="Arial" panose="020B0604020202020204" pitchFamily="34" charset="0"/>
+              <a:buChar char="•"/>
+              <a:defRPr sz="1800" kern="1200">
+                <a:solidFill>
+                  <a:schemeClr val="tx1"/>
+                </a:solidFill>
+                <a:latin typeface="+mn-lt"/>
+                <a:ea typeface="+mn-ea"/>
+                <a:cs typeface="+mn-cs"/>
+              </a:defRPr>
+            </a:lvl5pPr>
+            <a:lvl6pPr marL="2514600" indent="-228600" algn="l" defTabSz="914400" rtl="0" eaLnBrk="1" latinLnBrk="0" hangingPunct="1">
+              <a:lnSpc>
+                <a:spcPct val="90000"/>
+              </a:lnSpc>
+              <a:spcBef>
+                <a:spcPts val="500"/>
+              </a:spcBef>
+              <a:buFont typeface="Arial" panose="020B0604020202020204" pitchFamily="34" charset="0"/>
+              <a:buChar char="•"/>
+              <a:defRPr sz="1800" kern="1200">
+                <a:solidFill>
+                  <a:schemeClr val="tx1"/>
+                </a:solidFill>
+                <a:latin typeface="+mn-lt"/>
+                <a:ea typeface="+mn-ea"/>
+                <a:cs typeface="+mn-cs"/>
+              </a:defRPr>
+            </a:lvl6pPr>
+            <a:lvl7pPr marL="2971800" indent="-228600" algn="l" defTabSz="914400" rtl="0" eaLnBrk="1" latinLnBrk="0" hangingPunct="1">
+              <a:lnSpc>
+                <a:spcPct val="90000"/>
+              </a:lnSpc>
+              <a:spcBef>
+                <a:spcPts val="500"/>
+              </a:spcBef>
+              <a:buFont typeface="Arial" panose="020B0604020202020204" pitchFamily="34" charset="0"/>
+              <a:buChar char="•"/>
+              <a:defRPr sz="1800" kern="1200">
+                <a:solidFill>
+                  <a:schemeClr val="tx1"/>
+                </a:solidFill>
+                <a:latin typeface="+mn-lt"/>
+                <a:ea typeface="+mn-ea"/>
+                <a:cs typeface="+mn-cs"/>
+              </a:defRPr>
+            </a:lvl7pPr>
+            <a:lvl8pPr marL="3429000" indent="-228600" algn="l" defTabSz="914400" rtl="0" eaLnBrk="1" latinLnBrk="0" hangingPunct="1">
+              <a:lnSpc>
+                <a:spcPct val="90000"/>
+              </a:lnSpc>
+              <a:spcBef>
+                <a:spcPts val="500"/>
+              </a:spcBef>
+              <a:buFont typeface="Arial" panose="020B0604020202020204" pitchFamily="34" charset="0"/>
+              <a:buChar char="•"/>
+              <a:defRPr sz="1800" kern="1200">
+                <a:solidFill>
+                  <a:schemeClr val="tx1"/>
+                </a:solidFill>
+                <a:latin typeface="+mn-lt"/>
+                <a:ea typeface="+mn-ea"/>
+                <a:cs typeface="+mn-cs"/>
+              </a:defRPr>
+            </a:lvl8pPr>
+            <a:lvl9pPr marL="3886200" indent="-228600" algn="l" defTabSz="914400" rtl="0" eaLnBrk="1" latinLnBrk="0" hangingPunct="1">
+              <a:lnSpc>
+                <a:spcPct val="90000"/>
+              </a:lnSpc>
+              <a:spcBef>
+                <a:spcPts val="500"/>
+              </a:spcBef>
+              <a:buFont typeface="Arial" panose="020B0604020202020204" pitchFamily="34" charset="0"/>
+              <a:buChar char="•"/>
+              <a:defRPr sz="1800" kern="1200">
+                <a:solidFill>
+                  <a:schemeClr val="tx1"/>
+                </a:solidFill>
+                <a:latin typeface="+mn-lt"/>
+                <a:ea typeface="+mn-ea"/>
+                <a:cs typeface="+mn-cs"/>
+              </a:defRPr>
+            </a:lvl9pPr>
+          </a:lstStyle>
+          <a:p>
+            <a:pPr marL="0" indent="0">
+              <a:buFont typeface="Arial" panose="020B0604020202020204" pitchFamily="34" charset="0"/>
+              <a:buNone/>
+            </a:pPr>
+            <a:r>
+              <a:rPr lang="en-US" altLang="zh-CN" sz="1400" dirty="0" smtClean="0">
+                <a:latin typeface="微软雅黑" panose="020B0503020204020204" pitchFamily="34" charset="-122"/>
+                <a:ea typeface="微软雅黑" panose="020B0503020204020204" pitchFamily="34" charset="-122"/>
+              </a:rPr>
+              <a:t>I </a:t>
+            </a:r>
+            <a:r>
+              <a:rPr lang="zh-CN" altLang="en-US" sz="1400" dirty="0" smtClean="0">
+                <a:latin typeface="微软雅黑" panose="020B0503020204020204" pitchFamily="34" charset="-122"/>
+                <a:ea typeface="微软雅黑" panose="020B0503020204020204" pitchFamily="34" charset="-122"/>
+              </a:rPr>
+              <a:t>跨部门沟通为什么会出现问题</a:t>
+            </a:r>
+            <a:endParaRPr lang="en-US" altLang="zh-CN" sz="1400" dirty="0" smtClean="0">
+              <a:latin typeface="微软雅黑" panose="020B0503020204020204" pitchFamily="34" charset="-122"/>
+              <a:ea typeface="微软雅黑" panose="020B0503020204020204" pitchFamily="34" charset="-122"/>
+            </a:endParaRPr>
+          </a:p>
+          <a:p>
+            <a:pPr marL="0" indent="0">
+              <a:buFont typeface="Arial" panose="020B0604020202020204" pitchFamily="34" charset="0"/>
+              <a:buNone/>
+            </a:pPr>
+            <a:r>
+              <a:rPr lang="en-US" altLang="zh-CN" sz="1400" dirty="0" smtClean="0">
+                <a:latin typeface="微软雅黑" panose="020B0503020204020204" pitchFamily="34" charset="-122"/>
+                <a:ea typeface="微软雅黑" panose="020B0503020204020204" pitchFamily="34" charset="-122"/>
+              </a:rPr>
+              <a:t>II </a:t>
+            </a:r>
+            <a:r>
+              <a:rPr lang="zh-CN" altLang="en-US" sz="1400" dirty="0" smtClean="0">
+                <a:latin typeface="微软雅黑" panose="020B0503020204020204" pitchFamily="34" charset="-122"/>
+                <a:ea typeface="微软雅黑" panose="020B0503020204020204" pitchFamily="34" charset="-122"/>
+              </a:rPr>
+              <a:t>掌握跨部门冲突的本质</a:t>
+            </a:r>
+            <a:endParaRPr lang="en-US" altLang="zh-CN" sz="1400" dirty="0" smtClean="0">
+              <a:latin typeface="微软雅黑" panose="020B0503020204020204" pitchFamily="34" charset="-122"/>
+              <a:ea typeface="微软雅黑" panose="020B0503020204020204" pitchFamily="34" charset="-122"/>
+            </a:endParaRPr>
+          </a:p>
+          <a:p>
+            <a:pPr marL="0" indent="0">
+              <a:buFont typeface="Arial" panose="020B0604020202020204" pitchFamily="34" charset="0"/>
+              <a:buNone/>
+            </a:pPr>
+            <a:r>
+              <a:rPr lang="en-US" altLang="zh-CN" sz="1400" dirty="0" smtClean="0">
+                <a:solidFill>
+                  <a:srgbClr val="FF0000"/>
+                </a:solidFill>
+                <a:latin typeface="微软雅黑" panose="020B0503020204020204" pitchFamily="34" charset="-122"/>
+                <a:ea typeface="微软雅黑" panose="020B0503020204020204" pitchFamily="34" charset="-122"/>
+              </a:rPr>
+              <a:t>III </a:t>
+            </a:r>
+            <a:r>
+              <a:rPr lang="zh-CN" altLang="en-US" sz="1400" dirty="0" smtClean="0">
+                <a:solidFill>
+                  <a:srgbClr val="FF0000"/>
+                </a:solidFill>
+                <a:latin typeface="微软雅黑" panose="020B0503020204020204" pitchFamily="34" charset="-122"/>
+                <a:ea typeface="微软雅黑" panose="020B0503020204020204" pitchFamily="34" charset="-122"/>
+              </a:rPr>
+              <a:t>跨部门冲突化解的策略</a:t>
+            </a:r>
+            <a:endParaRPr lang="en-US" altLang="zh-CN" sz="1400" dirty="0" smtClean="0">
+              <a:solidFill>
+                <a:srgbClr val="FF0000"/>
+              </a:solidFill>
+              <a:latin typeface="微软雅黑" panose="020B0503020204020204" pitchFamily="34" charset="-122"/>
+              <a:ea typeface="微软雅黑" panose="020B0503020204020204" pitchFamily="34" charset="-122"/>
+            </a:endParaRPr>
+          </a:p>
+          <a:p>
+            <a:pPr marL="0" indent="0">
+              <a:buFont typeface="Arial" panose="020B0604020202020204" pitchFamily="34" charset="0"/>
+              <a:buNone/>
+            </a:pPr>
+            <a:r>
+              <a:rPr lang="en-US" altLang="zh-CN" sz="1400" dirty="0" smtClean="0">
+                <a:latin typeface="微软雅黑" panose="020B0503020204020204" pitchFamily="34" charset="-122"/>
+                <a:ea typeface="微软雅黑" panose="020B0503020204020204" pitchFamily="34" charset="-122"/>
+              </a:rPr>
+              <a:t>IV </a:t>
+            </a:r>
+            <a:r>
+              <a:rPr lang="zh-CN" altLang="en-US" sz="1400" dirty="0" smtClean="0">
+                <a:latin typeface="微软雅黑" panose="020B0503020204020204" pitchFamily="34" charset="-122"/>
+                <a:ea typeface="微软雅黑" panose="020B0503020204020204" pitchFamily="34" charset="-122"/>
+              </a:rPr>
+              <a:t>如何让跨部门同事信任我</a:t>
+            </a:r>
+            <a:endParaRPr lang="zh-CN" altLang="en-US" sz="1400" dirty="0">
+              <a:latin typeface="微软雅黑" panose="020B0503020204020204" pitchFamily="34" charset="-122"/>
+              <a:ea typeface="微软雅黑" panose="020B0503020204020204" pitchFamily="34" charset="-122"/>
+            </a:endParaRPr>
+          </a:p>
+        </p:txBody>
+      </p:sp>
+      <p:pic>
+        <p:nvPicPr>
+          <p:cNvPr id="6" name="图片 5"/>
+          <p:cNvPicPr>
+            <a:picLocks noChangeAspect="1"/>
+          </p:cNvPicPr>
+          <p:nvPr/>
+        </p:nvPicPr>
+        <p:blipFill>
+          <a:blip r:embed="rId3"/>
+          <a:stretch>
+            <a:fillRect/>
+          </a:stretch>
+        </p:blipFill>
+        <p:spPr>
+          <a:xfrm>
+            <a:off x="471393" y="1294448"/>
+            <a:ext cx="5731371" cy="4882515"/>
+          </a:xfrm>
+          <a:prstGeom prst="rect">
+            <a:avLst/>
+          </a:prstGeom>
+        </p:spPr>
+      </p:pic>
+      <p:pic>
+        <p:nvPicPr>
+          <p:cNvPr id="8" name="图片 7"/>
+          <p:cNvPicPr>
+            <a:picLocks noChangeAspect="1"/>
+          </p:cNvPicPr>
+          <p:nvPr/>
+        </p:nvPicPr>
+        <p:blipFill>
+          <a:blip r:embed="rId4"/>
+          <a:stretch>
+            <a:fillRect/>
+          </a:stretch>
+        </p:blipFill>
+        <p:spPr>
+          <a:xfrm>
+            <a:off x="5968329" y="1263952"/>
+            <a:ext cx="5268631" cy="4913900"/>
+          </a:xfrm>
+          <a:prstGeom prst="rect">
+            <a:avLst/>
+          </a:prstGeom>
+        </p:spPr>
+      </p:pic>
+    </p:spTree>
+    <p:extLst>
+      <p:ext uri="{BB962C8B-B14F-4D97-AF65-F5344CB8AC3E}">
+        <p14:creationId xmlns:p14="http://schemas.microsoft.com/office/powerpoint/2010/main" val="2031219918"/>
+      </p:ext>
+    </p:extLst>
+  </p:cSld>
+  <p:clrMapOvr>
+    <a:masterClrMapping/>
+  </p:clrMapOvr>
+  <p:timing>
+    <p:tnLst>
+      <p:par>
+        <p:cTn id="1" dur="indefinite" restart="never" nodeType="tmRoot"/>
+      </p:par>
+    </p:tnLst>
+  </p:timing>
+</p:sld>
+</file>
+
+<file path=ppt/slides/slide33.xml><?xml version="1.0" encoding="utf-8"?>
+<p:sld xmlns:a="http://schemas.openxmlformats.org/drawingml/2006/main" xmlns:r="http://schemas.openxmlformats.org/officeDocument/2006/relationships" xmlns:p="http://schemas.openxmlformats.org/presentationml/2006/main">
+  <p:cSld>
+    <p:spTree>
+      <p:nvGrpSpPr>
+        <p:cNvPr id="1" name=""/>
+        <p:cNvGrpSpPr/>
+        <p:nvPr/>
+      </p:nvGrpSpPr>
+      <p:grpSpPr>
+        <a:xfrm>
+          <a:off x="0" y="0"/>
+          <a:ext cx="0" cy="0"/>
+          <a:chOff x="0" y="0"/>
+          <a:chExt cx="0" cy="0"/>
+        </a:xfrm>
+      </p:grpSpPr>
+      <p:sp>
+        <p:nvSpPr>
+          <p:cNvPr id="2" name="标题 1"/>
+          <p:cNvSpPr>
+            <a:spLocks noGrp="1"/>
+          </p:cNvSpPr>
+          <p:nvPr>
+            <p:ph type="title"/>
+          </p:nvPr>
+        </p:nvSpPr>
+        <p:spPr/>
+        <p:txBody>
+          <a:bodyPr/>
+          <a:lstStyle/>
+          <a:p>
+            <a:r>
+              <a:rPr lang="zh-CN" altLang="en-US" dirty="0"/>
+              <a:t>信任</a:t>
+            </a:r>
+          </a:p>
+        </p:txBody>
+      </p:sp>
+      <p:sp>
+        <p:nvSpPr>
+          <p:cNvPr id="3" name="内容占位符 2"/>
+          <p:cNvSpPr>
+            <a:spLocks noGrp="1"/>
+          </p:cNvSpPr>
+          <p:nvPr>
+            <p:ph idx="1"/>
+          </p:nvPr>
+        </p:nvSpPr>
+        <p:spPr>
+          <a:xfrm>
+            <a:off x="838200" y="1825625"/>
+            <a:ext cx="9896856" cy="4351338"/>
+          </a:xfrm>
+        </p:spPr>
+        <p:txBody>
+          <a:bodyPr/>
+          <a:lstStyle/>
+          <a:p>
+            <a:pPr lvl="1"/>
+            <a:r>
+              <a:rPr lang="zh-CN" altLang="en-US" dirty="0" smtClean="0"/>
+              <a:t>何谓“信任”？</a:t>
+            </a:r>
+            <a:endParaRPr lang="en-US" altLang="zh-CN" dirty="0" smtClean="0"/>
+          </a:p>
+          <a:p>
+            <a:pPr lvl="1"/>
+            <a:endParaRPr lang="en-US" altLang="zh-CN" dirty="0"/>
+          </a:p>
+          <a:p>
+            <a:pPr lvl="1"/>
+            <a:r>
+              <a:rPr lang="zh-CN" altLang="en-US" dirty="0" smtClean="0"/>
+              <a:t>建立人际信任关系的三阶段</a:t>
+            </a:r>
+            <a:endParaRPr lang="en-US" altLang="zh-CN" dirty="0" smtClean="0"/>
+          </a:p>
+          <a:p>
+            <a:pPr lvl="2"/>
+            <a:r>
+              <a:rPr lang="zh-CN" altLang="en-US" dirty="0" smtClean="0"/>
+              <a:t>建立最初的可信度</a:t>
+            </a:r>
+            <a:endParaRPr lang="en-US" altLang="zh-CN" dirty="0" smtClean="0"/>
+          </a:p>
+          <a:p>
+            <a:pPr lvl="2"/>
+            <a:r>
+              <a:rPr lang="zh-CN" altLang="en-US" dirty="0" smtClean="0"/>
+              <a:t>为发展中的可信度加分</a:t>
+            </a:r>
+            <a:endParaRPr lang="en-US" altLang="zh-CN" dirty="0" smtClean="0"/>
+          </a:p>
+          <a:p>
+            <a:pPr lvl="2"/>
+            <a:r>
+              <a:rPr lang="zh-CN" altLang="en-US" dirty="0" smtClean="0"/>
+              <a:t>巩固最终的可信度</a:t>
+            </a:r>
+            <a:endParaRPr lang="en-US" altLang="zh-CN" dirty="0" smtClean="0"/>
+          </a:p>
+        </p:txBody>
+      </p:sp>
+      <p:sp>
+        <p:nvSpPr>
+          <p:cNvPr id="4" name="内容占位符 2"/>
+          <p:cNvSpPr txBox="1">
+            <a:spLocks/>
+          </p:cNvSpPr>
+          <p:nvPr/>
+        </p:nvSpPr>
+        <p:spPr>
+          <a:xfrm>
+            <a:off x="8689848" y="365126"/>
+            <a:ext cx="2859024" cy="1460500"/>
+          </a:xfrm>
+          <a:prstGeom prst="rect">
+            <a:avLst/>
+          </a:prstGeom>
+        </p:spPr>
+        <p:txBody>
+          <a:bodyPr vert="horz" lIns="91440" tIns="45720" rIns="91440" bIns="45720" rtlCol="0">
+            <a:normAutofit/>
+          </a:bodyPr>
+          <a:lstStyle>
+            <a:lvl1pPr marL="228600" indent="-228600" algn="l" defTabSz="914400" rtl="0" eaLnBrk="1" latinLnBrk="0" hangingPunct="1">
+              <a:lnSpc>
+                <a:spcPct val="90000"/>
+              </a:lnSpc>
+              <a:spcBef>
+                <a:spcPts val="1000"/>
+              </a:spcBef>
+              <a:buFont typeface="Arial" panose="020B0604020202020204" pitchFamily="34" charset="0"/>
+              <a:buChar char="•"/>
+              <a:defRPr sz="2800" kern="1200">
+                <a:solidFill>
+                  <a:schemeClr val="tx1"/>
+                </a:solidFill>
+                <a:latin typeface="+mn-lt"/>
+                <a:ea typeface="+mn-ea"/>
+                <a:cs typeface="+mn-cs"/>
+              </a:defRPr>
+            </a:lvl1pPr>
+            <a:lvl2pPr marL="685800" indent="-228600" algn="l" defTabSz="914400" rtl="0" eaLnBrk="1" latinLnBrk="0" hangingPunct="1">
+              <a:lnSpc>
+                <a:spcPct val="90000"/>
+              </a:lnSpc>
+              <a:spcBef>
+                <a:spcPts val="500"/>
+              </a:spcBef>
+              <a:buFont typeface="Arial" panose="020B0604020202020204" pitchFamily="34" charset="0"/>
+              <a:buChar char="•"/>
+              <a:defRPr sz="2400" kern="1200">
+                <a:solidFill>
+                  <a:schemeClr val="tx1"/>
+                </a:solidFill>
+                <a:latin typeface="+mn-lt"/>
+                <a:ea typeface="+mn-ea"/>
+                <a:cs typeface="+mn-cs"/>
+              </a:defRPr>
+            </a:lvl2pPr>
+            <a:lvl3pPr marL="1143000" indent="-228600" algn="l" defTabSz="914400" rtl="0" eaLnBrk="1" latinLnBrk="0" hangingPunct="1">
+              <a:lnSpc>
+                <a:spcPct val="90000"/>
+              </a:lnSpc>
+              <a:spcBef>
+                <a:spcPts val="500"/>
+              </a:spcBef>
+              <a:buFont typeface="Arial" panose="020B0604020202020204" pitchFamily="34" charset="0"/>
+              <a:buChar char="•"/>
+              <a:defRPr sz="2000" kern="1200">
+                <a:solidFill>
+                  <a:schemeClr val="tx1"/>
+                </a:solidFill>
+                <a:latin typeface="+mn-lt"/>
+                <a:ea typeface="+mn-ea"/>
+                <a:cs typeface="+mn-cs"/>
+              </a:defRPr>
+            </a:lvl3pPr>
+            <a:lvl4pPr marL="1600200" indent="-228600" algn="l" defTabSz="914400" rtl="0" eaLnBrk="1" latinLnBrk="0" hangingPunct="1">
+              <a:lnSpc>
+                <a:spcPct val="90000"/>
+              </a:lnSpc>
+              <a:spcBef>
+                <a:spcPts val="500"/>
+              </a:spcBef>
+              <a:buFont typeface="Arial" panose="020B0604020202020204" pitchFamily="34" charset="0"/>
+              <a:buChar char="•"/>
+              <a:defRPr sz="1800" kern="1200">
+                <a:solidFill>
+                  <a:schemeClr val="tx1"/>
+                </a:solidFill>
+                <a:latin typeface="+mn-lt"/>
+                <a:ea typeface="+mn-ea"/>
+                <a:cs typeface="+mn-cs"/>
+              </a:defRPr>
+            </a:lvl4pPr>
+            <a:lvl5pPr marL="2057400" indent="-228600" algn="l" defTabSz="914400" rtl="0" eaLnBrk="1" latinLnBrk="0" hangingPunct="1">
+              <a:lnSpc>
+                <a:spcPct val="90000"/>
+              </a:lnSpc>
+              <a:spcBef>
+                <a:spcPts val="500"/>
+              </a:spcBef>
+              <a:buFont typeface="Arial" panose="020B0604020202020204" pitchFamily="34" charset="0"/>
+              <a:buChar char="•"/>
+              <a:defRPr sz="1800" kern="1200">
+                <a:solidFill>
+                  <a:schemeClr val="tx1"/>
+                </a:solidFill>
+                <a:latin typeface="+mn-lt"/>
+                <a:ea typeface="+mn-ea"/>
+                <a:cs typeface="+mn-cs"/>
+              </a:defRPr>
+            </a:lvl5pPr>
+            <a:lvl6pPr marL="2514600" indent="-228600" algn="l" defTabSz="914400" rtl="0" eaLnBrk="1" latinLnBrk="0" hangingPunct="1">
+              <a:lnSpc>
+                <a:spcPct val="90000"/>
+              </a:lnSpc>
+              <a:spcBef>
+                <a:spcPts val="500"/>
+              </a:spcBef>
+              <a:buFont typeface="Arial" panose="020B0604020202020204" pitchFamily="34" charset="0"/>
+              <a:buChar char="•"/>
+              <a:defRPr sz="1800" kern="1200">
+                <a:solidFill>
+                  <a:schemeClr val="tx1"/>
+                </a:solidFill>
+                <a:latin typeface="+mn-lt"/>
+                <a:ea typeface="+mn-ea"/>
+                <a:cs typeface="+mn-cs"/>
+              </a:defRPr>
+            </a:lvl6pPr>
+            <a:lvl7pPr marL="2971800" indent="-228600" algn="l" defTabSz="914400" rtl="0" eaLnBrk="1" latinLnBrk="0" hangingPunct="1">
+              <a:lnSpc>
+                <a:spcPct val="90000"/>
+              </a:lnSpc>
+              <a:spcBef>
+                <a:spcPts val="500"/>
+              </a:spcBef>
+              <a:buFont typeface="Arial" panose="020B0604020202020204" pitchFamily="34" charset="0"/>
+              <a:buChar char="•"/>
+              <a:defRPr sz="1800" kern="1200">
+                <a:solidFill>
+                  <a:schemeClr val="tx1"/>
+                </a:solidFill>
+                <a:latin typeface="+mn-lt"/>
+                <a:ea typeface="+mn-ea"/>
+                <a:cs typeface="+mn-cs"/>
+              </a:defRPr>
+            </a:lvl7pPr>
+            <a:lvl8pPr marL="3429000" indent="-228600" algn="l" defTabSz="914400" rtl="0" eaLnBrk="1" latinLnBrk="0" hangingPunct="1">
+              <a:lnSpc>
+                <a:spcPct val="90000"/>
+              </a:lnSpc>
+              <a:spcBef>
+                <a:spcPts val="500"/>
+              </a:spcBef>
+              <a:buFont typeface="Arial" panose="020B0604020202020204" pitchFamily="34" charset="0"/>
+              <a:buChar char="•"/>
+              <a:defRPr sz="1800" kern="1200">
+                <a:solidFill>
+                  <a:schemeClr val="tx1"/>
+                </a:solidFill>
+                <a:latin typeface="+mn-lt"/>
+                <a:ea typeface="+mn-ea"/>
+                <a:cs typeface="+mn-cs"/>
+              </a:defRPr>
+            </a:lvl8pPr>
+            <a:lvl9pPr marL="3886200" indent="-228600" algn="l" defTabSz="914400" rtl="0" eaLnBrk="1" latinLnBrk="0" hangingPunct="1">
+              <a:lnSpc>
+                <a:spcPct val="90000"/>
+              </a:lnSpc>
+              <a:spcBef>
+                <a:spcPts val="500"/>
+              </a:spcBef>
+              <a:buFont typeface="Arial" panose="020B0604020202020204" pitchFamily="34" charset="0"/>
+              <a:buChar char="•"/>
+              <a:defRPr sz="1800" kern="1200">
+                <a:solidFill>
+                  <a:schemeClr val="tx1"/>
+                </a:solidFill>
+                <a:latin typeface="+mn-lt"/>
+                <a:ea typeface="+mn-ea"/>
+                <a:cs typeface="+mn-cs"/>
+              </a:defRPr>
+            </a:lvl9pPr>
+          </a:lstStyle>
+          <a:p>
+            <a:pPr marL="0" indent="0">
+              <a:buFont typeface="Arial" panose="020B0604020202020204" pitchFamily="34" charset="0"/>
+              <a:buNone/>
+            </a:pPr>
+            <a:r>
+              <a:rPr lang="en-US" altLang="zh-CN" sz="1400" dirty="0" smtClean="0">
+                <a:latin typeface="微软雅黑" panose="020B0503020204020204" pitchFamily="34" charset="-122"/>
+                <a:ea typeface="微软雅黑" panose="020B0503020204020204" pitchFamily="34" charset="-122"/>
+              </a:rPr>
+              <a:t>I </a:t>
+            </a:r>
+            <a:r>
+              <a:rPr lang="zh-CN" altLang="en-US" sz="1400" dirty="0" smtClean="0">
+                <a:latin typeface="微软雅黑" panose="020B0503020204020204" pitchFamily="34" charset="-122"/>
+                <a:ea typeface="微软雅黑" panose="020B0503020204020204" pitchFamily="34" charset="-122"/>
+              </a:rPr>
+              <a:t>跨部门沟通为什么会出现问题</a:t>
+            </a:r>
+            <a:endParaRPr lang="en-US" altLang="zh-CN" sz="1400" dirty="0" smtClean="0">
+              <a:latin typeface="微软雅黑" panose="020B0503020204020204" pitchFamily="34" charset="-122"/>
+              <a:ea typeface="微软雅黑" panose="020B0503020204020204" pitchFamily="34" charset="-122"/>
+            </a:endParaRPr>
+          </a:p>
+          <a:p>
+            <a:pPr marL="0" indent="0">
+              <a:buFont typeface="Arial" panose="020B0604020202020204" pitchFamily="34" charset="0"/>
+              <a:buNone/>
+            </a:pPr>
+            <a:r>
+              <a:rPr lang="en-US" altLang="zh-CN" sz="1400" dirty="0" smtClean="0">
+                <a:latin typeface="微软雅黑" panose="020B0503020204020204" pitchFamily="34" charset="-122"/>
+                <a:ea typeface="微软雅黑" panose="020B0503020204020204" pitchFamily="34" charset="-122"/>
+              </a:rPr>
+              <a:t>II </a:t>
+            </a:r>
+            <a:r>
+              <a:rPr lang="zh-CN" altLang="en-US" sz="1400" dirty="0" smtClean="0">
+                <a:latin typeface="微软雅黑" panose="020B0503020204020204" pitchFamily="34" charset="-122"/>
+                <a:ea typeface="微软雅黑" panose="020B0503020204020204" pitchFamily="34" charset="-122"/>
+              </a:rPr>
+              <a:t>掌握跨部门冲突的本质</a:t>
+            </a:r>
+            <a:endParaRPr lang="en-US" altLang="zh-CN" sz="1400" dirty="0" smtClean="0">
+              <a:latin typeface="微软雅黑" panose="020B0503020204020204" pitchFamily="34" charset="-122"/>
+              <a:ea typeface="微软雅黑" panose="020B0503020204020204" pitchFamily="34" charset="-122"/>
+            </a:endParaRPr>
+          </a:p>
+          <a:p>
+            <a:pPr marL="0" indent="0">
+              <a:buFont typeface="Arial" panose="020B0604020202020204" pitchFamily="34" charset="0"/>
+              <a:buNone/>
+            </a:pPr>
+            <a:r>
+              <a:rPr lang="en-US" altLang="zh-CN" sz="1400" dirty="0" smtClean="0">
+                <a:latin typeface="微软雅黑" panose="020B0503020204020204" pitchFamily="34" charset="-122"/>
+                <a:ea typeface="微软雅黑" panose="020B0503020204020204" pitchFamily="34" charset="-122"/>
+              </a:rPr>
+              <a:t>III </a:t>
+            </a:r>
+            <a:r>
+              <a:rPr lang="zh-CN" altLang="en-US" sz="1400" dirty="0" smtClean="0">
+                <a:latin typeface="微软雅黑" panose="020B0503020204020204" pitchFamily="34" charset="-122"/>
+                <a:ea typeface="微软雅黑" panose="020B0503020204020204" pitchFamily="34" charset="-122"/>
+              </a:rPr>
+              <a:t>跨部门冲突化解的策略</a:t>
+            </a:r>
+            <a:endParaRPr lang="en-US" altLang="zh-CN" sz="1400" dirty="0" smtClean="0">
+              <a:latin typeface="微软雅黑" panose="020B0503020204020204" pitchFamily="34" charset="-122"/>
+              <a:ea typeface="微软雅黑" panose="020B0503020204020204" pitchFamily="34" charset="-122"/>
+            </a:endParaRPr>
+          </a:p>
+          <a:p>
+            <a:pPr marL="0" indent="0">
+              <a:buFont typeface="Arial" panose="020B0604020202020204" pitchFamily="34" charset="0"/>
+              <a:buNone/>
+            </a:pPr>
+            <a:r>
+              <a:rPr lang="en-US" altLang="zh-CN" sz="1400" dirty="0" smtClean="0">
+                <a:solidFill>
+                  <a:srgbClr val="FF0000"/>
+                </a:solidFill>
+                <a:latin typeface="微软雅黑" panose="020B0503020204020204" pitchFamily="34" charset="-122"/>
+                <a:ea typeface="微软雅黑" panose="020B0503020204020204" pitchFamily="34" charset="-122"/>
+              </a:rPr>
+              <a:t>IV </a:t>
+            </a:r>
+            <a:r>
+              <a:rPr lang="zh-CN" altLang="en-US" sz="1400" dirty="0" smtClean="0">
+                <a:solidFill>
+                  <a:srgbClr val="FF0000"/>
+                </a:solidFill>
+                <a:latin typeface="微软雅黑" panose="020B0503020204020204" pitchFamily="34" charset="-122"/>
+                <a:ea typeface="微软雅黑" panose="020B0503020204020204" pitchFamily="34" charset="-122"/>
+              </a:rPr>
+              <a:t>如何让跨部门同事信任我</a:t>
+            </a:r>
+            <a:endParaRPr lang="zh-CN" altLang="en-US" sz="1400" dirty="0">
+              <a:solidFill>
+                <a:srgbClr val="FF0000"/>
+              </a:solidFill>
+              <a:latin typeface="微软雅黑" panose="020B0503020204020204" pitchFamily="34" charset="-122"/>
+              <a:ea typeface="微软雅黑" panose="020B0503020204020204" pitchFamily="34" charset="-122"/>
+            </a:endParaRPr>
+          </a:p>
+        </p:txBody>
+      </p:sp>
+    </p:spTree>
+    <p:extLst>
+      <p:ext uri="{BB962C8B-B14F-4D97-AF65-F5344CB8AC3E}">
+        <p14:creationId xmlns:p14="http://schemas.microsoft.com/office/powerpoint/2010/main" val="1275804800"/>
+      </p:ext>
+    </p:extLst>
+  </p:cSld>
+  <p:clrMapOvr>
+    <a:masterClrMapping/>
+  </p:clrMapOvr>
+  <p:timing>
+    <p:tnLst>
+      <p:par>
+        <p:cTn id="1" dur="indefinite" restart="never" nodeType="tmRoot"/>
+      </p:par>
+    </p:tnLst>
+  </p:timing>
+</p:sld>
+</file>
+
+<file path=ppt/slides/slide34.xml><?xml version="1.0" encoding="utf-8"?>
+<p:sld xmlns:a="http://schemas.openxmlformats.org/drawingml/2006/main" xmlns:r="http://schemas.openxmlformats.org/officeDocument/2006/relationships" xmlns:p="http://schemas.openxmlformats.org/presentationml/2006/main">
+  <p:cSld>
+    <p:spTree>
+      <p:nvGrpSpPr>
+        <p:cNvPr id="1" name=""/>
+        <p:cNvGrpSpPr/>
+        <p:nvPr/>
+      </p:nvGrpSpPr>
+      <p:grpSpPr>
+        <a:xfrm>
+          <a:off x="0" y="0"/>
+          <a:ext cx="0" cy="0"/>
+          <a:chOff x="0" y="0"/>
+          <a:chExt cx="0" cy="0"/>
+        </a:xfrm>
+      </p:grpSpPr>
+      <p:sp>
+        <p:nvSpPr>
+          <p:cNvPr id="2" name="标题 1"/>
+          <p:cNvSpPr>
+            <a:spLocks noGrp="1"/>
+          </p:cNvSpPr>
+          <p:nvPr>
+            <p:ph type="title"/>
+          </p:nvPr>
+        </p:nvSpPr>
+        <p:spPr/>
+        <p:txBody>
+          <a:bodyPr/>
+          <a:lstStyle/>
+          <a:p>
+            <a:r>
+              <a:rPr lang="zh-CN" altLang="en-US" dirty="0"/>
+              <a:t>第一阶段：建立最初的</a:t>
+            </a:r>
+            <a:r>
+              <a:rPr lang="zh-CN" altLang="en-US" dirty="0" smtClean="0"/>
+              <a:t>可信度</a:t>
+            </a:r>
+            <a:endParaRPr lang="zh-CN" altLang="en-US" dirty="0"/>
+          </a:p>
+        </p:txBody>
+      </p:sp>
+      <p:sp>
+        <p:nvSpPr>
+          <p:cNvPr id="3" name="内容占位符 2"/>
+          <p:cNvSpPr>
+            <a:spLocks noGrp="1"/>
+          </p:cNvSpPr>
+          <p:nvPr>
+            <p:ph idx="1"/>
+          </p:nvPr>
+        </p:nvSpPr>
+        <p:spPr>
+          <a:xfrm>
+            <a:off x="838200" y="1825625"/>
+            <a:ext cx="9896856" cy="4351338"/>
+          </a:xfrm>
+        </p:spPr>
+        <p:txBody>
+          <a:bodyPr>
+            <a:normAutofit lnSpcReduction="10000"/>
+          </a:bodyPr>
+          <a:lstStyle/>
+          <a:p>
+            <a:pPr lvl="1"/>
+            <a:r>
+              <a:rPr lang="zh-CN" altLang="en-US" dirty="0" smtClean="0"/>
+              <a:t>与对方初次见面，应该做到哪些以建立初始可信度</a:t>
+            </a:r>
+            <a:endParaRPr lang="en-US" altLang="zh-CN" dirty="0" smtClean="0"/>
+          </a:p>
+          <a:p>
+            <a:pPr lvl="2"/>
+            <a:r>
+              <a:rPr lang="zh-CN" altLang="en-US" dirty="0" smtClean="0"/>
+              <a:t>口碑很重要</a:t>
+            </a:r>
+            <a:endParaRPr lang="en-US" altLang="zh-CN" dirty="0" smtClean="0"/>
+          </a:p>
+          <a:p>
+            <a:pPr lvl="2"/>
+            <a:r>
+              <a:rPr lang="zh-CN" altLang="en-US" dirty="0" smtClean="0"/>
+              <a:t>专业、个人形象</a:t>
+            </a:r>
+            <a:endParaRPr lang="en-US" altLang="zh-CN" dirty="0" smtClean="0"/>
+          </a:p>
+          <a:p>
+            <a:pPr lvl="2"/>
+            <a:r>
+              <a:rPr lang="zh-CN" altLang="en-US" dirty="0"/>
+              <a:t>与</a:t>
+            </a:r>
+            <a:r>
+              <a:rPr lang="zh-CN" altLang="en-US" dirty="0" smtClean="0"/>
+              <a:t>对方互动的方式</a:t>
+            </a:r>
+            <a:endParaRPr lang="en-US" altLang="zh-CN" dirty="0" smtClean="0"/>
+          </a:p>
+          <a:p>
+            <a:pPr lvl="2"/>
+            <a:endParaRPr lang="en-US" altLang="zh-CN" dirty="0"/>
+          </a:p>
+          <a:p>
+            <a:pPr lvl="1"/>
+            <a:r>
+              <a:rPr lang="zh-CN" altLang="en-US" dirty="0"/>
+              <a:t>温情和能力是建立信任关系的关键</a:t>
+            </a:r>
+            <a:r>
+              <a:rPr lang="zh-CN" altLang="en-US" dirty="0" smtClean="0"/>
+              <a:t>因素</a:t>
+            </a:r>
+            <a:endParaRPr lang="en-US" altLang="zh-CN" dirty="0" smtClean="0"/>
+          </a:p>
+          <a:p>
+            <a:pPr lvl="2"/>
+            <a:r>
+              <a:rPr lang="zh-CN" altLang="en-US" dirty="0"/>
+              <a:t>能力</a:t>
+            </a:r>
+            <a:endParaRPr lang="en-US" altLang="zh-CN" dirty="0" smtClean="0"/>
+          </a:p>
+          <a:p>
+            <a:pPr lvl="3"/>
+            <a:r>
+              <a:rPr lang="zh-CN" altLang="en-US" dirty="0" smtClean="0"/>
+              <a:t>凭证</a:t>
+            </a:r>
+            <a:r>
+              <a:rPr lang="en-US" altLang="zh-CN" dirty="0" smtClean="0"/>
+              <a:t>&lt;</a:t>
+            </a:r>
+            <a:r>
+              <a:rPr lang="zh-CN" altLang="en-US" dirty="0" smtClean="0"/>
+              <a:t>职权、经历等等</a:t>
+            </a:r>
+            <a:r>
+              <a:rPr lang="en-US" altLang="zh-CN" dirty="0" smtClean="0"/>
+              <a:t>&gt;</a:t>
+            </a:r>
+          </a:p>
+          <a:p>
+            <a:pPr lvl="3"/>
+            <a:r>
+              <a:rPr lang="zh-CN" altLang="en-US" dirty="0"/>
+              <a:t>行</a:t>
+            </a:r>
+            <a:r>
+              <a:rPr lang="zh-CN" altLang="en-US" dirty="0" smtClean="0"/>
+              <a:t>内术语</a:t>
+            </a:r>
+            <a:endParaRPr lang="en-US" altLang="zh-CN" dirty="0" smtClean="0"/>
+          </a:p>
+          <a:p>
+            <a:pPr lvl="3"/>
+            <a:r>
+              <a:rPr lang="en-US" altLang="zh-CN" dirty="0" smtClean="0"/>
+              <a:t>……</a:t>
+            </a:r>
+          </a:p>
+          <a:p>
+            <a:pPr lvl="2"/>
+            <a:r>
+              <a:rPr lang="zh-CN" altLang="en-US" dirty="0" smtClean="0"/>
+              <a:t>展示温情</a:t>
+            </a:r>
+            <a:endParaRPr lang="en-US" altLang="zh-CN" dirty="0" smtClean="0"/>
+          </a:p>
+          <a:p>
+            <a:pPr lvl="3"/>
+            <a:r>
+              <a:rPr lang="zh-CN" altLang="en-US" dirty="0"/>
+              <a:t>对</a:t>
+            </a:r>
+            <a:r>
+              <a:rPr lang="zh-CN" altLang="en-US" dirty="0" smtClean="0"/>
+              <a:t>他人表示关心</a:t>
+            </a:r>
+            <a:endParaRPr lang="en-US" altLang="zh-CN" dirty="0" smtClean="0"/>
+          </a:p>
+          <a:p>
+            <a:pPr lvl="3"/>
+            <a:r>
+              <a:rPr lang="zh-CN" altLang="en-US" dirty="0" smtClean="0"/>
+              <a:t>分享自己的感情故事</a:t>
+            </a:r>
+            <a:endParaRPr lang="en-US" altLang="zh-CN" dirty="0" smtClean="0"/>
+          </a:p>
+          <a:p>
+            <a:pPr lvl="3"/>
+            <a:r>
+              <a:rPr lang="zh-CN" altLang="en-US" dirty="0" smtClean="0"/>
+              <a:t>可以暴露自己的缺点</a:t>
+            </a:r>
+            <a:endParaRPr lang="en-US" altLang="zh-CN" dirty="0"/>
+          </a:p>
+        </p:txBody>
+      </p:sp>
+      <p:sp>
+        <p:nvSpPr>
+          <p:cNvPr id="4" name="内容占位符 2"/>
+          <p:cNvSpPr txBox="1">
+            <a:spLocks/>
+          </p:cNvSpPr>
+          <p:nvPr/>
+        </p:nvSpPr>
+        <p:spPr>
+          <a:xfrm>
+            <a:off x="8689848" y="365126"/>
+            <a:ext cx="2859024" cy="1460500"/>
+          </a:xfrm>
+          <a:prstGeom prst="rect">
+            <a:avLst/>
+          </a:prstGeom>
+        </p:spPr>
+        <p:txBody>
+          <a:bodyPr vert="horz" lIns="91440" tIns="45720" rIns="91440" bIns="45720" rtlCol="0">
+            <a:normAutofit/>
+          </a:bodyPr>
+          <a:lstStyle>
+            <a:lvl1pPr marL="228600" indent="-228600" algn="l" defTabSz="914400" rtl="0" eaLnBrk="1" latinLnBrk="0" hangingPunct="1">
+              <a:lnSpc>
+                <a:spcPct val="90000"/>
+              </a:lnSpc>
+              <a:spcBef>
+                <a:spcPts val="1000"/>
+              </a:spcBef>
+              <a:buFont typeface="Arial" panose="020B0604020202020204" pitchFamily="34" charset="0"/>
+              <a:buChar char="•"/>
+              <a:defRPr sz="2800" kern="1200">
+                <a:solidFill>
+                  <a:schemeClr val="tx1"/>
+                </a:solidFill>
+                <a:latin typeface="+mn-lt"/>
+                <a:ea typeface="+mn-ea"/>
+                <a:cs typeface="+mn-cs"/>
+              </a:defRPr>
+            </a:lvl1pPr>
+            <a:lvl2pPr marL="685800" indent="-228600" algn="l" defTabSz="914400" rtl="0" eaLnBrk="1" latinLnBrk="0" hangingPunct="1">
+              <a:lnSpc>
+                <a:spcPct val="90000"/>
+              </a:lnSpc>
+              <a:spcBef>
+                <a:spcPts val="500"/>
+              </a:spcBef>
+              <a:buFont typeface="Arial" panose="020B0604020202020204" pitchFamily="34" charset="0"/>
+              <a:buChar char="•"/>
+              <a:defRPr sz="2400" kern="1200">
+                <a:solidFill>
+                  <a:schemeClr val="tx1"/>
+                </a:solidFill>
+                <a:latin typeface="+mn-lt"/>
+                <a:ea typeface="+mn-ea"/>
+                <a:cs typeface="+mn-cs"/>
+              </a:defRPr>
+            </a:lvl2pPr>
+            <a:lvl3pPr marL="1143000" indent="-228600" algn="l" defTabSz="914400" rtl="0" eaLnBrk="1" latinLnBrk="0" hangingPunct="1">
+              <a:lnSpc>
+                <a:spcPct val="90000"/>
+              </a:lnSpc>
+              <a:spcBef>
+                <a:spcPts val="500"/>
+              </a:spcBef>
+              <a:buFont typeface="Arial" panose="020B0604020202020204" pitchFamily="34" charset="0"/>
+              <a:buChar char="•"/>
+              <a:defRPr sz="2000" kern="1200">
+                <a:solidFill>
+                  <a:schemeClr val="tx1"/>
+                </a:solidFill>
+                <a:latin typeface="+mn-lt"/>
+                <a:ea typeface="+mn-ea"/>
+                <a:cs typeface="+mn-cs"/>
+              </a:defRPr>
+            </a:lvl3pPr>
+            <a:lvl4pPr marL="1600200" indent="-228600" algn="l" defTabSz="914400" rtl="0" eaLnBrk="1" latinLnBrk="0" hangingPunct="1">
+              <a:lnSpc>
+                <a:spcPct val="90000"/>
+              </a:lnSpc>
+              <a:spcBef>
+                <a:spcPts val="500"/>
+              </a:spcBef>
+              <a:buFont typeface="Arial" panose="020B0604020202020204" pitchFamily="34" charset="0"/>
+              <a:buChar char="•"/>
+              <a:defRPr sz="1800" kern="1200">
+                <a:solidFill>
+                  <a:schemeClr val="tx1"/>
+                </a:solidFill>
+                <a:latin typeface="+mn-lt"/>
+                <a:ea typeface="+mn-ea"/>
+                <a:cs typeface="+mn-cs"/>
+              </a:defRPr>
+            </a:lvl4pPr>
+            <a:lvl5pPr marL="2057400" indent="-228600" algn="l" defTabSz="914400" rtl="0" eaLnBrk="1" latinLnBrk="0" hangingPunct="1">
+              <a:lnSpc>
+                <a:spcPct val="90000"/>
+              </a:lnSpc>
+              <a:spcBef>
+                <a:spcPts val="500"/>
+              </a:spcBef>
+              <a:buFont typeface="Arial" panose="020B0604020202020204" pitchFamily="34" charset="0"/>
+              <a:buChar char="•"/>
+              <a:defRPr sz="1800" kern="1200">
+                <a:solidFill>
+                  <a:schemeClr val="tx1"/>
+                </a:solidFill>
+                <a:latin typeface="+mn-lt"/>
+                <a:ea typeface="+mn-ea"/>
+                <a:cs typeface="+mn-cs"/>
+              </a:defRPr>
+            </a:lvl5pPr>
+            <a:lvl6pPr marL="2514600" indent="-228600" algn="l" defTabSz="914400" rtl="0" eaLnBrk="1" latinLnBrk="0" hangingPunct="1">
+              <a:lnSpc>
+                <a:spcPct val="90000"/>
+              </a:lnSpc>
+              <a:spcBef>
+                <a:spcPts val="500"/>
+              </a:spcBef>
+              <a:buFont typeface="Arial" panose="020B0604020202020204" pitchFamily="34" charset="0"/>
+              <a:buChar char="•"/>
+              <a:defRPr sz="1800" kern="1200">
+                <a:solidFill>
+                  <a:schemeClr val="tx1"/>
+                </a:solidFill>
+                <a:latin typeface="+mn-lt"/>
+                <a:ea typeface="+mn-ea"/>
+                <a:cs typeface="+mn-cs"/>
+              </a:defRPr>
+            </a:lvl6pPr>
+            <a:lvl7pPr marL="2971800" indent="-228600" algn="l" defTabSz="914400" rtl="0" eaLnBrk="1" latinLnBrk="0" hangingPunct="1">
+              <a:lnSpc>
+                <a:spcPct val="90000"/>
+              </a:lnSpc>
+              <a:spcBef>
+                <a:spcPts val="500"/>
+              </a:spcBef>
+              <a:buFont typeface="Arial" panose="020B0604020202020204" pitchFamily="34" charset="0"/>
+              <a:buChar char="•"/>
+              <a:defRPr sz="1800" kern="1200">
+                <a:solidFill>
+                  <a:schemeClr val="tx1"/>
+                </a:solidFill>
+                <a:latin typeface="+mn-lt"/>
+                <a:ea typeface="+mn-ea"/>
+                <a:cs typeface="+mn-cs"/>
+              </a:defRPr>
+            </a:lvl7pPr>
+            <a:lvl8pPr marL="3429000" indent="-228600" algn="l" defTabSz="914400" rtl="0" eaLnBrk="1" latinLnBrk="0" hangingPunct="1">
+              <a:lnSpc>
+                <a:spcPct val="90000"/>
+              </a:lnSpc>
+              <a:spcBef>
+                <a:spcPts val="500"/>
+              </a:spcBef>
+              <a:buFont typeface="Arial" panose="020B0604020202020204" pitchFamily="34" charset="0"/>
+              <a:buChar char="•"/>
+              <a:defRPr sz="1800" kern="1200">
+                <a:solidFill>
+                  <a:schemeClr val="tx1"/>
+                </a:solidFill>
+                <a:latin typeface="+mn-lt"/>
+                <a:ea typeface="+mn-ea"/>
+                <a:cs typeface="+mn-cs"/>
+              </a:defRPr>
+            </a:lvl8pPr>
+            <a:lvl9pPr marL="3886200" indent="-228600" algn="l" defTabSz="914400" rtl="0" eaLnBrk="1" latinLnBrk="0" hangingPunct="1">
+              <a:lnSpc>
+                <a:spcPct val="90000"/>
+              </a:lnSpc>
+              <a:spcBef>
+                <a:spcPts val="500"/>
+              </a:spcBef>
+              <a:buFont typeface="Arial" panose="020B0604020202020204" pitchFamily="34" charset="0"/>
+              <a:buChar char="•"/>
+              <a:defRPr sz="1800" kern="1200">
+                <a:solidFill>
+                  <a:schemeClr val="tx1"/>
+                </a:solidFill>
+                <a:latin typeface="+mn-lt"/>
+                <a:ea typeface="+mn-ea"/>
+                <a:cs typeface="+mn-cs"/>
+              </a:defRPr>
+            </a:lvl9pPr>
+          </a:lstStyle>
+          <a:p>
+            <a:pPr marL="0" indent="0">
+              <a:buFont typeface="Arial" panose="020B0604020202020204" pitchFamily="34" charset="0"/>
+              <a:buNone/>
+            </a:pPr>
+            <a:r>
+              <a:rPr lang="en-US" altLang="zh-CN" sz="1400" dirty="0" smtClean="0">
+                <a:latin typeface="微软雅黑" panose="020B0503020204020204" pitchFamily="34" charset="-122"/>
+                <a:ea typeface="微软雅黑" panose="020B0503020204020204" pitchFamily="34" charset="-122"/>
+              </a:rPr>
+              <a:t>I </a:t>
+            </a:r>
+            <a:r>
+              <a:rPr lang="zh-CN" altLang="en-US" sz="1400" dirty="0" smtClean="0">
+                <a:latin typeface="微软雅黑" panose="020B0503020204020204" pitchFamily="34" charset="-122"/>
+                <a:ea typeface="微软雅黑" panose="020B0503020204020204" pitchFamily="34" charset="-122"/>
+              </a:rPr>
+              <a:t>跨部门沟通为什么会出现问题</a:t>
+            </a:r>
+            <a:endParaRPr lang="en-US" altLang="zh-CN" sz="1400" dirty="0" smtClean="0">
+              <a:latin typeface="微软雅黑" panose="020B0503020204020204" pitchFamily="34" charset="-122"/>
+              <a:ea typeface="微软雅黑" panose="020B0503020204020204" pitchFamily="34" charset="-122"/>
+            </a:endParaRPr>
+          </a:p>
+          <a:p>
+            <a:pPr marL="0" indent="0">
+              <a:buFont typeface="Arial" panose="020B0604020202020204" pitchFamily="34" charset="0"/>
+              <a:buNone/>
+            </a:pPr>
+            <a:r>
+              <a:rPr lang="en-US" altLang="zh-CN" sz="1400" dirty="0" smtClean="0">
+                <a:latin typeface="微软雅黑" panose="020B0503020204020204" pitchFamily="34" charset="-122"/>
+                <a:ea typeface="微软雅黑" panose="020B0503020204020204" pitchFamily="34" charset="-122"/>
+              </a:rPr>
+              <a:t>II </a:t>
+            </a:r>
+            <a:r>
+              <a:rPr lang="zh-CN" altLang="en-US" sz="1400" dirty="0" smtClean="0">
+                <a:latin typeface="微软雅黑" panose="020B0503020204020204" pitchFamily="34" charset="-122"/>
+                <a:ea typeface="微软雅黑" panose="020B0503020204020204" pitchFamily="34" charset="-122"/>
+              </a:rPr>
+              <a:t>掌握跨部门冲突的本质</a:t>
+            </a:r>
+            <a:endParaRPr lang="en-US" altLang="zh-CN" sz="1400" dirty="0" smtClean="0">
+              <a:latin typeface="微软雅黑" panose="020B0503020204020204" pitchFamily="34" charset="-122"/>
+              <a:ea typeface="微软雅黑" panose="020B0503020204020204" pitchFamily="34" charset="-122"/>
+            </a:endParaRPr>
+          </a:p>
+          <a:p>
+            <a:pPr marL="0" indent="0">
+              <a:buFont typeface="Arial" panose="020B0604020202020204" pitchFamily="34" charset="0"/>
+              <a:buNone/>
+            </a:pPr>
+            <a:r>
+              <a:rPr lang="en-US" altLang="zh-CN" sz="1400" dirty="0" smtClean="0">
+                <a:latin typeface="微软雅黑" panose="020B0503020204020204" pitchFamily="34" charset="-122"/>
+                <a:ea typeface="微软雅黑" panose="020B0503020204020204" pitchFamily="34" charset="-122"/>
+              </a:rPr>
+              <a:t>III </a:t>
+            </a:r>
+            <a:r>
+              <a:rPr lang="zh-CN" altLang="en-US" sz="1400" dirty="0" smtClean="0">
+                <a:latin typeface="微软雅黑" panose="020B0503020204020204" pitchFamily="34" charset="-122"/>
+                <a:ea typeface="微软雅黑" panose="020B0503020204020204" pitchFamily="34" charset="-122"/>
+              </a:rPr>
+              <a:t>跨部门冲突化解的策略</a:t>
+            </a:r>
+            <a:endParaRPr lang="en-US" altLang="zh-CN" sz="1400" dirty="0" smtClean="0">
+              <a:latin typeface="微软雅黑" panose="020B0503020204020204" pitchFamily="34" charset="-122"/>
+              <a:ea typeface="微软雅黑" panose="020B0503020204020204" pitchFamily="34" charset="-122"/>
+            </a:endParaRPr>
+          </a:p>
+          <a:p>
+            <a:pPr marL="0" indent="0">
+              <a:buFont typeface="Arial" panose="020B0604020202020204" pitchFamily="34" charset="0"/>
+              <a:buNone/>
+            </a:pPr>
+            <a:r>
+              <a:rPr lang="en-US" altLang="zh-CN" sz="1400" dirty="0" smtClean="0">
+                <a:solidFill>
+                  <a:srgbClr val="FF0000"/>
+                </a:solidFill>
+                <a:latin typeface="微软雅黑" panose="020B0503020204020204" pitchFamily="34" charset="-122"/>
+                <a:ea typeface="微软雅黑" panose="020B0503020204020204" pitchFamily="34" charset="-122"/>
+              </a:rPr>
+              <a:t>IV </a:t>
+            </a:r>
+            <a:r>
+              <a:rPr lang="zh-CN" altLang="en-US" sz="1400" dirty="0" smtClean="0">
+                <a:solidFill>
+                  <a:srgbClr val="FF0000"/>
+                </a:solidFill>
+                <a:latin typeface="微软雅黑" panose="020B0503020204020204" pitchFamily="34" charset="-122"/>
+                <a:ea typeface="微软雅黑" panose="020B0503020204020204" pitchFamily="34" charset="-122"/>
+              </a:rPr>
+              <a:t>如何让跨部门同事信任我</a:t>
+            </a:r>
+            <a:endParaRPr lang="zh-CN" altLang="en-US" sz="1400" dirty="0">
+              <a:solidFill>
+                <a:srgbClr val="FF0000"/>
+              </a:solidFill>
+              <a:latin typeface="微软雅黑" panose="020B0503020204020204" pitchFamily="34" charset="-122"/>
+              <a:ea typeface="微软雅黑" panose="020B0503020204020204" pitchFamily="34" charset="-122"/>
+            </a:endParaRPr>
+          </a:p>
+        </p:txBody>
+      </p:sp>
+      <p:sp>
+        <p:nvSpPr>
+          <p:cNvPr id="5" name="矩形 4"/>
+          <p:cNvSpPr/>
+          <p:nvPr/>
+        </p:nvSpPr>
+        <p:spPr>
+          <a:xfrm>
+            <a:off x="7905017" y="3312358"/>
+            <a:ext cx="2690411" cy="369332"/>
+          </a:xfrm>
+          <a:prstGeom prst="rect">
+            <a:avLst/>
+          </a:prstGeom>
+        </p:spPr>
+        <p:txBody>
+          <a:bodyPr wrap="square">
+            <a:spAutoFit/>
+          </a:bodyPr>
+          <a:lstStyle/>
+          <a:p>
+            <a:r>
+              <a:rPr lang="zh-CN" altLang="en-US" dirty="0">
+                <a:solidFill>
+                  <a:srgbClr val="FF0000"/>
+                </a:solidFill>
+              </a:rPr>
+              <a:t>长期伙伴关系</a:t>
+            </a:r>
+          </a:p>
+        </p:txBody>
+      </p:sp>
+      <p:sp>
+        <p:nvSpPr>
+          <p:cNvPr id="6" name="矩形 5"/>
+          <p:cNvSpPr/>
+          <p:nvPr/>
+        </p:nvSpPr>
+        <p:spPr>
+          <a:xfrm>
+            <a:off x="8634360" y="4239761"/>
+            <a:ext cx="2690411" cy="369332"/>
+          </a:xfrm>
+          <a:prstGeom prst="rect">
+            <a:avLst/>
+          </a:prstGeom>
+        </p:spPr>
+        <p:txBody>
+          <a:bodyPr wrap="square">
+            <a:spAutoFit/>
+          </a:bodyPr>
+          <a:lstStyle/>
+          <a:p>
+            <a:r>
+              <a:rPr lang="zh-CN" altLang="en-US" dirty="0" smtClean="0">
+                <a:solidFill>
+                  <a:srgbClr val="FF0000"/>
+                </a:solidFill>
+              </a:rPr>
+              <a:t>信誉</a:t>
+            </a:r>
+            <a:endParaRPr lang="zh-CN" altLang="en-US" dirty="0">
+              <a:solidFill>
+                <a:srgbClr val="FF0000"/>
+              </a:solidFill>
+            </a:endParaRPr>
+          </a:p>
+        </p:txBody>
+      </p:sp>
+    </p:spTree>
+    <p:extLst>
+      <p:ext uri="{BB962C8B-B14F-4D97-AF65-F5344CB8AC3E}">
+        <p14:creationId xmlns:p14="http://schemas.microsoft.com/office/powerpoint/2010/main" val="4121223031"/>
+      </p:ext>
+    </p:extLst>
+  </p:cSld>
+  <p:clrMapOvr>
+    <a:masterClrMapping/>
+  </p:clrMapOvr>
+  <p:timing>
+    <p:tnLst>
+      <p:par>
+        <p:cTn id="1" dur="indefinite" restart="never" nodeType="tmRoot"/>
+      </p:par>
+    </p:tnLst>
+  </p:timing>
+</p:sld>
+</file>
+
+<file path=ppt/slides/slide35.xml><?xml version="1.0" encoding="utf-8"?>
+<p:sld xmlns:a="http://schemas.openxmlformats.org/drawingml/2006/main" xmlns:r="http://schemas.openxmlformats.org/officeDocument/2006/relationships" xmlns:p="http://schemas.openxmlformats.org/presentationml/2006/main">
+  <p:cSld>
+    <p:spTree>
+      <p:nvGrpSpPr>
+        <p:cNvPr id="1" name=""/>
+        <p:cNvGrpSpPr/>
+        <p:nvPr/>
+      </p:nvGrpSpPr>
+      <p:grpSpPr>
+        <a:xfrm>
+          <a:off x="0" y="0"/>
+          <a:ext cx="0" cy="0"/>
+          <a:chOff x="0" y="0"/>
+          <a:chExt cx="0" cy="0"/>
+        </a:xfrm>
+      </p:grpSpPr>
+      <p:sp>
+        <p:nvSpPr>
+          <p:cNvPr id="2" name="标题 1"/>
+          <p:cNvSpPr>
+            <a:spLocks noGrp="1"/>
+          </p:cNvSpPr>
+          <p:nvPr>
+            <p:ph type="title"/>
+          </p:nvPr>
+        </p:nvSpPr>
+        <p:spPr/>
+        <p:txBody>
+          <a:bodyPr/>
+          <a:lstStyle/>
+          <a:p>
+            <a:r>
+              <a:rPr lang="zh-CN" altLang="en-US" dirty="0" smtClean="0"/>
               <a:t>第二阶段：为发展中的可信度加分</a:t>
             </a:r>
             <a:endParaRPr lang="zh-CN" altLang="en-US" dirty="0"/>
@@ -23644,7 +25615,7 @@
 </p:sld>
 </file>
 
-<file path=ppt/slides/slide32.xml><?xml version="1.0" encoding="utf-8"?>
+<file path=ppt/slides/slide36.xml><?xml version="1.0" encoding="utf-8"?>
 <p:sld xmlns:a="http://schemas.openxmlformats.org/drawingml/2006/main" xmlns:r="http://schemas.openxmlformats.org/officeDocument/2006/relationships" xmlns:p="http://schemas.openxmlformats.org/presentationml/2006/main">
   <p:cSld>
     <p:spTree>
@@ -24116,7 +26087,7 @@
 </p:sld>
 </file>
 
-<file path=ppt/slides/slide33.xml><?xml version="1.0" encoding="utf-8"?>
+<file path=ppt/slides/slide37.xml><?xml version="1.0" encoding="utf-8"?>
 <p:sld xmlns:a="http://schemas.openxmlformats.org/drawingml/2006/main" xmlns:r="http://schemas.openxmlformats.org/officeDocument/2006/relationships" xmlns:p="http://schemas.openxmlformats.org/presentationml/2006/main">
   <p:cSld>
     <p:spTree>
@@ -24555,7 +26526,7 @@
 </p:sld>
 </file>
 
-<file path=ppt/slides/slide34.xml><?xml version="1.0" encoding="utf-8"?>
+<file path=ppt/slides/slide38.xml><?xml version="1.0" encoding="utf-8"?>
 <p:sld xmlns:a="http://schemas.openxmlformats.org/drawingml/2006/main" xmlns:r="http://schemas.openxmlformats.org/officeDocument/2006/relationships" xmlns:p="http://schemas.openxmlformats.org/presentationml/2006/main">
   <p:cSld>
     <p:spTree>
@@ -25272,7 +27243,7 @@
 </p:sld>
 </file>
 
-<file path=ppt/slides/slide35.xml><?xml version="1.0" encoding="utf-8"?>
+<file path=ppt/slides/slide39.xml><?xml version="1.0" encoding="utf-8"?>
 <p:sld xmlns:a="http://schemas.openxmlformats.org/drawingml/2006/main" xmlns:r="http://schemas.openxmlformats.org/officeDocument/2006/relationships" xmlns:p="http://schemas.openxmlformats.org/presentationml/2006/main">
   <p:cSld>
     <p:spTree>
@@ -25730,469 +27701,6 @@
     <p:extLst>
       <p:ext uri="{BB962C8B-B14F-4D97-AF65-F5344CB8AC3E}">
         <p14:creationId xmlns:p14="http://schemas.microsoft.com/office/powerpoint/2010/main" val="337608502"/>
-      </p:ext>
-    </p:extLst>
-  </p:cSld>
-  <p:clrMapOvr>
-    <a:masterClrMapping/>
-  </p:clrMapOvr>
-  <p:timing>
-    <p:tnLst>
-      <p:par>
-        <p:cTn id="1" dur="indefinite" restart="never" nodeType="tmRoot"/>
-      </p:par>
-    </p:tnLst>
-  </p:timing>
-</p:sld>
-</file>
-
-<file path=ppt/slides/slide36.xml><?xml version="1.0" encoding="utf-8"?>
-<p:sld xmlns:a="http://schemas.openxmlformats.org/drawingml/2006/main" xmlns:r="http://schemas.openxmlformats.org/officeDocument/2006/relationships" xmlns:p="http://schemas.openxmlformats.org/presentationml/2006/main">
-  <p:cSld>
-    <p:spTree>
-      <p:nvGrpSpPr>
-        <p:cNvPr id="1" name=""/>
-        <p:cNvGrpSpPr/>
-        <p:nvPr/>
-      </p:nvGrpSpPr>
-      <p:grpSpPr>
-        <a:xfrm>
-          <a:off x="0" y="0"/>
-          <a:ext cx="0" cy="0"/>
-          <a:chOff x="0" y="0"/>
-          <a:chExt cx="0" cy="0"/>
-        </a:xfrm>
-      </p:grpSpPr>
-      <p:sp>
-        <p:nvSpPr>
-          <p:cNvPr id="2" name="标题 1"/>
-          <p:cNvSpPr>
-            <a:spLocks noGrp="1"/>
-          </p:cNvSpPr>
-          <p:nvPr>
-            <p:ph type="title"/>
-          </p:nvPr>
-        </p:nvSpPr>
-        <p:spPr/>
-        <p:txBody>
-          <a:bodyPr/>
-          <a:lstStyle/>
-          <a:p>
-            <a:r>
-              <a:rPr lang="zh-CN" altLang="en-US" dirty="0" smtClean="0"/>
-              <a:t>沟通的黄金定律</a:t>
-            </a:r>
-            <a:endParaRPr lang="zh-CN" altLang="en-US" dirty="0"/>
-          </a:p>
-        </p:txBody>
-      </p:sp>
-      <p:sp>
-        <p:nvSpPr>
-          <p:cNvPr id="3" name="内容占位符 2"/>
-          <p:cNvSpPr>
-            <a:spLocks noGrp="1"/>
-          </p:cNvSpPr>
-          <p:nvPr>
-            <p:ph idx="1"/>
-          </p:nvPr>
-        </p:nvSpPr>
-        <p:spPr>
-          <a:xfrm>
-            <a:off x="838200" y="1825625"/>
-            <a:ext cx="9896856" cy="4351338"/>
-          </a:xfrm>
-        </p:spPr>
-        <p:txBody>
-          <a:bodyPr>
-            <a:normAutofit/>
-          </a:bodyPr>
-          <a:lstStyle/>
-          <a:p>
-            <a:pPr marL="457200" lvl="1" indent="0">
-              <a:buNone/>
-            </a:pPr>
-            <a:endParaRPr lang="en-US" altLang="zh-CN" sz="6000" dirty="0" smtClean="0">
-              <a:latin typeface="微软雅黑" panose="020B0503020204020204" pitchFamily="34" charset="-122"/>
-              <a:ea typeface="微软雅黑" panose="020B0503020204020204" pitchFamily="34" charset="-122"/>
-            </a:endParaRPr>
-          </a:p>
-          <a:p>
-            <a:pPr marL="457200" lvl="1" indent="0">
-              <a:buNone/>
-            </a:pPr>
-            <a:r>
-              <a:rPr lang="zh-CN" altLang="en-US" sz="6000" dirty="0" smtClean="0">
-                <a:latin typeface="微软雅黑" panose="020B0503020204020204" pitchFamily="34" charset="-122"/>
-                <a:ea typeface="微软雅黑" panose="020B0503020204020204" pitchFamily="34" charset="-122"/>
-              </a:rPr>
-              <a:t>先建立信任再谈事情！</a:t>
-            </a:r>
-            <a:endParaRPr lang="en-US" altLang="zh-CN" sz="6000" dirty="0" smtClean="0">
-              <a:latin typeface="微软雅黑" panose="020B0503020204020204" pitchFamily="34" charset="-122"/>
-              <a:ea typeface="微软雅黑" panose="020B0503020204020204" pitchFamily="34" charset="-122"/>
-            </a:endParaRPr>
-          </a:p>
-        </p:txBody>
-      </p:sp>
-      <p:sp>
-        <p:nvSpPr>
-          <p:cNvPr id="4" name="内容占位符 2"/>
-          <p:cNvSpPr txBox="1">
-            <a:spLocks/>
-          </p:cNvSpPr>
-          <p:nvPr/>
-        </p:nvSpPr>
-        <p:spPr>
-          <a:xfrm>
-            <a:off x="8689848" y="365126"/>
-            <a:ext cx="2859024" cy="1460500"/>
-          </a:xfrm>
-          <a:prstGeom prst="rect">
-            <a:avLst/>
-          </a:prstGeom>
-        </p:spPr>
-        <p:txBody>
-          <a:bodyPr vert="horz" lIns="91440" tIns="45720" rIns="91440" bIns="45720" rtlCol="0">
-            <a:normAutofit/>
-          </a:bodyPr>
-          <a:lstStyle>
-            <a:lvl1pPr marL="228600" indent="-228600" algn="l" defTabSz="914400" rtl="0" eaLnBrk="1" latinLnBrk="0" hangingPunct="1">
-              <a:lnSpc>
-                <a:spcPct val="90000"/>
-              </a:lnSpc>
-              <a:spcBef>
-                <a:spcPts val="1000"/>
-              </a:spcBef>
-              <a:buFont typeface="Arial" panose="020B0604020202020204" pitchFamily="34" charset="0"/>
-              <a:buChar char="•"/>
-              <a:defRPr sz="2800" kern="1200">
-                <a:solidFill>
-                  <a:schemeClr val="tx1"/>
-                </a:solidFill>
-                <a:latin typeface="+mn-lt"/>
-                <a:ea typeface="+mn-ea"/>
-                <a:cs typeface="+mn-cs"/>
-              </a:defRPr>
-            </a:lvl1pPr>
-            <a:lvl2pPr marL="685800" indent="-228600" algn="l" defTabSz="914400" rtl="0" eaLnBrk="1" latinLnBrk="0" hangingPunct="1">
-              <a:lnSpc>
-                <a:spcPct val="90000"/>
-              </a:lnSpc>
-              <a:spcBef>
-                <a:spcPts val="500"/>
-              </a:spcBef>
-              <a:buFont typeface="Arial" panose="020B0604020202020204" pitchFamily="34" charset="0"/>
-              <a:buChar char="•"/>
-              <a:defRPr sz="2400" kern="1200">
-                <a:solidFill>
-                  <a:schemeClr val="tx1"/>
-                </a:solidFill>
-                <a:latin typeface="+mn-lt"/>
-                <a:ea typeface="+mn-ea"/>
-                <a:cs typeface="+mn-cs"/>
-              </a:defRPr>
-            </a:lvl2pPr>
-            <a:lvl3pPr marL="1143000" indent="-228600" algn="l" defTabSz="914400" rtl="0" eaLnBrk="1" latinLnBrk="0" hangingPunct="1">
-              <a:lnSpc>
-                <a:spcPct val="90000"/>
-              </a:lnSpc>
-              <a:spcBef>
-                <a:spcPts val="500"/>
-              </a:spcBef>
-              <a:buFont typeface="Arial" panose="020B0604020202020204" pitchFamily="34" charset="0"/>
-              <a:buChar char="•"/>
-              <a:defRPr sz="2000" kern="1200">
-                <a:solidFill>
-                  <a:schemeClr val="tx1"/>
-                </a:solidFill>
-                <a:latin typeface="+mn-lt"/>
-                <a:ea typeface="+mn-ea"/>
-                <a:cs typeface="+mn-cs"/>
-              </a:defRPr>
-            </a:lvl3pPr>
-            <a:lvl4pPr marL="1600200" indent="-228600" algn="l" defTabSz="914400" rtl="0" eaLnBrk="1" latinLnBrk="0" hangingPunct="1">
-              <a:lnSpc>
-                <a:spcPct val="90000"/>
-              </a:lnSpc>
-              <a:spcBef>
-                <a:spcPts val="500"/>
-              </a:spcBef>
-              <a:buFont typeface="Arial" panose="020B0604020202020204" pitchFamily="34" charset="0"/>
-              <a:buChar char="•"/>
-              <a:defRPr sz="1800" kern="1200">
-                <a:solidFill>
-                  <a:schemeClr val="tx1"/>
-                </a:solidFill>
-                <a:latin typeface="+mn-lt"/>
-                <a:ea typeface="+mn-ea"/>
-                <a:cs typeface="+mn-cs"/>
-              </a:defRPr>
-            </a:lvl4pPr>
-            <a:lvl5pPr marL="2057400" indent="-228600" algn="l" defTabSz="914400" rtl="0" eaLnBrk="1" latinLnBrk="0" hangingPunct="1">
-              <a:lnSpc>
-                <a:spcPct val="90000"/>
-              </a:lnSpc>
-              <a:spcBef>
-                <a:spcPts val="500"/>
-              </a:spcBef>
-              <a:buFont typeface="Arial" panose="020B0604020202020204" pitchFamily="34" charset="0"/>
-              <a:buChar char="•"/>
-              <a:defRPr sz="1800" kern="1200">
-                <a:solidFill>
-                  <a:schemeClr val="tx1"/>
-                </a:solidFill>
-                <a:latin typeface="+mn-lt"/>
-                <a:ea typeface="+mn-ea"/>
-                <a:cs typeface="+mn-cs"/>
-              </a:defRPr>
-            </a:lvl5pPr>
-            <a:lvl6pPr marL="2514600" indent="-228600" algn="l" defTabSz="914400" rtl="0" eaLnBrk="1" latinLnBrk="0" hangingPunct="1">
-              <a:lnSpc>
-                <a:spcPct val="90000"/>
-              </a:lnSpc>
-              <a:spcBef>
-                <a:spcPts val="500"/>
-              </a:spcBef>
-              <a:buFont typeface="Arial" panose="020B0604020202020204" pitchFamily="34" charset="0"/>
-              <a:buChar char="•"/>
-              <a:defRPr sz="1800" kern="1200">
-                <a:solidFill>
-                  <a:schemeClr val="tx1"/>
-                </a:solidFill>
-                <a:latin typeface="+mn-lt"/>
-                <a:ea typeface="+mn-ea"/>
-                <a:cs typeface="+mn-cs"/>
-              </a:defRPr>
-            </a:lvl6pPr>
-            <a:lvl7pPr marL="2971800" indent="-228600" algn="l" defTabSz="914400" rtl="0" eaLnBrk="1" latinLnBrk="0" hangingPunct="1">
-              <a:lnSpc>
-                <a:spcPct val="90000"/>
-              </a:lnSpc>
-              <a:spcBef>
-                <a:spcPts val="500"/>
-              </a:spcBef>
-              <a:buFont typeface="Arial" panose="020B0604020202020204" pitchFamily="34" charset="0"/>
-              <a:buChar char="•"/>
-              <a:defRPr sz="1800" kern="1200">
-                <a:solidFill>
-                  <a:schemeClr val="tx1"/>
-                </a:solidFill>
-                <a:latin typeface="+mn-lt"/>
-                <a:ea typeface="+mn-ea"/>
-                <a:cs typeface="+mn-cs"/>
-              </a:defRPr>
-            </a:lvl7pPr>
-            <a:lvl8pPr marL="3429000" indent="-228600" algn="l" defTabSz="914400" rtl="0" eaLnBrk="1" latinLnBrk="0" hangingPunct="1">
-              <a:lnSpc>
-                <a:spcPct val="90000"/>
-              </a:lnSpc>
-              <a:spcBef>
-                <a:spcPts val="500"/>
-              </a:spcBef>
-              <a:buFont typeface="Arial" panose="020B0604020202020204" pitchFamily="34" charset="0"/>
-              <a:buChar char="•"/>
-              <a:defRPr sz="1800" kern="1200">
-                <a:solidFill>
-                  <a:schemeClr val="tx1"/>
-                </a:solidFill>
-                <a:latin typeface="+mn-lt"/>
-                <a:ea typeface="+mn-ea"/>
-                <a:cs typeface="+mn-cs"/>
-              </a:defRPr>
-            </a:lvl8pPr>
-            <a:lvl9pPr marL="3886200" indent="-228600" algn="l" defTabSz="914400" rtl="0" eaLnBrk="1" latinLnBrk="0" hangingPunct="1">
-              <a:lnSpc>
-                <a:spcPct val="90000"/>
-              </a:lnSpc>
-              <a:spcBef>
-                <a:spcPts val="500"/>
-              </a:spcBef>
-              <a:buFont typeface="Arial" panose="020B0604020202020204" pitchFamily="34" charset="0"/>
-              <a:buChar char="•"/>
-              <a:defRPr sz="1800" kern="1200">
-                <a:solidFill>
-                  <a:schemeClr val="tx1"/>
-                </a:solidFill>
-                <a:latin typeface="+mn-lt"/>
-                <a:ea typeface="+mn-ea"/>
-                <a:cs typeface="+mn-cs"/>
-              </a:defRPr>
-            </a:lvl9pPr>
-          </a:lstStyle>
-          <a:p>
-            <a:pPr marL="0" indent="0">
-              <a:buFont typeface="Arial" panose="020B0604020202020204" pitchFamily="34" charset="0"/>
-              <a:buNone/>
-            </a:pPr>
-            <a:r>
-              <a:rPr lang="en-US" altLang="zh-CN" sz="1400" dirty="0" smtClean="0">
-                <a:latin typeface="微软雅黑" panose="020B0503020204020204" pitchFamily="34" charset="-122"/>
-                <a:ea typeface="微软雅黑" panose="020B0503020204020204" pitchFamily="34" charset="-122"/>
-              </a:rPr>
-              <a:t>I </a:t>
-            </a:r>
-            <a:r>
-              <a:rPr lang="zh-CN" altLang="en-US" sz="1400" dirty="0" smtClean="0">
-                <a:latin typeface="微软雅黑" panose="020B0503020204020204" pitchFamily="34" charset="-122"/>
-                <a:ea typeface="微软雅黑" panose="020B0503020204020204" pitchFamily="34" charset="-122"/>
-              </a:rPr>
-              <a:t>跨部门沟通为什么会出现问题</a:t>
-            </a:r>
-            <a:endParaRPr lang="en-US" altLang="zh-CN" sz="1400" dirty="0" smtClean="0">
-              <a:latin typeface="微软雅黑" panose="020B0503020204020204" pitchFamily="34" charset="-122"/>
-              <a:ea typeface="微软雅黑" panose="020B0503020204020204" pitchFamily="34" charset="-122"/>
-            </a:endParaRPr>
-          </a:p>
-          <a:p>
-            <a:pPr marL="0" indent="0">
-              <a:buFont typeface="Arial" panose="020B0604020202020204" pitchFamily="34" charset="0"/>
-              <a:buNone/>
-            </a:pPr>
-            <a:r>
-              <a:rPr lang="en-US" altLang="zh-CN" sz="1400" dirty="0" smtClean="0">
-                <a:latin typeface="微软雅黑" panose="020B0503020204020204" pitchFamily="34" charset="-122"/>
-                <a:ea typeface="微软雅黑" panose="020B0503020204020204" pitchFamily="34" charset="-122"/>
-              </a:rPr>
-              <a:t>II </a:t>
-            </a:r>
-            <a:r>
-              <a:rPr lang="zh-CN" altLang="en-US" sz="1400" dirty="0" smtClean="0">
-                <a:latin typeface="微软雅黑" panose="020B0503020204020204" pitchFamily="34" charset="-122"/>
-                <a:ea typeface="微软雅黑" panose="020B0503020204020204" pitchFamily="34" charset="-122"/>
-              </a:rPr>
-              <a:t>掌握跨部门冲突的本质</a:t>
-            </a:r>
-            <a:endParaRPr lang="en-US" altLang="zh-CN" sz="1400" dirty="0" smtClean="0">
-              <a:latin typeface="微软雅黑" panose="020B0503020204020204" pitchFamily="34" charset="-122"/>
-              <a:ea typeface="微软雅黑" panose="020B0503020204020204" pitchFamily="34" charset="-122"/>
-            </a:endParaRPr>
-          </a:p>
-          <a:p>
-            <a:pPr marL="0" indent="0">
-              <a:buFont typeface="Arial" panose="020B0604020202020204" pitchFamily="34" charset="0"/>
-              <a:buNone/>
-            </a:pPr>
-            <a:r>
-              <a:rPr lang="en-US" altLang="zh-CN" sz="1400" dirty="0" smtClean="0">
-                <a:latin typeface="微软雅黑" panose="020B0503020204020204" pitchFamily="34" charset="-122"/>
-                <a:ea typeface="微软雅黑" panose="020B0503020204020204" pitchFamily="34" charset="-122"/>
-              </a:rPr>
-              <a:t>III </a:t>
-            </a:r>
-            <a:r>
-              <a:rPr lang="zh-CN" altLang="en-US" sz="1400" dirty="0" smtClean="0">
-                <a:latin typeface="微软雅黑" panose="020B0503020204020204" pitchFamily="34" charset="-122"/>
-                <a:ea typeface="微软雅黑" panose="020B0503020204020204" pitchFamily="34" charset="-122"/>
-              </a:rPr>
-              <a:t>跨部门冲突化解的策略</a:t>
-            </a:r>
-            <a:endParaRPr lang="en-US" altLang="zh-CN" sz="1400" dirty="0" smtClean="0">
-              <a:latin typeface="微软雅黑" panose="020B0503020204020204" pitchFamily="34" charset="-122"/>
-              <a:ea typeface="微软雅黑" panose="020B0503020204020204" pitchFamily="34" charset="-122"/>
-            </a:endParaRPr>
-          </a:p>
-          <a:p>
-            <a:pPr marL="0" indent="0">
-              <a:buFont typeface="Arial" panose="020B0604020202020204" pitchFamily="34" charset="0"/>
-              <a:buNone/>
-            </a:pPr>
-            <a:r>
-              <a:rPr lang="en-US" altLang="zh-CN" sz="1400" dirty="0" smtClean="0">
-                <a:solidFill>
-                  <a:srgbClr val="FF0000"/>
-                </a:solidFill>
-                <a:latin typeface="微软雅黑" panose="020B0503020204020204" pitchFamily="34" charset="-122"/>
-                <a:ea typeface="微软雅黑" panose="020B0503020204020204" pitchFamily="34" charset="-122"/>
-              </a:rPr>
-              <a:t>IV </a:t>
-            </a:r>
-            <a:r>
-              <a:rPr lang="zh-CN" altLang="en-US" sz="1400" dirty="0" smtClean="0">
-                <a:solidFill>
-                  <a:srgbClr val="FF0000"/>
-                </a:solidFill>
-                <a:latin typeface="微软雅黑" panose="020B0503020204020204" pitchFamily="34" charset="-122"/>
-                <a:ea typeface="微软雅黑" panose="020B0503020204020204" pitchFamily="34" charset="-122"/>
-              </a:rPr>
-              <a:t>如何让跨部门同事信任我</a:t>
-            </a:r>
-            <a:endParaRPr lang="zh-CN" altLang="en-US" sz="1400" dirty="0">
-              <a:solidFill>
-                <a:srgbClr val="FF0000"/>
-              </a:solidFill>
-              <a:latin typeface="微软雅黑" panose="020B0503020204020204" pitchFamily="34" charset="-122"/>
-              <a:ea typeface="微软雅黑" panose="020B0503020204020204" pitchFamily="34" charset="-122"/>
-            </a:endParaRPr>
-          </a:p>
-        </p:txBody>
-      </p:sp>
-    </p:spTree>
-    <p:extLst>
-      <p:ext uri="{BB962C8B-B14F-4D97-AF65-F5344CB8AC3E}">
-        <p14:creationId xmlns:p14="http://schemas.microsoft.com/office/powerpoint/2010/main" val="2596855921"/>
-      </p:ext>
-    </p:extLst>
-  </p:cSld>
-  <p:clrMapOvr>
-    <a:masterClrMapping/>
-  </p:clrMapOvr>
-  <p:timing>
-    <p:tnLst>
-      <p:par>
-        <p:cTn id="1" dur="indefinite" restart="never" nodeType="tmRoot"/>
-      </p:par>
-    </p:tnLst>
-  </p:timing>
-</p:sld>
-</file>
-
-<file path=ppt/slides/slide37.xml><?xml version="1.0" encoding="utf-8"?>
-<p:sld xmlns:a="http://schemas.openxmlformats.org/drawingml/2006/main" xmlns:r="http://schemas.openxmlformats.org/officeDocument/2006/relationships" xmlns:p="http://schemas.openxmlformats.org/presentationml/2006/main">
-  <p:cSld>
-    <p:spTree>
-      <p:nvGrpSpPr>
-        <p:cNvPr id="1" name=""/>
-        <p:cNvGrpSpPr/>
-        <p:nvPr/>
-      </p:nvGrpSpPr>
-      <p:grpSpPr>
-        <a:xfrm>
-          <a:off x="0" y="0"/>
-          <a:ext cx="0" cy="0"/>
-          <a:chOff x="0" y="0"/>
-          <a:chExt cx="0" cy="0"/>
-        </a:xfrm>
-      </p:grpSpPr>
-      <p:sp>
-        <p:nvSpPr>
-          <p:cNvPr id="3" name="内容占位符 2"/>
-          <p:cNvSpPr>
-            <a:spLocks noGrp="1"/>
-          </p:cNvSpPr>
-          <p:nvPr>
-            <p:ph idx="1"/>
-          </p:nvPr>
-        </p:nvSpPr>
-        <p:spPr/>
-        <p:txBody>
-          <a:bodyPr/>
-          <a:lstStyle/>
-          <a:p>
-            <a:pPr marL="0" indent="0" algn="ctr">
-              <a:buNone/>
-            </a:pPr>
-            <a:r>
-              <a:rPr lang="zh-CN" altLang="en-US" dirty="0" smtClean="0"/>
-              <a:t>下面没有了</a:t>
-            </a:r>
-            <a:endParaRPr lang="zh-CN" altLang="en-US" dirty="0"/>
-          </a:p>
-        </p:txBody>
-      </p:sp>
-    </p:spTree>
-    <p:extLst>
-      <p:ext uri="{BB962C8B-B14F-4D97-AF65-F5344CB8AC3E}">
-        <p14:creationId xmlns:p14="http://schemas.microsoft.com/office/powerpoint/2010/main" val="2914420378"/>
       </p:ext>
     </p:extLst>
   </p:cSld>
@@ -26304,11 +27812,7 @@
             <a:pPr lvl="1"/>
             <a:r>
               <a:rPr lang="zh-CN" altLang="en-US" i="1" dirty="0" smtClean="0"/>
-              <a:t>指出对方问题，解决问题的同时保持良好的</a:t>
-            </a:r>
-            <a:r>
-              <a:rPr lang="zh-CN" altLang="en-US" i="1" dirty="0" smtClean="0"/>
-              <a:t>关系</a:t>
+              <a:t>指出对方问题，解决问题的同时保持良好的关系</a:t>
             </a:r>
             <a:endParaRPr lang="en-US" altLang="zh-CN" i="1" dirty="0" smtClean="0"/>
           </a:p>
@@ -26322,7 +27826,6 @@
               <a:rPr lang="en-US" altLang="zh-CN" i="1" dirty="0" smtClean="0"/>
               <a:t>….</a:t>
             </a:r>
-            <a:endParaRPr lang="en-US" altLang="zh-CN" i="1" dirty="0" smtClean="0"/>
           </a:p>
           <a:p>
             <a:pPr marL="0" indent="0">
@@ -26628,6 +28131,469 @@
     <p:extLst>
       <p:ext uri="{BB962C8B-B14F-4D97-AF65-F5344CB8AC3E}">
         <p14:creationId xmlns:p14="http://schemas.microsoft.com/office/powerpoint/2010/main" val="2985045930"/>
+      </p:ext>
+    </p:extLst>
+  </p:cSld>
+  <p:clrMapOvr>
+    <a:masterClrMapping/>
+  </p:clrMapOvr>
+  <p:timing>
+    <p:tnLst>
+      <p:par>
+        <p:cTn id="1" dur="indefinite" restart="never" nodeType="tmRoot"/>
+      </p:par>
+    </p:tnLst>
+  </p:timing>
+</p:sld>
+</file>
+
+<file path=ppt/slides/slide40.xml><?xml version="1.0" encoding="utf-8"?>
+<p:sld xmlns:a="http://schemas.openxmlformats.org/drawingml/2006/main" xmlns:r="http://schemas.openxmlformats.org/officeDocument/2006/relationships" xmlns:p="http://schemas.openxmlformats.org/presentationml/2006/main">
+  <p:cSld>
+    <p:spTree>
+      <p:nvGrpSpPr>
+        <p:cNvPr id="1" name=""/>
+        <p:cNvGrpSpPr/>
+        <p:nvPr/>
+      </p:nvGrpSpPr>
+      <p:grpSpPr>
+        <a:xfrm>
+          <a:off x="0" y="0"/>
+          <a:ext cx="0" cy="0"/>
+          <a:chOff x="0" y="0"/>
+          <a:chExt cx="0" cy="0"/>
+        </a:xfrm>
+      </p:grpSpPr>
+      <p:sp>
+        <p:nvSpPr>
+          <p:cNvPr id="2" name="标题 1"/>
+          <p:cNvSpPr>
+            <a:spLocks noGrp="1"/>
+          </p:cNvSpPr>
+          <p:nvPr>
+            <p:ph type="title"/>
+          </p:nvPr>
+        </p:nvSpPr>
+        <p:spPr/>
+        <p:txBody>
+          <a:bodyPr/>
+          <a:lstStyle/>
+          <a:p>
+            <a:r>
+              <a:rPr lang="zh-CN" altLang="en-US" dirty="0" smtClean="0"/>
+              <a:t>沟通的黄金定律</a:t>
+            </a:r>
+            <a:endParaRPr lang="zh-CN" altLang="en-US" dirty="0"/>
+          </a:p>
+        </p:txBody>
+      </p:sp>
+      <p:sp>
+        <p:nvSpPr>
+          <p:cNvPr id="3" name="内容占位符 2"/>
+          <p:cNvSpPr>
+            <a:spLocks noGrp="1"/>
+          </p:cNvSpPr>
+          <p:nvPr>
+            <p:ph idx="1"/>
+          </p:nvPr>
+        </p:nvSpPr>
+        <p:spPr>
+          <a:xfrm>
+            <a:off x="838200" y="1825625"/>
+            <a:ext cx="9896856" cy="4351338"/>
+          </a:xfrm>
+        </p:spPr>
+        <p:txBody>
+          <a:bodyPr>
+            <a:normAutofit/>
+          </a:bodyPr>
+          <a:lstStyle/>
+          <a:p>
+            <a:pPr marL="457200" lvl="1" indent="0">
+              <a:buNone/>
+            </a:pPr>
+            <a:endParaRPr lang="en-US" altLang="zh-CN" sz="6000" dirty="0" smtClean="0">
+              <a:latin typeface="微软雅黑" panose="020B0503020204020204" pitchFamily="34" charset="-122"/>
+              <a:ea typeface="微软雅黑" panose="020B0503020204020204" pitchFamily="34" charset="-122"/>
+            </a:endParaRPr>
+          </a:p>
+          <a:p>
+            <a:pPr marL="457200" lvl="1" indent="0">
+              <a:buNone/>
+            </a:pPr>
+            <a:r>
+              <a:rPr lang="zh-CN" altLang="en-US" sz="6000" dirty="0" smtClean="0">
+                <a:latin typeface="微软雅黑" panose="020B0503020204020204" pitchFamily="34" charset="-122"/>
+                <a:ea typeface="微软雅黑" panose="020B0503020204020204" pitchFamily="34" charset="-122"/>
+              </a:rPr>
+              <a:t>先建立信任再谈事情！</a:t>
+            </a:r>
+            <a:endParaRPr lang="en-US" altLang="zh-CN" sz="6000" dirty="0" smtClean="0">
+              <a:latin typeface="微软雅黑" panose="020B0503020204020204" pitchFamily="34" charset="-122"/>
+              <a:ea typeface="微软雅黑" panose="020B0503020204020204" pitchFamily="34" charset="-122"/>
+            </a:endParaRPr>
+          </a:p>
+        </p:txBody>
+      </p:sp>
+      <p:sp>
+        <p:nvSpPr>
+          <p:cNvPr id="4" name="内容占位符 2"/>
+          <p:cNvSpPr txBox="1">
+            <a:spLocks/>
+          </p:cNvSpPr>
+          <p:nvPr/>
+        </p:nvSpPr>
+        <p:spPr>
+          <a:xfrm>
+            <a:off x="8689848" y="365126"/>
+            <a:ext cx="2859024" cy="1460500"/>
+          </a:xfrm>
+          <a:prstGeom prst="rect">
+            <a:avLst/>
+          </a:prstGeom>
+        </p:spPr>
+        <p:txBody>
+          <a:bodyPr vert="horz" lIns="91440" tIns="45720" rIns="91440" bIns="45720" rtlCol="0">
+            <a:normAutofit/>
+          </a:bodyPr>
+          <a:lstStyle>
+            <a:lvl1pPr marL="228600" indent="-228600" algn="l" defTabSz="914400" rtl="0" eaLnBrk="1" latinLnBrk="0" hangingPunct="1">
+              <a:lnSpc>
+                <a:spcPct val="90000"/>
+              </a:lnSpc>
+              <a:spcBef>
+                <a:spcPts val="1000"/>
+              </a:spcBef>
+              <a:buFont typeface="Arial" panose="020B0604020202020204" pitchFamily="34" charset="0"/>
+              <a:buChar char="•"/>
+              <a:defRPr sz="2800" kern="1200">
+                <a:solidFill>
+                  <a:schemeClr val="tx1"/>
+                </a:solidFill>
+                <a:latin typeface="+mn-lt"/>
+                <a:ea typeface="+mn-ea"/>
+                <a:cs typeface="+mn-cs"/>
+              </a:defRPr>
+            </a:lvl1pPr>
+            <a:lvl2pPr marL="685800" indent="-228600" algn="l" defTabSz="914400" rtl="0" eaLnBrk="1" latinLnBrk="0" hangingPunct="1">
+              <a:lnSpc>
+                <a:spcPct val="90000"/>
+              </a:lnSpc>
+              <a:spcBef>
+                <a:spcPts val="500"/>
+              </a:spcBef>
+              <a:buFont typeface="Arial" panose="020B0604020202020204" pitchFamily="34" charset="0"/>
+              <a:buChar char="•"/>
+              <a:defRPr sz="2400" kern="1200">
+                <a:solidFill>
+                  <a:schemeClr val="tx1"/>
+                </a:solidFill>
+                <a:latin typeface="+mn-lt"/>
+                <a:ea typeface="+mn-ea"/>
+                <a:cs typeface="+mn-cs"/>
+              </a:defRPr>
+            </a:lvl2pPr>
+            <a:lvl3pPr marL="1143000" indent="-228600" algn="l" defTabSz="914400" rtl="0" eaLnBrk="1" latinLnBrk="0" hangingPunct="1">
+              <a:lnSpc>
+                <a:spcPct val="90000"/>
+              </a:lnSpc>
+              <a:spcBef>
+                <a:spcPts val="500"/>
+              </a:spcBef>
+              <a:buFont typeface="Arial" panose="020B0604020202020204" pitchFamily="34" charset="0"/>
+              <a:buChar char="•"/>
+              <a:defRPr sz="2000" kern="1200">
+                <a:solidFill>
+                  <a:schemeClr val="tx1"/>
+                </a:solidFill>
+                <a:latin typeface="+mn-lt"/>
+                <a:ea typeface="+mn-ea"/>
+                <a:cs typeface="+mn-cs"/>
+              </a:defRPr>
+            </a:lvl3pPr>
+            <a:lvl4pPr marL="1600200" indent="-228600" algn="l" defTabSz="914400" rtl="0" eaLnBrk="1" latinLnBrk="0" hangingPunct="1">
+              <a:lnSpc>
+                <a:spcPct val="90000"/>
+              </a:lnSpc>
+              <a:spcBef>
+                <a:spcPts val="500"/>
+              </a:spcBef>
+              <a:buFont typeface="Arial" panose="020B0604020202020204" pitchFamily="34" charset="0"/>
+              <a:buChar char="•"/>
+              <a:defRPr sz="1800" kern="1200">
+                <a:solidFill>
+                  <a:schemeClr val="tx1"/>
+                </a:solidFill>
+                <a:latin typeface="+mn-lt"/>
+                <a:ea typeface="+mn-ea"/>
+                <a:cs typeface="+mn-cs"/>
+              </a:defRPr>
+            </a:lvl4pPr>
+            <a:lvl5pPr marL="2057400" indent="-228600" algn="l" defTabSz="914400" rtl="0" eaLnBrk="1" latinLnBrk="0" hangingPunct="1">
+              <a:lnSpc>
+                <a:spcPct val="90000"/>
+              </a:lnSpc>
+              <a:spcBef>
+                <a:spcPts val="500"/>
+              </a:spcBef>
+              <a:buFont typeface="Arial" panose="020B0604020202020204" pitchFamily="34" charset="0"/>
+              <a:buChar char="•"/>
+              <a:defRPr sz="1800" kern="1200">
+                <a:solidFill>
+                  <a:schemeClr val="tx1"/>
+                </a:solidFill>
+                <a:latin typeface="+mn-lt"/>
+                <a:ea typeface="+mn-ea"/>
+                <a:cs typeface="+mn-cs"/>
+              </a:defRPr>
+            </a:lvl5pPr>
+            <a:lvl6pPr marL="2514600" indent="-228600" algn="l" defTabSz="914400" rtl="0" eaLnBrk="1" latinLnBrk="0" hangingPunct="1">
+              <a:lnSpc>
+                <a:spcPct val="90000"/>
+              </a:lnSpc>
+              <a:spcBef>
+                <a:spcPts val="500"/>
+              </a:spcBef>
+              <a:buFont typeface="Arial" panose="020B0604020202020204" pitchFamily="34" charset="0"/>
+              <a:buChar char="•"/>
+              <a:defRPr sz="1800" kern="1200">
+                <a:solidFill>
+                  <a:schemeClr val="tx1"/>
+                </a:solidFill>
+                <a:latin typeface="+mn-lt"/>
+                <a:ea typeface="+mn-ea"/>
+                <a:cs typeface="+mn-cs"/>
+              </a:defRPr>
+            </a:lvl6pPr>
+            <a:lvl7pPr marL="2971800" indent="-228600" algn="l" defTabSz="914400" rtl="0" eaLnBrk="1" latinLnBrk="0" hangingPunct="1">
+              <a:lnSpc>
+                <a:spcPct val="90000"/>
+              </a:lnSpc>
+              <a:spcBef>
+                <a:spcPts val="500"/>
+              </a:spcBef>
+              <a:buFont typeface="Arial" panose="020B0604020202020204" pitchFamily="34" charset="0"/>
+              <a:buChar char="•"/>
+              <a:defRPr sz="1800" kern="1200">
+                <a:solidFill>
+                  <a:schemeClr val="tx1"/>
+                </a:solidFill>
+                <a:latin typeface="+mn-lt"/>
+                <a:ea typeface="+mn-ea"/>
+                <a:cs typeface="+mn-cs"/>
+              </a:defRPr>
+            </a:lvl7pPr>
+            <a:lvl8pPr marL="3429000" indent="-228600" algn="l" defTabSz="914400" rtl="0" eaLnBrk="1" latinLnBrk="0" hangingPunct="1">
+              <a:lnSpc>
+                <a:spcPct val="90000"/>
+              </a:lnSpc>
+              <a:spcBef>
+                <a:spcPts val="500"/>
+              </a:spcBef>
+              <a:buFont typeface="Arial" panose="020B0604020202020204" pitchFamily="34" charset="0"/>
+              <a:buChar char="•"/>
+              <a:defRPr sz="1800" kern="1200">
+                <a:solidFill>
+                  <a:schemeClr val="tx1"/>
+                </a:solidFill>
+                <a:latin typeface="+mn-lt"/>
+                <a:ea typeface="+mn-ea"/>
+                <a:cs typeface="+mn-cs"/>
+              </a:defRPr>
+            </a:lvl8pPr>
+            <a:lvl9pPr marL="3886200" indent="-228600" algn="l" defTabSz="914400" rtl="0" eaLnBrk="1" latinLnBrk="0" hangingPunct="1">
+              <a:lnSpc>
+                <a:spcPct val="90000"/>
+              </a:lnSpc>
+              <a:spcBef>
+                <a:spcPts val="500"/>
+              </a:spcBef>
+              <a:buFont typeface="Arial" panose="020B0604020202020204" pitchFamily="34" charset="0"/>
+              <a:buChar char="•"/>
+              <a:defRPr sz="1800" kern="1200">
+                <a:solidFill>
+                  <a:schemeClr val="tx1"/>
+                </a:solidFill>
+                <a:latin typeface="+mn-lt"/>
+                <a:ea typeface="+mn-ea"/>
+                <a:cs typeface="+mn-cs"/>
+              </a:defRPr>
+            </a:lvl9pPr>
+          </a:lstStyle>
+          <a:p>
+            <a:pPr marL="0" indent="0">
+              <a:buFont typeface="Arial" panose="020B0604020202020204" pitchFamily="34" charset="0"/>
+              <a:buNone/>
+            </a:pPr>
+            <a:r>
+              <a:rPr lang="en-US" altLang="zh-CN" sz="1400" dirty="0" smtClean="0">
+                <a:latin typeface="微软雅黑" panose="020B0503020204020204" pitchFamily="34" charset="-122"/>
+                <a:ea typeface="微软雅黑" panose="020B0503020204020204" pitchFamily="34" charset="-122"/>
+              </a:rPr>
+              <a:t>I </a:t>
+            </a:r>
+            <a:r>
+              <a:rPr lang="zh-CN" altLang="en-US" sz="1400" dirty="0" smtClean="0">
+                <a:latin typeface="微软雅黑" panose="020B0503020204020204" pitchFamily="34" charset="-122"/>
+                <a:ea typeface="微软雅黑" panose="020B0503020204020204" pitchFamily="34" charset="-122"/>
+              </a:rPr>
+              <a:t>跨部门沟通为什么会出现问题</a:t>
+            </a:r>
+            <a:endParaRPr lang="en-US" altLang="zh-CN" sz="1400" dirty="0" smtClean="0">
+              <a:latin typeface="微软雅黑" panose="020B0503020204020204" pitchFamily="34" charset="-122"/>
+              <a:ea typeface="微软雅黑" panose="020B0503020204020204" pitchFamily="34" charset="-122"/>
+            </a:endParaRPr>
+          </a:p>
+          <a:p>
+            <a:pPr marL="0" indent="0">
+              <a:buFont typeface="Arial" panose="020B0604020202020204" pitchFamily="34" charset="0"/>
+              <a:buNone/>
+            </a:pPr>
+            <a:r>
+              <a:rPr lang="en-US" altLang="zh-CN" sz="1400" dirty="0" smtClean="0">
+                <a:latin typeface="微软雅黑" panose="020B0503020204020204" pitchFamily="34" charset="-122"/>
+                <a:ea typeface="微软雅黑" panose="020B0503020204020204" pitchFamily="34" charset="-122"/>
+              </a:rPr>
+              <a:t>II </a:t>
+            </a:r>
+            <a:r>
+              <a:rPr lang="zh-CN" altLang="en-US" sz="1400" dirty="0" smtClean="0">
+                <a:latin typeface="微软雅黑" panose="020B0503020204020204" pitchFamily="34" charset="-122"/>
+                <a:ea typeface="微软雅黑" panose="020B0503020204020204" pitchFamily="34" charset="-122"/>
+              </a:rPr>
+              <a:t>掌握跨部门冲突的本质</a:t>
+            </a:r>
+            <a:endParaRPr lang="en-US" altLang="zh-CN" sz="1400" dirty="0" smtClean="0">
+              <a:latin typeface="微软雅黑" panose="020B0503020204020204" pitchFamily="34" charset="-122"/>
+              <a:ea typeface="微软雅黑" panose="020B0503020204020204" pitchFamily="34" charset="-122"/>
+            </a:endParaRPr>
+          </a:p>
+          <a:p>
+            <a:pPr marL="0" indent="0">
+              <a:buFont typeface="Arial" panose="020B0604020202020204" pitchFamily="34" charset="0"/>
+              <a:buNone/>
+            </a:pPr>
+            <a:r>
+              <a:rPr lang="en-US" altLang="zh-CN" sz="1400" dirty="0" smtClean="0">
+                <a:latin typeface="微软雅黑" panose="020B0503020204020204" pitchFamily="34" charset="-122"/>
+                <a:ea typeface="微软雅黑" panose="020B0503020204020204" pitchFamily="34" charset="-122"/>
+              </a:rPr>
+              <a:t>III </a:t>
+            </a:r>
+            <a:r>
+              <a:rPr lang="zh-CN" altLang="en-US" sz="1400" dirty="0" smtClean="0">
+                <a:latin typeface="微软雅黑" panose="020B0503020204020204" pitchFamily="34" charset="-122"/>
+                <a:ea typeface="微软雅黑" panose="020B0503020204020204" pitchFamily="34" charset="-122"/>
+              </a:rPr>
+              <a:t>跨部门冲突化解的策略</a:t>
+            </a:r>
+            <a:endParaRPr lang="en-US" altLang="zh-CN" sz="1400" dirty="0" smtClean="0">
+              <a:latin typeface="微软雅黑" panose="020B0503020204020204" pitchFamily="34" charset="-122"/>
+              <a:ea typeface="微软雅黑" panose="020B0503020204020204" pitchFamily="34" charset="-122"/>
+            </a:endParaRPr>
+          </a:p>
+          <a:p>
+            <a:pPr marL="0" indent="0">
+              <a:buFont typeface="Arial" panose="020B0604020202020204" pitchFamily="34" charset="0"/>
+              <a:buNone/>
+            </a:pPr>
+            <a:r>
+              <a:rPr lang="en-US" altLang="zh-CN" sz="1400" dirty="0" smtClean="0">
+                <a:solidFill>
+                  <a:srgbClr val="FF0000"/>
+                </a:solidFill>
+                <a:latin typeface="微软雅黑" panose="020B0503020204020204" pitchFamily="34" charset="-122"/>
+                <a:ea typeface="微软雅黑" panose="020B0503020204020204" pitchFamily="34" charset="-122"/>
+              </a:rPr>
+              <a:t>IV </a:t>
+            </a:r>
+            <a:r>
+              <a:rPr lang="zh-CN" altLang="en-US" sz="1400" dirty="0" smtClean="0">
+                <a:solidFill>
+                  <a:srgbClr val="FF0000"/>
+                </a:solidFill>
+                <a:latin typeface="微软雅黑" panose="020B0503020204020204" pitchFamily="34" charset="-122"/>
+                <a:ea typeface="微软雅黑" panose="020B0503020204020204" pitchFamily="34" charset="-122"/>
+              </a:rPr>
+              <a:t>如何让跨部门同事信任我</a:t>
+            </a:r>
+            <a:endParaRPr lang="zh-CN" altLang="en-US" sz="1400" dirty="0">
+              <a:solidFill>
+                <a:srgbClr val="FF0000"/>
+              </a:solidFill>
+              <a:latin typeface="微软雅黑" panose="020B0503020204020204" pitchFamily="34" charset="-122"/>
+              <a:ea typeface="微软雅黑" panose="020B0503020204020204" pitchFamily="34" charset="-122"/>
+            </a:endParaRPr>
+          </a:p>
+        </p:txBody>
+      </p:sp>
+    </p:spTree>
+    <p:extLst>
+      <p:ext uri="{BB962C8B-B14F-4D97-AF65-F5344CB8AC3E}">
+        <p14:creationId xmlns:p14="http://schemas.microsoft.com/office/powerpoint/2010/main" val="2596855921"/>
+      </p:ext>
+    </p:extLst>
+  </p:cSld>
+  <p:clrMapOvr>
+    <a:masterClrMapping/>
+  </p:clrMapOvr>
+  <p:timing>
+    <p:tnLst>
+      <p:par>
+        <p:cTn id="1" dur="indefinite" restart="never" nodeType="tmRoot"/>
+      </p:par>
+    </p:tnLst>
+  </p:timing>
+</p:sld>
+</file>
+
+<file path=ppt/slides/slide41.xml><?xml version="1.0" encoding="utf-8"?>
+<p:sld xmlns:a="http://schemas.openxmlformats.org/drawingml/2006/main" xmlns:r="http://schemas.openxmlformats.org/officeDocument/2006/relationships" xmlns:p="http://schemas.openxmlformats.org/presentationml/2006/main">
+  <p:cSld>
+    <p:spTree>
+      <p:nvGrpSpPr>
+        <p:cNvPr id="1" name=""/>
+        <p:cNvGrpSpPr/>
+        <p:nvPr/>
+      </p:nvGrpSpPr>
+      <p:grpSpPr>
+        <a:xfrm>
+          <a:off x="0" y="0"/>
+          <a:ext cx="0" cy="0"/>
+          <a:chOff x="0" y="0"/>
+          <a:chExt cx="0" cy="0"/>
+        </a:xfrm>
+      </p:grpSpPr>
+      <p:sp>
+        <p:nvSpPr>
+          <p:cNvPr id="3" name="内容占位符 2"/>
+          <p:cNvSpPr>
+            <a:spLocks noGrp="1"/>
+          </p:cNvSpPr>
+          <p:nvPr>
+            <p:ph idx="1"/>
+          </p:nvPr>
+        </p:nvSpPr>
+        <p:spPr/>
+        <p:txBody>
+          <a:bodyPr/>
+          <a:lstStyle/>
+          <a:p>
+            <a:pPr marL="0" indent="0" algn="ctr">
+              <a:buNone/>
+            </a:pPr>
+            <a:r>
+              <a:rPr lang="zh-CN" altLang="en-US" dirty="0" smtClean="0"/>
+              <a:t>下面没有了</a:t>
+            </a:r>
+            <a:endParaRPr lang="zh-CN" altLang="en-US" dirty="0"/>
+          </a:p>
+        </p:txBody>
+      </p:sp>
+    </p:spTree>
+    <p:extLst>
+      <p:ext uri="{BB962C8B-B14F-4D97-AF65-F5344CB8AC3E}">
+        <p14:creationId xmlns:p14="http://schemas.microsoft.com/office/powerpoint/2010/main" val="2914420378"/>
       </p:ext>
     </p:extLst>
   </p:cSld>
@@ -26709,11 +28675,7 @@
             </a:pPr>
             <a:r>
               <a:rPr lang="zh-CN" altLang="en-US" dirty="0" smtClean="0"/>
-              <a:t>跨</a:t>
-            </a:r>
-            <a:r>
-              <a:rPr lang="zh-CN" altLang="en-US" dirty="0" smtClean="0"/>
-              <a:t>部门</a:t>
+              <a:t>跨部门</a:t>
             </a:r>
             <a:r>
               <a:rPr lang="zh-CN" altLang="en-US" dirty="0"/>
@@ -26721,11 +28683,7 @@
             </a:r>
             <a:r>
               <a:rPr lang="zh-CN" altLang="en-US" dirty="0" smtClean="0"/>
-              <a:t>的</a:t>
-            </a:r>
-            <a:r>
-              <a:rPr lang="zh-CN" altLang="en-US" dirty="0" smtClean="0"/>
-              <a:t>组织障碍</a:t>
+              <a:t>的组织障碍</a:t>
             </a:r>
             <a:endParaRPr lang="en-US" altLang="zh-CN" dirty="0" smtClean="0"/>
           </a:p>
@@ -26811,7 +28769,6 @@
               <a:rPr lang="zh-CN" altLang="en-US" dirty="0" smtClean="0"/>
               <a:t>情绪的变化</a:t>
             </a:r>
-            <a:endParaRPr lang="zh-CN" altLang="en-US" dirty="0" smtClean="0"/>
           </a:p>
         </p:txBody>
       </p:sp>

--- a/跨部门沟通/跨部门沟通.pptx
+++ b/跨部门沟通/跨部门沟通.pptx
@@ -237,7 +237,7 @@
           <a:p>
             <a:fld id="{94497195-2AB8-448F-9AC0-584AD1804F59}" type="datetimeFigureOut">
               <a:rPr lang="zh-CN" altLang="en-US" smtClean="0"/>
-              <a:t>2017/12/23</a:t>
+              <a:t>2017/12/25</a:t>
             </a:fld>
             <a:endParaRPr lang="zh-CN" altLang="en-US"/>
           </a:p>
@@ -1473,6 +1473,52 @@
           <a:bodyPr/>
           <a:lstStyle/>
           <a:p>
+            <a:r>
+              <a:rPr lang="zh-CN" altLang="en-US" sz="1200" b="1" i="0" kern="1200" dirty="0" smtClean="0">
+                <a:solidFill>
+                  <a:schemeClr val="tx1"/>
+                </a:solidFill>
+                <a:effectLst/>
+                <a:latin typeface="+mn-lt"/>
+                <a:ea typeface="+mn-ea"/>
+                <a:cs typeface="+mn-cs"/>
+              </a:rPr>
+              <a:t>沟通</a:t>
+            </a:r>
+            <a:r>
+              <a:rPr lang="zh-CN" altLang="en-US" sz="1200" b="0" i="0" kern="1200" dirty="0" smtClean="0">
+                <a:solidFill>
+                  <a:schemeClr val="tx1"/>
+                </a:solidFill>
+                <a:effectLst/>
+                <a:latin typeface="+mn-lt"/>
+                <a:ea typeface="+mn-ea"/>
+                <a:cs typeface="+mn-cs"/>
+              </a:rPr>
+              <a:t>是不同的行为主体，通过各种载体实现信息的双向流动，形成行为主体的感知，以达到特定目标的行为过程。</a:t>
+            </a:r>
+            <a:endParaRPr lang="en-US" altLang="zh-CN" sz="1200" b="0" i="0" kern="1200" dirty="0" smtClean="0">
+              <a:solidFill>
+                <a:schemeClr val="tx1"/>
+              </a:solidFill>
+              <a:effectLst/>
+              <a:latin typeface="+mn-lt"/>
+              <a:ea typeface="+mn-ea"/>
+              <a:cs typeface="+mn-cs"/>
+            </a:endParaRPr>
+          </a:p>
+          <a:p>
+            <a:endParaRPr lang="en-US" altLang="zh-CN" sz="1200" b="0" i="0" kern="1200" dirty="0" smtClean="0">
+              <a:solidFill>
+                <a:schemeClr val="tx1"/>
+              </a:solidFill>
+              <a:effectLst/>
+              <a:latin typeface="+mn-lt"/>
+              <a:ea typeface="+mn-ea"/>
+              <a:cs typeface="+mn-cs"/>
+            </a:endParaRPr>
+          </a:p>
+          <a:p>
             <a:endParaRPr lang="zh-CN" altLang="en-US" dirty="0"/>
           </a:p>
         </p:txBody>
@@ -5110,7 +5156,7 @@
           <a:p>
             <a:fld id="{F2C9BDF9-6F65-4C8F-9042-B26B020407D2}" type="datetimeFigureOut">
               <a:rPr lang="zh-CN" altLang="en-US" smtClean="0"/>
-              <a:t>2017/12/23</a:t>
+              <a:t>2017/12/25</a:t>
             </a:fld>
             <a:endParaRPr lang="zh-CN" altLang="en-US"/>
           </a:p>
@@ -5280,7 +5326,7 @@
           <a:p>
             <a:fld id="{F2C9BDF9-6F65-4C8F-9042-B26B020407D2}" type="datetimeFigureOut">
               <a:rPr lang="zh-CN" altLang="en-US" smtClean="0"/>
-              <a:t>2017/12/23</a:t>
+              <a:t>2017/12/25</a:t>
             </a:fld>
             <a:endParaRPr lang="zh-CN" altLang="en-US"/>
           </a:p>
@@ -5460,7 +5506,7 @@
           <a:p>
             <a:fld id="{F2C9BDF9-6F65-4C8F-9042-B26B020407D2}" type="datetimeFigureOut">
               <a:rPr lang="zh-CN" altLang="en-US" smtClean="0"/>
-              <a:t>2017/12/23</a:t>
+              <a:t>2017/12/25</a:t>
             </a:fld>
             <a:endParaRPr lang="zh-CN" altLang="en-US"/>
           </a:p>
@@ -5630,7 +5676,7 @@
           <a:p>
             <a:fld id="{F2C9BDF9-6F65-4C8F-9042-B26B020407D2}" type="datetimeFigureOut">
               <a:rPr lang="zh-CN" altLang="en-US" smtClean="0"/>
-              <a:t>2017/12/23</a:t>
+              <a:t>2017/12/25</a:t>
             </a:fld>
             <a:endParaRPr lang="zh-CN" altLang="en-US"/>
           </a:p>
@@ -5876,7 +5922,7 @@
           <a:p>
             <a:fld id="{F2C9BDF9-6F65-4C8F-9042-B26B020407D2}" type="datetimeFigureOut">
               <a:rPr lang="zh-CN" altLang="en-US" smtClean="0"/>
-              <a:t>2017/12/23</a:t>
+              <a:t>2017/12/25</a:t>
             </a:fld>
             <a:endParaRPr lang="zh-CN" altLang="en-US"/>
           </a:p>
@@ -6108,7 +6154,7 @@
           <a:p>
             <a:fld id="{F2C9BDF9-6F65-4C8F-9042-B26B020407D2}" type="datetimeFigureOut">
               <a:rPr lang="zh-CN" altLang="en-US" smtClean="0"/>
-              <a:t>2017/12/23</a:t>
+              <a:t>2017/12/25</a:t>
             </a:fld>
             <a:endParaRPr lang="zh-CN" altLang="en-US"/>
           </a:p>
@@ -6475,7 +6521,7 @@
           <a:p>
             <a:fld id="{F2C9BDF9-6F65-4C8F-9042-B26B020407D2}" type="datetimeFigureOut">
               <a:rPr lang="zh-CN" altLang="en-US" smtClean="0"/>
-              <a:t>2017/12/23</a:t>
+              <a:t>2017/12/25</a:t>
             </a:fld>
             <a:endParaRPr lang="zh-CN" altLang="en-US"/>
           </a:p>
@@ -6593,7 +6639,7 @@
           <a:p>
             <a:fld id="{F2C9BDF9-6F65-4C8F-9042-B26B020407D2}" type="datetimeFigureOut">
               <a:rPr lang="zh-CN" altLang="en-US" smtClean="0"/>
-              <a:t>2017/12/23</a:t>
+              <a:t>2017/12/25</a:t>
             </a:fld>
             <a:endParaRPr lang="zh-CN" altLang="en-US"/>
           </a:p>
@@ -6688,7 +6734,7 @@
           <a:p>
             <a:fld id="{F2C9BDF9-6F65-4C8F-9042-B26B020407D2}" type="datetimeFigureOut">
               <a:rPr lang="zh-CN" altLang="en-US" smtClean="0"/>
-              <a:t>2017/12/23</a:t>
+              <a:t>2017/12/25</a:t>
             </a:fld>
             <a:endParaRPr lang="zh-CN" altLang="en-US"/>
           </a:p>
@@ -6965,7 +7011,7 @@
           <a:p>
             <a:fld id="{F2C9BDF9-6F65-4C8F-9042-B26B020407D2}" type="datetimeFigureOut">
               <a:rPr lang="zh-CN" altLang="en-US" smtClean="0"/>
-              <a:t>2017/12/23</a:t>
+              <a:t>2017/12/25</a:t>
             </a:fld>
             <a:endParaRPr lang="zh-CN" altLang="en-US"/>
           </a:p>
@@ -7218,7 +7264,7 @@
           <a:p>
             <a:fld id="{F2C9BDF9-6F65-4C8F-9042-B26B020407D2}" type="datetimeFigureOut">
               <a:rPr lang="zh-CN" altLang="en-US" smtClean="0"/>
-              <a:t>2017/12/23</a:t>
+              <a:t>2017/12/25</a:t>
             </a:fld>
             <a:endParaRPr lang="zh-CN" altLang="en-US"/>
           </a:p>
@@ -7431,7 +7477,7 @@
           <a:p>
             <a:fld id="{F2C9BDF9-6F65-4C8F-9042-B26B020407D2}" type="datetimeFigureOut">
               <a:rPr lang="zh-CN" altLang="en-US" smtClean="0"/>
-              <a:t>2017/12/23</a:t>
+              <a:t>2017/12/25</a:t>
             </a:fld>
             <a:endParaRPr lang="zh-CN" altLang="en-US"/>
           </a:p>
@@ -15394,6 +15440,30 @@
           </a:p>
         </p:txBody>
       </p:sp>
+      <p:pic>
+        <p:nvPicPr>
+          <p:cNvPr id="5" name="图片 4"/>
+          <p:cNvPicPr>
+            <a:picLocks noChangeAspect="1"/>
+          </p:cNvPicPr>
+          <p:nvPr/>
+        </p:nvPicPr>
+        <p:blipFill>
+          <a:blip r:embed="rId3"/>
+          <a:stretch>
+            <a:fillRect/>
+          </a:stretch>
+        </p:blipFill>
+        <p:spPr>
+          <a:xfrm>
+            <a:off x="5503735" y="1604964"/>
+            <a:ext cx="6372225" cy="3048000"/>
+          </a:xfrm>
+          <a:prstGeom prst="rect">
+            <a:avLst/>
+          </a:prstGeom>
+        </p:spPr>
+      </p:pic>
     </p:spTree>
     <p:extLst>
       <p:ext uri="{BB962C8B-B14F-4D97-AF65-F5344CB8AC3E}">
@@ -22142,7 +22212,6 @@
               <a:rPr lang="zh-CN" altLang="en-US" dirty="0"/>
               <a:t>举个栗子</a:t>
             </a:r>
-            <a:endParaRPr lang="zh-CN" altLang="en-US" dirty="0"/>
           </a:p>
         </p:txBody>
       </p:sp>
